--- a/PPT/BEFA.pptx
+++ b/PPT/BEFA.pptx
@@ -5,50 +5,65 @@
     <p:sldMasterId id="2147483648" r:id="rId1"/>
   </p:sldMasterIdLst>
   <p:notesMasterIdLst>
-    <p:notesMasterId r:id="rId13"/>
+    <p:notesMasterId r:id="rId5"/>
   </p:notesMasterIdLst>
   <p:sldIdLst>
-    <p:sldId id="266" r:id="rId2"/>
-    <p:sldId id="257" r:id="rId3"/>
-    <p:sldId id="258" r:id="rId4"/>
-    <p:sldId id="259" r:id="rId5"/>
-    <p:sldId id="260" r:id="rId6"/>
-    <p:sldId id="261" r:id="rId7"/>
-    <p:sldId id="262" r:id="rId8"/>
-    <p:sldId id="263" r:id="rId9"/>
-    <p:sldId id="264" r:id="rId10"/>
-    <p:sldId id="265" r:id="rId11"/>
-    <p:sldId id="268" r:id="rId12"/>
+    <p:sldId id="266" r:id="rId3"/>
+    <p:sldId id="257" r:id="rId4"/>
+    <p:sldId id="258" r:id="rId6"/>
+    <p:sldId id="259" r:id="rId7"/>
+    <p:sldId id="260" r:id="rId8"/>
+    <p:sldId id="261" r:id="rId9"/>
+    <p:sldId id="262" r:id="rId10"/>
+    <p:sldId id="263" r:id="rId11"/>
+    <p:sldId id="264" r:id="rId12"/>
+    <p:sldId id="265" r:id="rId13"/>
   </p:sldIdLst>
   <p:sldSz cx="14630400" cy="8229600"/>
   <p:notesSz cx="8229600" cy="14630400"/>
   <p:embeddedFontLst>
     <p:embeddedFont>
-      <p:font typeface="Calibri Light" panose="020F0302020204030204" pitchFamily="34" charset="0"/>
-      <p:regular r:id="rId14"/>
-      <p:italic r:id="rId15"/>
+      <p:font typeface="Calibri Light" panose="020F0302020204030204"/>
+      <p:regular r:id="rId17"/>
+      <p:italic r:id="rId18"/>
     </p:embeddedFont>
     <p:embeddedFont>
-      <p:font typeface="Calibri" panose="020F0502020204030204" pitchFamily="34" charset="0"/>
-      <p:regular r:id="rId16"/>
-      <p:bold r:id="rId17"/>
-      <p:italic r:id="rId18"/>
-      <p:boldItalic r:id="rId19"/>
+      <p:font typeface="Segoe UI" panose="020B0502040204020203"/>
+      <p:regular r:id="rId19"/>
+      <p:bold r:id="rId20"/>
+      <p:italic r:id="rId21"/>
+      <p:boldItalic r:id="rId22"/>
     </p:embeddedFont>
     <p:embeddedFont>
-      <p:font typeface="Nobile" panose="020B0604020202020204" charset="0"/>
-      <p:regular r:id="rId20"/>
+      <p:font typeface="Corben" panose="020F0503020000020004" pitchFamily="34" charset="0"/>
+      <p:regular r:id="rId23"/>
     </p:embeddedFont>
     <p:embeddedFont>
-      <p:font typeface="Corben" panose="020B0604020202020204" charset="0"/>
-      <p:regular r:id="rId21"/>
+      <p:font typeface="Corben" panose="020F0503020000020004" pitchFamily="34" charset="-122"/>
+      <p:regular r:id="rId24"/>
     </p:embeddedFont>
     <p:embeddedFont>
-      <p:font typeface="Segoe UI" panose="020B0502040204020203" pitchFamily="34" charset="0"/>
-      <p:regular r:id="rId22"/>
-      <p:bold r:id="rId23"/>
-      <p:italic r:id="rId24"/>
-      <p:boldItalic r:id="rId25"/>
+      <p:font typeface="Corben" panose="020F0503020000020004" pitchFamily="34" charset="-120"/>
+      <p:regular r:id="rId25"/>
+    </p:embeddedFont>
+    <p:embeddedFont>
+      <p:font typeface="Nobile" panose="02000503050000020004" pitchFamily="34" charset="0"/>
+      <p:regular r:id="rId26"/>
+    </p:embeddedFont>
+    <p:embeddedFont>
+      <p:font typeface="Nobile" panose="02000503050000020004" pitchFamily="34" charset="-122"/>
+      <p:regular r:id="rId27"/>
+    </p:embeddedFont>
+    <p:embeddedFont>
+      <p:font typeface="Nobile" panose="02000503050000020004" pitchFamily="34" charset="-120"/>
+      <p:regular r:id="rId28"/>
+    </p:embeddedFont>
+    <p:embeddedFont>
+      <p:font typeface="Calibri" panose="020F0502020204030204" charset="0"/>
+      <p:regular r:id="rId29"/>
+      <p:bold r:id="rId30"/>
+      <p:italic r:id="rId31"/>
+      <p:boldItalic r:id="rId32"/>
     </p:embeddedFont>
   </p:embeddedFontLst>
   <p:defaultTextStyle>
@@ -146,11 +161,6 @@
       </a:defRPr>
     </a:lvl9pPr>
   </p:defaultTextStyle>
-  <p:extLst>
-    <p:ext uri="{EFAFB233-063F-42B5-8137-9DF3F51BA10A}">
-      <p15:sldGuideLst xmlns:p15="http://schemas.microsoft.com/office/powerpoint/2012/main"/>
-    </p:ext>
-  </p:extLst>
 </p:presentation>
 </file>
 
@@ -177,11 +187,6 @@
         </a:xfrm>
       </p:grpSpPr>
     </p:spTree>
-    <p:extLst>
-      <p:ext uri="{BB962C8B-B14F-4D97-AF65-F5344CB8AC3E}">
-        <p14:creationId xmlns:p14="http://schemas.microsoft.com/office/powerpoint/2010/main" val="1355616701"/>
-      </p:ext>
-    </p:extLst>
   </p:cSld>
   <p:clrMap bg1="lt1" tx1="dk1" bg2="lt2" tx2="dk2" accent1="accent1" accent2="accent2" accent3="accent3" accent4="accent4" accent5="accent5" accent6="accent6" hlink="hlink" folHlink="folHlink"/>
   <p:notesStyle>
@@ -344,18 +349,12 @@
           <a:p>
             <a:fld id="{F7021451-1387-4CA6-816F-3879F97B5CBC}" type="slidenum">
               <a:rPr lang="en-US"/>
-              <a:t>2</a:t>
             </a:fld>
             <a:endParaRPr lang="en-US"/>
           </a:p>
         </p:txBody>
       </p:sp>
     </p:spTree>
-    <p:extLst>
-      <p:ext uri="{BB962C8B-B14F-4D97-AF65-F5344CB8AC3E}">
-        <p14:creationId xmlns:p14="http://schemas.microsoft.com/office/powerpoint/2010/main" val="1024086991"/>
-      </p:ext>
-    </p:extLst>
   </p:cSld>
   <p:clrMapOvr>
     <a:masterClrMapping/>
@@ -428,18 +427,12 @@
           <a:p>
             <a:fld id="{F7021451-1387-4CA6-816F-3879F97B5CBC}" type="slidenum">
               <a:rPr lang="en-US"/>
-              <a:t>3</a:t>
             </a:fld>
             <a:endParaRPr lang="en-US"/>
           </a:p>
         </p:txBody>
       </p:sp>
     </p:spTree>
-    <p:extLst>
-      <p:ext uri="{BB962C8B-B14F-4D97-AF65-F5344CB8AC3E}">
-        <p14:creationId xmlns:p14="http://schemas.microsoft.com/office/powerpoint/2010/main" val="1024086991"/>
-      </p:ext>
-    </p:extLst>
   </p:cSld>
   <p:clrMapOvr>
     <a:masterClrMapping/>
@@ -512,18 +505,12 @@
           <a:p>
             <a:fld id="{F7021451-1387-4CA6-816F-3879F97B5CBC}" type="slidenum">
               <a:rPr lang="en-US"/>
-              <a:t>4</a:t>
             </a:fld>
             <a:endParaRPr lang="en-US"/>
           </a:p>
         </p:txBody>
       </p:sp>
     </p:spTree>
-    <p:extLst>
-      <p:ext uri="{BB962C8B-B14F-4D97-AF65-F5344CB8AC3E}">
-        <p14:creationId xmlns:p14="http://schemas.microsoft.com/office/powerpoint/2010/main" val="1024086991"/>
-      </p:ext>
-    </p:extLst>
   </p:cSld>
   <p:clrMapOvr>
     <a:masterClrMapping/>
@@ -596,18 +583,12 @@
           <a:p>
             <a:fld id="{F7021451-1387-4CA6-816F-3879F97B5CBC}" type="slidenum">
               <a:rPr lang="en-US"/>
-              <a:t>5</a:t>
             </a:fld>
             <a:endParaRPr lang="en-US"/>
           </a:p>
         </p:txBody>
       </p:sp>
     </p:spTree>
-    <p:extLst>
-      <p:ext uri="{BB962C8B-B14F-4D97-AF65-F5344CB8AC3E}">
-        <p14:creationId xmlns:p14="http://schemas.microsoft.com/office/powerpoint/2010/main" val="1024086991"/>
-      </p:ext>
-    </p:extLst>
   </p:cSld>
   <p:clrMapOvr>
     <a:masterClrMapping/>
@@ -680,18 +661,12 @@
           <a:p>
             <a:fld id="{F7021451-1387-4CA6-816F-3879F97B5CBC}" type="slidenum">
               <a:rPr lang="en-US"/>
-              <a:t>6</a:t>
             </a:fld>
             <a:endParaRPr lang="en-US"/>
           </a:p>
         </p:txBody>
       </p:sp>
     </p:spTree>
-    <p:extLst>
-      <p:ext uri="{BB962C8B-B14F-4D97-AF65-F5344CB8AC3E}">
-        <p14:creationId xmlns:p14="http://schemas.microsoft.com/office/powerpoint/2010/main" val="1024086991"/>
-      </p:ext>
-    </p:extLst>
   </p:cSld>
   <p:clrMapOvr>
     <a:masterClrMapping/>
@@ -764,18 +739,12 @@
           <a:p>
             <a:fld id="{F7021451-1387-4CA6-816F-3879F97B5CBC}" type="slidenum">
               <a:rPr lang="en-US"/>
-              <a:t>7</a:t>
             </a:fld>
             <a:endParaRPr lang="en-US"/>
           </a:p>
         </p:txBody>
       </p:sp>
     </p:spTree>
-    <p:extLst>
-      <p:ext uri="{BB962C8B-B14F-4D97-AF65-F5344CB8AC3E}">
-        <p14:creationId xmlns:p14="http://schemas.microsoft.com/office/powerpoint/2010/main" val="1024086991"/>
-      </p:ext>
-    </p:extLst>
   </p:cSld>
   <p:clrMapOvr>
     <a:masterClrMapping/>
@@ -848,18 +817,12 @@
           <a:p>
             <a:fld id="{F7021451-1387-4CA6-816F-3879F97B5CBC}" type="slidenum">
               <a:rPr lang="en-US"/>
-              <a:t>8</a:t>
             </a:fld>
             <a:endParaRPr lang="en-US"/>
           </a:p>
         </p:txBody>
       </p:sp>
     </p:spTree>
-    <p:extLst>
-      <p:ext uri="{BB962C8B-B14F-4D97-AF65-F5344CB8AC3E}">
-        <p14:creationId xmlns:p14="http://schemas.microsoft.com/office/powerpoint/2010/main" val="1024086991"/>
-      </p:ext>
-    </p:extLst>
   </p:cSld>
   <p:clrMapOvr>
     <a:masterClrMapping/>
@@ -932,18 +895,12 @@
           <a:p>
             <a:fld id="{F7021451-1387-4CA6-816F-3879F97B5CBC}" type="slidenum">
               <a:rPr lang="en-US"/>
-              <a:t>9</a:t>
             </a:fld>
             <a:endParaRPr lang="en-US"/>
           </a:p>
         </p:txBody>
       </p:sp>
     </p:spTree>
-    <p:extLst>
-      <p:ext uri="{BB962C8B-B14F-4D97-AF65-F5344CB8AC3E}">
-        <p14:creationId xmlns:p14="http://schemas.microsoft.com/office/powerpoint/2010/main" val="1024086991"/>
-      </p:ext>
-    </p:extLst>
   </p:cSld>
   <p:clrMapOvr>
     <a:masterClrMapping/>
@@ -1016,18 +973,12 @@
           <a:p>
             <a:fld id="{F7021451-1387-4CA6-816F-3879F97B5CBC}" type="slidenum">
               <a:rPr lang="en-US"/>
-              <a:t>10</a:t>
             </a:fld>
             <a:endParaRPr lang="en-US"/>
           </a:p>
         </p:txBody>
       </p:sp>
     </p:spTree>
-    <p:extLst>
-      <p:ext uri="{BB962C8B-B14F-4D97-AF65-F5344CB8AC3E}">
-        <p14:creationId xmlns:p14="http://schemas.microsoft.com/office/powerpoint/2010/main" val="1024086991"/>
-      </p:ext>
-    </p:extLst>
   </p:cSld>
   <p:clrMapOvr>
     <a:masterClrMapping/>
@@ -1125,7 +1076,6 @@
               <a:alpha val="95000"/>
             </a:srgbClr>
           </a:solidFill>
-          <a:ln/>
         </p:spPr>
       </p:sp>
       <p:pic>
@@ -1222,7 +1172,6 @@
               <a:alpha val="95000"/>
             </a:srgbClr>
           </a:solidFill>
-          <a:ln/>
         </p:spPr>
       </p:sp>
       <p:pic>
@@ -1440,7 +1389,6 @@
           <a:p>
             <a:fld id="{5BCAD085-E8A6-8845-BD4E-CB4CCA059FC4}" type="datetimeFigureOut">
               <a:rPr lang="en-US" smtClean="0"/>
-              <a:t>4/18/2025</a:t>
             </a:fld>
             <a:endParaRPr lang="en-US"/>
           </a:p>
@@ -1482,18 +1430,12 @@
           <a:p>
             <a:fld id="{C1FF6DA9-008F-8B48-92A6-B652298478BF}" type="slidenum">
               <a:rPr lang="en-US" smtClean="0"/>
-              <a:t>‹#›</a:t>
             </a:fld>
             <a:endParaRPr lang="en-US"/>
           </a:p>
         </p:txBody>
       </p:sp>
     </p:spTree>
-    <p:extLst>
-      <p:ext uri="{BB962C8B-B14F-4D97-AF65-F5344CB8AC3E}">
-        <p14:creationId xmlns:p14="http://schemas.microsoft.com/office/powerpoint/2010/main" val="938505014"/>
-      </p:ext>
-    </p:extLst>
   </p:cSld>
   <p:clrMapOvr>
     <a:masterClrMapping/>
@@ -1561,6 +1503,7 @@
               <a:rPr lang="en-US" smtClean="0"/>
               <a:t>Click to edit Master text styles</a:t>
             </a:r>
+            <a:endParaRPr lang="en-US" smtClean="0"/>
           </a:p>
           <a:p>
             <a:pPr lvl="1"/>
@@ -1568,6 +1511,7 @@
               <a:rPr lang="en-US" smtClean="0"/>
               <a:t>Second level</a:t>
             </a:r>
+            <a:endParaRPr lang="en-US" smtClean="0"/>
           </a:p>
           <a:p>
             <a:pPr lvl="2"/>
@@ -1575,6 +1519,7 @@
               <a:rPr lang="en-US" smtClean="0"/>
               <a:t>Third level</a:t>
             </a:r>
+            <a:endParaRPr lang="en-US" smtClean="0"/>
           </a:p>
           <a:p>
             <a:pPr lvl="3"/>
@@ -1582,6 +1527,7 @@
               <a:rPr lang="en-US" smtClean="0"/>
               <a:t>Fourth level</a:t>
             </a:r>
+            <a:endParaRPr lang="en-US" smtClean="0"/>
           </a:p>
           <a:p>
             <a:pPr lvl="4"/>
@@ -1610,7 +1556,6 @@
           <a:p>
             <a:fld id="{5BCAD085-E8A6-8845-BD4E-CB4CCA059FC4}" type="datetimeFigureOut">
               <a:rPr lang="en-US" smtClean="0"/>
-              <a:t>4/18/2025</a:t>
             </a:fld>
             <a:endParaRPr lang="en-US"/>
           </a:p>
@@ -1652,18 +1597,12 @@
           <a:p>
             <a:fld id="{C1FF6DA9-008F-8B48-92A6-B652298478BF}" type="slidenum">
               <a:rPr lang="en-US" smtClean="0"/>
-              <a:t>‹#›</a:t>
             </a:fld>
             <a:endParaRPr lang="en-US"/>
           </a:p>
         </p:txBody>
       </p:sp>
     </p:spTree>
-    <p:extLst>
-      <p:ext uri="{BB962C8B-B14F-4D97-AF65-F5344CB8AC3E}">
-        <p14:creationId xmlns:p14="http://schemas.microsoft.com/office/powerpoint/2010/main" val="2892313693"/>
-      </p:ext>
-    </p:extLst>
   </p:cSld>
   <p:clrMapOvr>
     <a:masterClrMapping/>
@@ -1731,7 +1670,6 @@
               <a:alpha val="95000"/>
             </a:srgbClr>
           </a:solidFill>
-          <a:ln/>
         </p:spPr>
       </p:sp>
       <p:pic>
@@ -1828,7 +1766,6 @@
               <a:alpha val="95000"/>
             </a:srgbClr>
           </a:solidFill>
-          <a:ln/>
         </p:spPr>
       </p:sp>
       <p:pic>
@@ -1925,7 +1862,6 @@
               <a:alpha val="95000"/>
             </a:srgbClr>
           </a:solidFill>
-          <a:ln/>
         </p:spPr>
       </p:sp>
       <p:pic>
@@ -2022,7 +1958,6 @@
               <a:alpha val="95000"/>
             </a:srgbClr>
           </a:solidFill>
-          <a:ln/>
         </p:spPr>
       </p:sp>
       <p:pic>
@@ -2119,7 +2054,6 @@
               <a:alpha val="95000"/>
             </a:srgbClr>
           </a:solidFill>
-          <a:ln/>
         </p:spPr>
       </p:sp>
       <p:pic>
@@ -2216,7 +2150,6 @@
               <a:alpha val="95000"/>
             </a:srgbClr>
           </a:solidFill>
-          <a:ln/>
         </p:spPr>
       </p:sp>
       <p:pic>
@@ -2313,7 +2246,6 @@
               <a:alpha val="95000"/>
             </a:srgbClr>
           </a:solidFill>
-          <a:ln/>
         </p:spPr>
       </p:sp>
       <p:pic>
@@ -2410,7 +2342,6 @@
               <a:alpha val="95000"/>
             </a:srgbClr>
           </a:solidFill>
-          <a:ln/>
         </p:spPr>
       </p:sp>
       <p:pic>
@@ -2510,7 +2441,7 @@
         <a:spcBef>
           <a:spcPct val="20000"/>
         </a:spcBef>
-        <a:buFont typeface="Arial" pitchFamily="34" charset="0"/>
+        <a:buFont typeface="Arial" panose="020B0604020202020204" pitchFamily="34" charset="0"/>
         <a:buChar char="•"/>
         <a:defRPr sz="3200" kern="1200">
           <a:solidFill>
@@ -2525,7 +2456,7 @@
         <a:spcBef>
           <a:spcPct val="20000"/>
         </a:spcBef>
-        <a:buFont typeface="Arial" pitchFamily="34" charset="0"/>
+        <a:buFont typeface="Arial" panose="020B0604020202020204" pitchFamily="34" charset="0"/>
         <a:buChar char="–"/>
         <a:defRPr sz="2800" kern="1200">
           <a:solidFill>
@@ -2540,7 +2471,7 @@
         <a:spcBef>
           <a:spcPct val="20000"/>
         </a:spcBef>
-        <a:buFont typeface="Arial" pitchFamily="34" charset="0"/>
+        <a:buFont typeface="Arial" panose="020B0604020202020204" pitchFamily="34" charset="0"/>
         <a:buChar char="•"/>
         <a:defRPr sz="2400" kern="1200">
           <a:solidFill>
@@ -2555,7 +2486,7 @@
         <a:spcBef>
           <a:spcPct val="20000"/>
         </a:spcBef>
-        <a:buFont typeface="Arial" pitchFamily="34" charset="0"/>
+        <a:buFont typeface="Arial" panose="020B0604020202020204" pitchFamily="34" charset="0"/>
         <a:buChar char="–"/>
         <a:defRPr sz="2000" kern="1200">
           <a:solidFill>
@@ -2570,7 +2501,7 @@
         <a:spcBef>
           <a:spcPct val="20000"/>
         </a:spcBef>
-        <a:buFont typeface="Arial" pitchFamily="34" charset="0"/>
+        <a:buFont typeface="Arial" panose="020B0604020202020204" pitchFamily="34" charset="0"/>
         <a:buChar char="»"/>
         <a:defRPr sz="2000" kern="1200">
           <a:solidFill>
@@ -2585,7 +2516,7 @@
         <a:spcBef>
           <a:spcPct val="20000"/>
         </a:spcBef>
-        <a:buFont typeface="Arial" pitchFamily="34" charset="0"/>
+        <a:buFont typeface="Arial" panose="020B0604020202020204" pitchFamily="34" charset="0"/>
         <a:buChar char="•"/>
         <a:defRPr sz="2000" kern="1200">
           <a:solidFill>
@@ -2600,7 +2531,7 @@
         <a:spcBef>
           <a:spcPct val="20000"/>
         </a:spcBef>
-        <a:buFont typeface="Arial" pitchFamily="34" charset="0"/>
+        <a:buFont typeface="Arial" panose="020B0604020202020204" pitchFamily="34" charset="0"/>
         <a:buChar char="•"/>
         <a:defRPr sz="2000" kern="1200">
           <a:solidFill>
@@ -2615,7 +2546,7 @@
         <a:spcBef>
           <a:spcPct val="20000"/>
         </a:spcBef>
-        <a:buFont typeface="Arial" pitchFamily="34" charset="0"/>
+        <a:buFont typeface="Arial" panose="020B0604020202020204" pitchFamily="34" charset="0"/>
         <a:buChar char="•"/>
         <a:defRPr sz="2000" kern="1200">
           <a:solidFill>
@@ -2630,7 +2561,7 @@
         <a:spcBef>
           <a:spcPct val="20000"/>
         </a:spcBef>
-        <a:buFont typeface="Arial" pitchFamily="34" charset="0"/>
+        <a:buFont typeface="Arial" panose="020B0604020202020204" pitchFamily="34" charset="0"/>
         <a:buChar char="•"/>
         <a:defRPr sz="2000" kern="1200">
           <a:solidFill>
@@ -2790,13 +2721,6 @@
               </a:rPr>
               <a:t>CMR Technical Campus</a:t>
             </a:r>
-            <a:r>
-              <a:rPr lang="en-US" sz="3600" b="1" dirty="0">
-                <a:latin typeface="Times New Roman" panose="02020603050405020304"/>
-                <a:cs typeface="Times New Roman" panose="02020603050405020304"/>
-              </a:rPr>
-              <a:t/>
-            </a:r>
             <a:br>
               <a:rPr lang="en-US" sz="3600" b="1" dirty="0">
                 <a:latin typeface="Times New Roman" panose="02020603050405020304"/>
@@ -2838,7 +2762,7 @@
           <p:nvPr/>
         </p:nvPicPr>
         <p:blipFill>
-          <a:blip r:embed="rId2"/>
+          <a:blip r:embed="rId1"/>
           <a:stretch>
             <a:fillRect/>
           </a:stretch>
@@ -2927,6 +2851,10 @@
               </a:rPr>
               <a:t>​</a:t>
             </a:r>
+            <a:endParaRPr lang="en-US" sz="2000" dirty="0">
+              <a:latin typeface="Times New Roman" panose="02020603050405020304"/>
+              <a:cs typeface="Segoe UI" panose="020B0502040204020203"/>
+            </a:endParaRPr>
           </a:p>
           <a:p>
             <a:r>
@@ -2943,6 +2871,10 @@
               </a:rPr>
               <a:t>Shiva Kumar</a:t>
             </a:r>
+            <a:endParaRPr lang="en-US" sz="2000" dirty="0" smtClean="0">
+              <a:latin typeface="Times New Roman" panose="02020603050405020304"/>
+              <a:cs typeface="Arial" panose="020B0604020202020204"/>
+            </a:endParaRPr>
           </a:p>
           <a:p>
             <a:r>
@@ -2959,6 +2891,10 @@
               </a:rPr>
               <a:t>                       227R1A05J3</a:t>
             </a:r>
+            <a:endParaRPr lang="en-US" sz="2000" dirty="0" smtClean="0">
+              <a:latin typeface="Times New Roman" panose="02020603050405020304"/>
+              <a:cs typeface="Arial" panose="020B0604020202020204"/>
+            </a:endParaRPr>
           </a:p>
           <a:p>
             <a:r>
@@ -2988,6 +2924,10 @@
               </a:rPr>
               <a:t>​</a:t>
             </a:r>
+            <a:endParaRPr lang="en-US" sz="2000" dirty="0">
+              <a:latin typeface="Times New Roman" panose="02020603050405020304"/>
+              <a:cs typeface="Segoe UI" panose="020B0502040204020203"/>
+            </a:endParaRPr>
           </a:p>
         </p:txBody>
       </p:sp>
@@ -3021,11 +2961,6 @@
         </p:txBody>
       </p:sp>
     </p:spTree>
-    <p:extLst>
-      <p:ext uri="{BB962C8B-B14F-4D97-AF65-F5344CB8AC3E}">
-        <p14:creationId xmlns:p14="http://schemas.microsoft.com/office/powerpoint/2010/main" val="1413734427"/>
-      </p:ext>
-    </p:extLst>
   </p:cSld>
   <p:clrMapOvr>
     <a:masterClrMapping/>
@@ -3035,7 +2970,7 @@
 
 <file path=ppt/slides/slide10.xml><?xml version="1.0" encoding="utf-8"?>
 <p:sld xmlns:a="http://schemas.openxmlformats.org/drawingml/2006/main" xmlns:r="http://schemas.openxmlformats.org/officeDocument/2006/relationships" xmlns:p="http://schemas.openxmlformats.org/presentationml/2006/main">
-  <p:cSld name="Slide 10">
+  <p:cSld>
     <p:spTree>
       <p:nvGrpSpPr>
         <p:cNvPr id="1" name=""/>
@@ -3059,7 +2994,7 @@
           <p:nvPr/>
         </p:nvPicPr>
         <p:blipFill>
-          <a:blip r:embed="rId3"/>
+          <a:blip r:embed="rId1"/>
           <a:stretch>
             <a:fillRect/>
           </a:stretch>
@@ -3089,7 +3024,6 @@
             <a:avLst/>
           </a:prstGeom>
           <a:noFill/>
-          <a:ln/>
         </p:spPr>
         <p:txBody>
           <a:bodyPr wrap="none" lIns="0" tIns="0" rIns="0" bIns="0" rtlCol="0" anchor="t"/>
@@ -3106,9 +3040,9 @@
                 <a:solidFill>
                   <a:srgbClr val="1B1B27"/>
                 </a:solidFill>
-                <a:latin typeface="Corben" pitchFamily="34" charset="0"/>
-                <a:ea typeface="Corben" pitchFamily="34" charset="-122"/>
-                <a:cs typeface="Corben" pitchFamily="34" charset="-120"/>
+                <a:latin typeface="Corben" panose="020F0503020000020004" pitchFamily="34" charset="0"/>
+                <a:ea typeface="Corben" panose="020F0503020000020004" pitchFamily="34" charset="-122"/>
+                <a:cs typeface="Corben" panose="020F0503020000020004" pitchFamily="34" charset="-120"/>
               </a:rPr>
               <a:t>Support Financial Analysis</a:t>
             </a:r>
@@ -3131,7 +3065,6 @@
             <a:avLst/>
           </a:prstGeom>
           <a:noFill/>
-          <a:ln/>
         </p:spPr>
         <p:txBody>
           <a:bodyPr wrap="none" lIns="0" tIns="0" rIns="0" bIns="0" rtlCol="0" anchor="t"/>
@@ -3148,9 +3081,9 @@
                 <a:solidFill>
                   <a:srgbClr val="404155"/>
                 </a:solidFill>
-                <a:latin typeface="Corben" pitchFamily="34" charset="0"/>
-                <a:ea typeface="Corben" pitchFamily="34" charset="-122"/>
-                <a:cs typeface="Corben" pitchFamily="34" charset="-120"/>
+                <a:latin typeface="Corben" panose="020F0503020000020004" pitchFamily="34" charset="0"/>
+                <a:ea typeface="Corben" panose="020F0503020000020004" pitchFamily="34" charset="-122"/>
+                <a:cs typeface="Corben" panose="020F0503020000020004" pitchFamily="34" charset="-120"/>
               </a:rPr>
               <a:t>100%</a:t>
             </a:r>
@@ -3173,7 +3106,6 @@
             <a:avLst/>
           </a:prstGeom>
           <a:noFill/>
-          <a:ln/>
         </p:spPr>
         <p:txBody>
           <a:bodyPr wrap="none" lIns="0" tIns="0" rIns="0" bIns="0" rtlCol="0" anchor="t"/>
@@ -3190,9 +3122,9 @@
                 <a:solidFill>
                   <a:srgbClr val="404155"/>
                 </a:solidFill>
-                <a:latin typeface="Corben" pitchFamily="34" charset="0"/>
-                <a:ea typeface="Corben" pitchFamily="34" charset="-122"/>
-                <a:cs typeface="Corben" pitchFamily="34" charset="-120"/>
+                <a:latin typeface="Corben" panose="020F0503020000020004" pitchFamily="34" charset="0"/>
+                <a:ea typeface="Corben" panose="020F0503020000020004" pitchFamily="34" charset="-122"/>
+                <a:cs typeface="Corben" panose="020F0503020000020004" pitchFamily="34" charset="-120"/>
               </a:rPr>
               <a:t>Budgeting</a:t>
             </a:r>
@@ -3215,7 +3147,6 @@
             <a:avLst/>
           </a:prstGeom>
           <a:noFill/>
-          <a:ln/>
         </p:spPr>
         <p:txBody>
           <a:bodyPr wrap="none" lIns="0" tIns="0" rIns="0" bIns="0" rtlCol="0" anchor="t"/>
@@ -3232,9 +3163,9 @@
                 <a:solidFill>
                   <a:srgbClr val="404155"/>
                 </a:solidFill>
-                <a:latin typeface="Corben" pitchFamily="34" charset="0"/>
-                <a:ea typeface="Corben" pitchFamily="34" charset="-122"/>
-                <a:cs typeface="Corben" pitchFamily="34" charset="-120"/>
+                <a:latin typeface="Corben" panose="020F0503020000020004" pitchFamily="34" charset="0"/>
+                <a:ea typeface="Corben" panose="020F0503020000020004" pitchFamily="34" charset="-122"/>
+                <a:cs typeface="Corben" panose="020F0503020000020004" pitchFamily="34" charset="-120"/>
               </a:rPr>
               <a:t>100%</a:t>
             </a:r>
@@ -3257,7 +3188,6 @@
             <a:avLst/>
           </a:prstGeom>
           <a:noFill/>
-          <a:ln/>
         </p:spPr>
         <p:txBody>
           <a:bodyPr wrap="none" lIns="0" tIns="0" rIns="0" bIns="0" rtlCol="0" anchor="t"/>
@@ -3274,9 +3204,9 @@
                 <a:solidFill>
                   <a:srgbClr val="404155"/>
                 </a:solidFill>
-                <a:latin typeface="Corben" pitchFamily="34" charset="0"/>
-                <a:ea typeface="Corben" pitchFamily="34" charset="-122"/>
-                <a:cs typeface="Corben" pitchFamily="34" charset="-120"/>
+                <a:latin typeface="Corben" panose="020F0503020000020004" pitchFamily="34" charset="0"/>
+                <a:ea typeface="Corben" panose="020F0503020000020004" pitchFamily="34" charset="-122"/>
+                <a:cs typeface="Corben" panose="020F0503020000020004" pitchFamily="34" charset="-120"/>
               </a:rPr>
               <a:t>Forecasting</a:t>
             </a:r>
@@ -3299,7 +3229,6 @@
             <a:avLst/>
           </a:prstGeom>
           <a:noFill/>
-          <a:ln/>
         </p:spPr>
         <p:txBody>
           <a:bodyPr wrap="none" lIns="0" tIns="0" rIns="0" bIns="0" rtlCol="0" anchor="t"/>
@@ -3316,9 +3245,9 @@
                 <a:solidFill>
                   <a:srgbClr val="404155"/>
                 </a:solidFill>
-                <a:latin typeface="Corben" pitchFamily="34" charset="0"/>
-                <a:ea typeface="Corben" pitchFamily="34" charset="-122"/>
-                <a:cs typeface="Corben" pitchFamily="34" charset="-120"/>
+                <a:latin typeface="Corben" panose="020F0503020000020004" pitchFamily="34" charset="0"/>
+                <a:ea typeface="Corben" panose="020F0503020000020004" pitchFamily="34" charset="-122"/>
+                <a:cs typeface="Corben" panose="020F0503020000020004" pitchFamily="34" charset="-120"/>
               </a:rPr>
               <a:t>100%</a:t>
             </a:r>
@@ -3341,7 +3270,6 @@
             <a:avLst/>
           </a:prstGeom>
           <a:noFill/>
-          <a:ln/>
         </p:spPr>
         <p:txBody>
           <a:bodyPr wrap="none" lIns="0" tIns="0" rIns="0" bIns="0" rtlCol="0" anchor="t"/>
@@ -3358,9 +3286,9 @@
                 <a:solidFill>
                   <a:srgbClr val="404155"/>
                 </a:solidFill>
-                <a:latin typeface="Corben" pitchFamily="34" charset="0"/>
-                <a:ea typeface="Corben" pitchFamily="34" charset="-122"/>
-                <a:cs typeface="Corben" pitchFamily="34" charset="-120"/>
+                <a:latin typeface="Corben" panose="020F0503020000020004" pitchFamily="34" charset="0"/>
+                <a:ea typeface="Corben" panose="020F0503020000020004" pitchFamily="34" charset="-122"/>
+                <a:cs typeface="Corben" panose="020F0503020000020004" pitchFamily="34" charset="-120"/>
               </a:rPr>
               <a:t>Ratio Analysis</a:t>
             </a:r>
@@ -3383,7 +3311,6 @@
             <a:avLst/>
           </a:prstGeom>
           <a:noFill/>
-          <a:ln/>
         </p:spPr>
         <p:txBody>
           <a:bodyPr wrap="square" lIns="0" tIns="0" rIns="0" bIns="0" rtlCol="0" anchor="t"/>
@@ -3400,9 +3327,9 @@
                 <a:solidFill>
                   <a:srgbClr val="404155"/>
                 </a:solidFill>
-                <a:latin typeface="Nobile" pitchFamily="34" charset="0"/>
-                <a:ea typeface="Nobile" pitchFamily="34" charset="-122"/>
-                <a:cs typeface="Nobile" pitchFamily="34" charset="-120"/>
+                <a:latin typeface="Nobile" panose="02000503050000020004" pitchFamily="34" charset="0"/>
+                <a:ea typeface="Nobile" panose="02000503050000020004" pitchFamily="34" charset="-122"/>
+                <a:cs typeface="Nobile" panose="02000503050000020004" pitchFamily="34" charset="-120"/>
               </a:rPr>
               <a:t>Maintaining accurate books of accounts supports financial analysis. It helps in budgeting, forecasting, and ratio analysis. It's the foundation for informed decision-making.</a:t>
             </a:r>
@@ -3418,7 +3345,7 @@
 </p:sld>
 </file>
 
-<file path=ppt/slides/slide11.xml><?xml version="1.0" encoding="utf-8"?>
+<file path=ppt/slides/slide2.xml><?xml version="1.0" encoding="utf-8"?>
 <p:sld xmlns:a="http://schemas.openxmlformats.org/drawingml/2006/main" xmlns:r="http://schemas.openxmlformats.org/officeDocument/2006/relationships" xmlns:p="http://schemas.openxmlformats.org/presentationml/2006/main">
   <p:cSld>
     <p:spTree>
@@ -3435,77 +3362,6 @@
           <a:chExt cx="0" cy="0"/>
         </a:xfrm>
       </p:grpSpPr>
-      <p:pic>
-        <p:nvPicPr>
-          <p:cNvPr id="1028" name="Picture 4" descr="1,000+ Best Thank You Images · 100% Free Download · Pexels ..."/>
-          <p:cNvPicPr>
-            <a:picLocks noChangeAspect="1" noChangeArrowheads="1"/>
-          </p:cNvPicPr>
-          <p:nvPr/>
-        </p:nvPicPr>
-        <p:blipFill>
-          <a:blip r:embed="rId2">
-            <a:extLst>
-              <a:ext uri="{28A0092B-C50C-407E-A947-70E740481C1C}">
-                <a14:useLocalDpi xmlns:a14="http://schemas.microsoft.com/office/drawing/2010/main" val="0"/>
-              </a:ext>
-            </a:extLst>
-          </a:blip>
-          <a:srcRect/>
-          <a:stretch>
-            <a:fillRect/>
-          </a:stretch>
-        </p:blipFill>
-        <p:spPr bwMode="auto">
-          <a:xfrm>
-            <a:off x="3179516" y="1264258"/>
-            <a:ext cx="8679856" cy="5776052"/>
-          </a:xfrm>
-          <a:prstGeom prst="rect">
-            <a:avLst/>
-          </a:prstGeom>
-          <a:noFill/>
-          <a:extLst>
-            <a:ext uri="{909E8E84-426E-40DD-AFC4-6F175D3DCCD1}">
-              <a14:hiddenFill xmlns:a14="http://schemas.microsoft.com/office/drawing/2010/main">
-                <a:solidFill>
-                  <a:srgbClr val="FFFFFF"/>
-                </a:solidFill>
-              </a14:hiddenFill>
-            </a:ext>
-          </a:extLst>
-        </p:spPr>
-      </p:pic>
-    </p:spTree>
-    <p:extLst>
-      <p:ext uri="{BB962C8B-B14F-4D97-AF65-F5344CB8AC3E}">
-        <p14:creationId xmlns:p14="http://schemas.microsoft.com/office/powerpoint/2010/main" val="494347004"/>
-      </p:ext>
-    </p:extLst>
-  </p:cSld>
-  <p:clrMapOvr>
-    <a:masterClrMapping/>
-  </p:clrMapOvr>
-</p:sld>
-</file>
-
-<file path=ppt/slides/slide2.xml><?xml version="1.0" encoding="utf-8"?>
-<p:sld xmlns:a="http://schemas.openxmlformats.org/drawingml/2006/main" xmlns:r="http://schemas.openxmlformats.org/officeDocument/2006/relationships" xmlns:p="http://schemas.openxmlformats.org/presentationml/2006/main">
-  <p:cSld name="Slide 2">
-    <p:spTree>
-      <p:nvGrpSpPr>
-        <p:cNvPr id="1" name=""/>
-        <p:cNvGrpSpPr/>
-        <p:nvPr/>
-      </p:nvGrpSpPr>
-      <p:grpSpPr>
-        <a:xfrm>
-          <a:off x="0" y="0"/>
-          <a:ext cx="0" cy="0"/>
-          <a:chOff x="0" y="0"/>
-          <a:chExt cx="0" cy="0"/>
-        </a:xfrm>
-      </p:grpSpPr>
       <p:sp>
         <p:nvSpPr>
           <p:cNvPr id="2" name="Text 0"/>
@@ -3521,7 +3377,6 @@
             <a:avLst/>
           </a:prstGeom>
           <a:noFill/>
-          <a:ln/>
         </p:spPr>
         <p:txBody>
           <a:bodyPr wrap="none" lIns="0" tIns="0" rIns="0" bIns="0" rtlCol="0" anchor="t"/>
@@ -3538,9 +3393,9 @@
                 <a:solidFill>
                   <a:srgbClr val="1B1B27"/>
                 </a:solidFill>
-                <a:latin typeface="Corben" pitchFamily="34" charset="0"/>
-                <a:ea typeface="Corben" pitchFamily="34" charset="-122"/>
-                <a:cs typeface="Corben" pitchFamily="34" charset="-120"/>
+                <a:latin typeface="Corben" panose="020F0503020000020004" pitchFamily="34" charset="0"/>
+                <a:ea typeface="Corben" panose="020F0503020000020004" pitchFamily="34" charset="-122"/>
+                <a:cs typeface="Corben" panose="020F0503020000020004" pitchFamily="34" charset="-120"/>
               </a:rPr>
               <a:t>Rule #1: Selecting the Right Accounting Standard</a:t>
             </a:r>
@@ -3563,7 +3418,6 @@
             <a:avLst/>
           </a:prstGeom>
           <a:noFill/>
-          <a:ln/>
         </p:spPr>
         <p:txBody>
           <a:bodyPr wrap="none" lIns="0" tIns="0" rIns="0" bIns="0" rtlCol="0" anchor="t"/>
@@ -3580,9 +3434,9 @@
                 <a:solidFill>
                   <a:srgbClr val="1B1B27"/>
                 </a:solidFill>
-                <a:latin typeface="Corben" pitchFamily="34" charset="0"/>
-                <a:ea typeface="Corben" pitchFamily="34" charset="-122"/>
-                <a:cs typeface="Corben" pitchFamily="34" charset="-120"/>
+                <a:latin typeface="Corben" panose="020F0503020000020004" pitchFamily="34" charset="0"/>
+                <a:ea typeface="Corben" panose="020F0503020000020004" pitchFamily="34" charset="-122"/>
+                <a:cs typeface="Corben" panose="020F0503020000020004" pitchFamily="34" charset="-120"/>
               </a:rPr>
               <a:t>GAAP vs. IFRS</a:t>
             </a:r>
@@ -3605,7 +3459,6 @@
             <a:avLst/>
           </a:prstGeom>
           <a:noFill/>
-          <a:ln/>
         </p:spPr>
         <p:txBody>
           <a:bodyPr wrap="square" lIns="0" tIns="0" rIns="0" bIns="0" rtlCol="0" anchor="t"/>
@@ -3622,9 +3475,9 @@
                 <a:solidFill>
                   <a:srgbClr val="404155"/>
                 </a:solidFill>
-                <a:latin typeface="Nobile" pitchFamily="34" charset="0"/>
-                <a:ea typeface="Nobile" pitchFamily="34" charset="-122"/>
-                <a:cs typeface="Nobile" pitchFamily="34" charset="-120"/>
+                <a:latin typeface="Nobile" panose="02000503050000020004" pitchFamily="34" charset="0"/>
+                <a:ea typeface="Nobile" panose="02000503050000020004" pitchFamily="34" charset="-122"/>
+                <a:cs typeface="Nobile" panose="02000503050000020004" pitchFamily="34" charset="-120"/>
               </a:rPr>
               <a:t>Choosing between U.S. GAAP and IFRS impacts financial statement comparability. Understand the differences in revenue recognition, lease accounting, and inventory valuation.</a:t>
             </a:r>
@@ -3647,7 +3500,6 @@
             <a:avLst/>
           </a:prstGeom>
           <a:noFill/>
-          <a:ln/>
         </p:spPr>
         <p:txBody>
           <a:bodyPr wrap="square" lIns="0" tIns="0" rIns="0" bIns="0" rtlCol="0" anchor="t"/>
@@ -3664,9 +3516,9 @@
                 <a:solidFill>
                   <a:srgbClr val="404155"/>
                 </a:solidFill>
-                <a:latin typeface="Nobile" pitchFamily="34" charset="0"/>
-                <a:ea typeface="Nobile" pitchFamily="34" charset="-122"/>
-                <a:cs typeface="Nobile" pitchFamily="34" charset="-120"/>
+                <a:latin typeface="Nobile" panose="02000503050000020004" pitchFamily="34" charset="0"/>
+                <a:ea typeface="Nobile" panose="02000503050000020004" pitchFamily="34" charset="-122"/>
+                <a:cs typeface="Nobile" panose="02000503050000020004" pitchFamily="34" charset="-120"/>
               </a:rPr>
               <a:t>Select the standard that best suits your business needs.</a:t>
             </a:r>
@@ -3689,7 +3541,6 @@
             <a:avLst/>
           </a:prstGeom>
           <a:noFill/>
-          <a:ln/>
         </p:spPr>
         <p:txBody>
           <a:bodyPr wrap="none" lIns="0" tIns="0" rIns="0" bIns="0" rtlCol="0" anchor="t"/>
@@ -3706,9 +3557,9 @@
                 <a:solidFill>
                   <a:srgbClr val="1B1B27"/>
                 </a:solidFill>
-                <a:latin typeface="Corben" pitchFamily="34" charset="0"/>
-                <a:ea typeface="Corben" pitchFamily="34" charset="-122"/>
-                <a:cs typeface="Corben" pitchFamily="34" charset="-120"/>
+                <a:latin typeface="Corben" panose="020F0503020000020004" pitchFamily="34" charset="0"/>
+                <a:ea typeface="Corben" panose="020F0503020000020004" pitchFamily="34" charset="-122"/>
+                <a:cs typeface="Corben" panose="020F0503020000020004" pitchFamily="34" charset="-120"/>
               </a:rPr>
               <a:t>U.S. GAAP</a:t>
             </a:r>
@@ -3731,7 +3582,6 @@
             <a:avLst/>
           </a:prstGeom>
           <a:noFill/>
-          <a:ln/>
         </p:spPr>
         <p:txBody>
           <a:bodyPr wrap="square" lIns="0" tIns="0" rIns="0" bIns="0" rtlCol="0" anchor="t"/>
@@ -3748,9 +3598,9 @@
                 <a:solidFill>
                   <a:srgbClr val="404155"/>
                 </a:solidFill>
-                <a:latin typeface="Nobile" pitchFamily="34" charset="0"/>
-                <a:ea typeface="Nobile" pitchFamily="34" charset="-122"/>
-                <a:cs typeface="Nobile" pitchFamily="34" charset="-120"/>
+                <a:latin typeface="Nobile" panose="02000503050000020004" pitchFamily="34" charset="0"/>
+                <a:ea typeface="Nobile" panose="02000503050000020004" pitchFamily="34" charset="-122"/>
+                <a:cs typeface="Nobile" panose="02000503050000020004" pitchFamily="34" charset="-120"/>
               </a:rPr>
               <a:t>Generally Accepted Accounting Principles. A standard set of rules and procedures for accounting.</a:t>
             </a:r>
@@ -3773,7 +3623,6 @@
             <a:avLst/>
           </a:prstGeom>
           <a:noFill/>
-          <a:ln/>
         </p:spPr>
         <p:txBody>
           <a:bodyPr wrap="none" lIns="0" tIns="0" rIns="0" bIns="0" rtlCol="0" anchor="t"/>
@@ -3790,9 +3639,9 @@
                 <a:solidFill>
                   <a:srgbClr val="1B1B27"/>
                 </a:solidFill>
-                <a:latin typeface="Corben" pitchFamily="34" charset="0"/>
-                <a:ea typeface="Corben" pitchFamily="34" charset="-122"/>
-                <a:cs typeface="Corben" pitchFamily="34" charset="-120"/>
+                <a:latin typeface="Corben" panose="020F0503020000020004" pitchFamily="34" charset="0"/>
+                <a:ea typeface="Corben" panose="020F0503020000020004" pitchFamily="34" charset="-122"/>
+                <a:cs typeface="Corben" panose="020F0503020000020004" pitchFamily="34" charset="-120"/>
               </a:rPr>
               <a:t>IFRS</a:t>
             </a:r>
@@ -3815,7 +3664,6 @@
             <a:avLst/>
           </a:prstGeom>
           <a:noFill/>
-          <a:ln/>
         </p:spPr>
         <p:txBody>
           <a:bodyPr wrap="square" lIns="0" tIns="0" rIns="0" bIns="0" rtlCol="0" anchor="t"/>
@@ -3832,9 +3680,9 @@
                 <a:solidFill>
                   <a:srgbClr val="404155"/>
                 </a:solidFill>
-                <a:latin typeface="Nobile" pitchFamily="34" charset="0"/>
-                <a:ea typeface="Nobile" pitchFamily="34" charset="-122"/>
-                <a:cs typeface="Nobile" pitchFamily="34" charset="-120"/>
+                <a:latin typeface="Nobile" panose="02000503050000020004" pitchFamily="34" charset="0"/>
+                <a:ea typeface="Nobile" panose="02000503050000020004" pitchFamily="34" charset="-122"/>
+                <a:cs typeface="Nobile" panose="02000503050000020004" pitchFamily="34" charset="-120"/>
               </a:rPr>
               <a:t>International Financial Reporting Standards. A principles-based set of accounting standards.</a:t>
             </a:r>
@@ -3898,7 +3746,7 @@
 
 <file path=ppt/slides/slide3.xml><?xml version="1.0" encoding="utf-8"?>
 <p:sld xmlns:a="http://schemas.openxmlformats.org/drawingml/2006/main" xmlns:r="http://schemas.openxmlformats.org/officeDocument/2006/relationships" xmlns:p="http://schemas.openxmlformats.org/presentationml/2006/main">
-  <p:cSld name="Slide 3">
+  <p:cSld>
     <p:spTree>
       <p:nvGrpSpPr>
         <p:cNvPr id="1" name=""/>
@@ -3922,7 +3770,7 @@
           <p:nvPr/>
         </p:nvPicPr>
         <p:blipFill>
-          <a:blip r:embed="rId3"/>
+          <a:blip r:embed="rId1"/>
           <a:stretch>
             <a:fillRect/>
           </a:stretch>
@@ -3952,7 +3800,6 @@
             <a:avLst/>
           </a:prstGeom>
           <a:noFill/>
-          <a:ln/>
         </p:spPr>
         <p:txBody>
           <a:bodyPr wrap="square" lIns="0" tIns="0" rIns="0" bIns="0" rtlCol="0" anchor="t"/>
@@ -3969,9 +3816,9 @@
                 <a:solidFill>
                   <a:srgbClr val="1B1B27"/>
                 </a:solidFill>
-                <a:latin typeface="Corben" pitchFamily="34" charset="0"/>
-                <a:ea typeface="Corben" pitchFamily="34" charset="-122"/>
-                <a:cs typeface="Corben" pitchFamily="34" charset="-120"/>
+                <a:latin typeface="Corben" panose="020F0503020000020004" pitchFamily="34" charset="0"/>
+                <a:ea typeface="Corben" panose="020F0503020000020004" pitchFamily="34" charset="-122"/>
+                <a:cs typeface="Corben" panose="020F0503020000020004" pitchFamily="34" charset="-120"/>
               </a:rPr>
               <a:t>Rule #2: Maintain Accurate &amp; Complete Records</a:t>
             </a:r>
@@ -4021,7 +3868,6 @@
             <a:avLst/>
           </a:prstGeom>
           <a:noFill/>
-          <a:ln/>
         </p:spPr>
         <p:txBody>
           <a:bodyPr wrap="none" lIns="0" tIns="0" rIns="0" bIns="0" rtlCol="0" anchor="t"/>
@@ -4038,9 +3884,9 @@
                 <a:solidFill>
                   <a:srgbClr val="404155"/>
                 </a:solidFill>
-                <a:latin typeface="Corben" pitchFamily="34" charset="0"/>
-                <a:ea typeface="Corben" pitchFamily="34" charset="-122"/>
-                <a:cs typeface="Corben" pitchFamily="34" charset="-120"/>
+                <a:latin typeface="Corben" panose="020F0503020000020004" pitchFamily="34" charset="0"/>
+                <a:ea typeface="Corben" panose="020F0503020000020004" pitchFamily="34" charset="-122"/>
+                <a:cs typeface="Corben" panose="020F0503020000020004" pitchFamily="34" charset="-120"/>
               </a:rPr>
               <a:t>1</a:t>
             </a:r>
@@ -4063,7 +3909,6 @@
             <a:avLst/>
           </a:prstGeom>
           <a:noFill/>
-          <a:ln/>
         </p:spPr>
         <p:txBody>
           <a:bodyPr wrap="square" lIns="0" tIns="0" rIns="0" bIns="0" rtlCol="0" anchor="t"/>
@@ -4080,9 +3925,9 @@
                 <a:solidFill>
                   <a:srgbClr val="404155"/>
                 </a:solidFill>
-                <a:latin typeface="Corben" pitchFamily="34" charset="0"/>
-                <a:ea typeface="Corben" pitchFamily="34" charset="-122"/>
-                <a:cs typeface="Corben" pitchFamily="34" charset="-120"/>
+                <a:latin typeface="Corben" panose="020F0503020000020004" pitchFamily="34" charset="0"/>
+                <a:ea typeface="Corben" panose="020F0503020000020004" pitchFamily="34" charset="-122"/>
+                <a:cs typeface="Corben" panose="020F0503020000020004" pitchFamily="34" charset="-120"/>
               </a:rPr>
               <a:t>Document Everything</a:t>
             </a:r>
@@ -4105,7 +3950,6 @@
             <a:avLst/>
           </a:prstGeom>
           <a:noFill/>
-          <a:ln/>
         </p:spPr>
         <p:txBody>
           <a:bodyPr wrap="square" lIns="0" tIns="0" rIns="0" bIns="0" rtlCol="0" anchor="t"/>
@@ -4122,9 +3966,9 @@
                 <a:solidFill>
                   <a:srgbClr val="404155"/>
                 </a:solidFill>
-                <a:latin typeface="Nobile" pitchFamily="34" charset="0"/>
-                <a:ea typeface="Nobile" pitchFamily="34" charset="-122"/>
-                <a:cs typeface="Nobile" pitchFamily="34" charset="-120"/>
+                <a:latin typeface="Nobile" panose="02000503050000020004" pitchFamily="34" charset="0"/>
+                <a:ea typeface="Nobile" panose="02000503050000020004" pitchFamily="34" charset="-122"/>
+                <a:cs typeface="Nobile" panose="02000503050000020004" pitchFamily="34" charset="-120"/>
               </a:rPr>
               <a:t>Record every transaction meticulously. This includes sales, purchases, and expenses.</a:t>
             </a:r>
@@ -4174,7 +4018,6 @@
             <a:avLst/>
           </a:prstGeom>
           <a:noFill/>
-          <a:ln/>
         </p:spPr>
         <p:txBody>
           <a:bodyPr wrap="none" lIns="0" tIns="0" rIns="0" bIns="0" rtlCol="0" anchor="t"/>
@@ -4191,9 +4034,9 @@
                 <a:solidFill>
                   <a:srgbClr val="404155"/>
                 </a:solidFill>
-                <a:latin typeface="Corben" pitchFamily="34" charset="0"/>
-                <a:ea typeface="Corben" pitchFamily="34" charset="-122"/>
-                <a:cs typeface="Corben" pitchFamily="34" charset="-120"/>
+                <a:latin typeface="Corben" panose="020F0503020000020004" pitchFamily="34" charset="0"/>
+                <a:ea typeface="Corben" panose="020F0503020000020004" pitchFamily="34" charset="-122"/>
+                <a:cs typeface="Corben" panose="020F0503020000020004" pitchFamily="34" charset="-120"/>
               </a:rPr>
               <a:t>2</a:t>
             </a:r>
@@ -4216,7 +4059,6 @@
             <a:avLst/>
           </a:prstGeom>
           <a:noFill/>
-          <a:ln/>
         </p:spPr>
         <p:txBody>
           <a:bodyPr wrap="none" lIns="0" tIns="0" rIns="0" bIns="0" rtlCol="0" anchor="t"/>
@@ -4233,9 +4075,9 @@
                 <a:solidFill>
                   <a:srgbClr val="404155"/>
                 </a:solidFill>
-                <a:latin typeface="Corben" pitchFamily="34" charset="0"/>
-                <a:ea typeface="Corben" pitchFamily="34" charset="-122"/>
-                <a:cs typeface="Corben" pitchFamily="34" charset="-120"/>
+                <a:latin typeface="Corben" panose="020F0503020000020004" pitchFamily="34" charset="0"/>
+                <a:ea typeface="Corben" panose="020F0503020000020004" pitchFamily="34" charset="-122"/>
+                <a:cs typeface="Corben" panose="020F0503020000020004" pitchFamily="34" charset="-120"/>
               </a:rPr>
               <a:t>Essential Documents</a:t>
             </a:r>
@@ -4258,7 +4100,6 @@
             <a:avLst/>
           </a:prstGeom>
           <a:noFill/>
-          <a:ln/>
         </p:spPr>
         <p:txBody>
           <a:bodyPr wrap="square" lIns="0" tIns="0" rIns="0" bIns="0" rtlCol="0" anchor="t"/>
@@ -4275,9 +4116,9 @@
                 <a:solidFill>
                   <a:srgbClr val="404155"/>
                 </a:solidFill>
-                <a:latin typeface="Nobile" pitchFamily="34" charset="0"/>
-                <a:ea typeface="Nobile" pitchFamily="34" charset="-122"/>
-                <a:cs typeface="Nobile" pitchFamily="34" charset="-120"/>
+                <a:latin typeface="Nobile" panose="02000503050000020004" pitchFamily="34" charset="0"/>
+                <a:ea typeface="Nobile" panose="02000503050000020004" pitchFamily="34" charset="-122"/>
+                <a:cs typeface="Nobile" panose="02000503050000020004" pitchFamily="34" charset="-120"/>
               </a:rPr>
               <a:t>Keep invoices, receipts, bank statements, and contracts organized.</a:t>
             </a:r>
@@ -4327,7 +4168,6 @@
             <a:avLst/>
           </a:prstGeom>
           <a:noFill/>
-          <a:ln/>
         </p:spPr>
         <p:txBody>
           <a:bodyPr wrap="none" lIns="0" tIns="0" rIns="0" bIns="0" rtlCol="0" anchor="t"/>
@@ -4344,9 +4184,9 @@
                 <a:solidFill>
                   <a:srgbClr val="404155"/>
                 </a:solidFill>
-                <a:latin typeface="Corben" pitchFamily="34" charset="0"/>
-                <a:ea typeface="Corben" pitchFamily="34" charset="-122"/>
-                <a:cs typeface="Corben" pitchFamily="34" charset="-120"/>
+                <a:latin typeface="Corben" panose="020F0503020000020004" pitchFamily="34" charset="0"/>
+                <a:ea typeface="Corben" panose="020F0503020000020004" pitchFamily="34" charset="-122"/>
+                <a:cs typeface="Corben" panose="020F0503020000020004" pitchFamily="34" charset="-120"/>
               </a:rPr>
               <a:t>3</a:t>
             </a:r>
@@ -4369,7 +4209,6 @@
             <a:avLst/>
           </a:prstGeom>
           <a:noFill/>
-          <a:ln/>
         </p:spPr>
         <p:txBody>
           <a:bodyPr wrap="none" lIns="0" tIns="0" rIns="0" bIns="0" rtlCol="0" anchor="t"/>
@@ -4386,9 +4225,9 @@
                 <a:solidFill>
                   <a:srgbClr val="404155"/>
                 </a:solidFill>
-                <a:latin typeface="Corben" pitchFamily="34" charset="0"/>
-                <a:ea typeface="Corben" pitchFamily="34" charset="-122"/>
-                <a:cs typeface="Corben" pitchFamily="34" charset="-120"/>
+                <a:latin typeface="Corben" panose="020F0503020000020004" pitchFamily="34" charset="0"/>
+                <a:ea typeface="Corben" panose="020F0503020000020004" pitchFamily="34" charset="-122"/>
+                <a:cs typeface="Corben" panose="020F0503020000020004" pitchFamily="34" charset="-120"/>
               </a:rPr>
               <a:t>Software Solutions</a:t>
             </a:r>
@@ -4411,7 +4250,6 @@
             <a:avLst/>
           </a:prstGeom>
           <a:noFill/>
-          <a:ln/>
         </p:spPr>
         <p:txBody>
           <a:bodyPr wrap="square" lIns="0" tIns="0" rIns="0" bIns="0" rtlCol="0" anchor="t"/>
@@ -4428,9 +4266,9 @@
                 <a:solidFill>
                   <a:srgbClr val="404155"/>
                 </a:solidFill>
-                <a:latin typeface="Nobile" pitchFamily="34" charset="0"/>
-                <a:ea typeface="Nobile" pitchFamily="34" charset="-122"/>
-                <a:cs typeface="Nobile" pitchFamily="34" charset="-120"/>
+                <a:latin typeface="Nobile" panose="02000503050000020004" pitchFamily="34" charset="0"/>
+                <a:ea typeface="Nobile" panose="02000503050000020004" pitchFamily="34" charset="-122"/>
+                <a:cs typeface="Nobile" panose="02000503050000020004" pitchFamily="34" charset="-120"/>
               </a:rPr>
               <a:t>Use QuickBooks, Xero, or NetSuite for efficient recordkeeping and automation.</a:t>
             </a:r>
@@ -4494,7 +4332,7 @@
 
 <file path=ppt/slides/slide4.xml><?xml version="1.0" encoding="utf-8"?>
 <p:sld xmlns:a="http://schemas.openxmlformats.org/drawingml/2006/main" xmlns:r="http://schemas.openxmlformats.org/officeDocument/2006/relationships" xmlns:p="http://schemas.openxmlformats.org/presentationml/2006/main">
-  <p:cSld name="Slide 4">
+  <p:cSld>
     <p:spTree>
       <p:nvGrpSpPr>
         <p:cNvPr id="1" name=""/>
@@ -4518,6 +4356,177 @@
           <p:nvPr/>
         </p:nvPicPr>
         <p:blipFill>
+          <a:blip r:embed="rId1"/>
+          <a:stretch>
+            <a:fillRect/>
+          </a:stretch>
+        </p:blipFill>
+        <p:spPr>
+          <a:xfrm>
+            <a:off x="9144000" y="0"/>
+            <a:ext cx="5486400" cy="8229600"/>
+          </a:xfrm>
+          <a:prstGeom prst="rect">
+            <a:avLst/>
+          </a:prstGeom>
+        </p:spPr>
+      </p:pic>
+      <p:sp>
+        <p:nvSpPr>
+          <p:cNvPr id="3" name="Text 0"/>
+          <p:cNvSpPr/>
+          <p:nvPr/>
+        </p:nvSpPr>
+        <p:spPr>
+          <a:xfrm>
+            <a:off x="793790" y="1513642"/>
+            <a:ext cx="7556421" cy="1417558"/>
+          </a:xfrm>
+          <a:prstGeom prst="rect">
+            <a:avLst/>
+          </a:prstGeom>
+          <a:noFill/>
+        </p:spPr>
+        <p:txBody>
+          <a:bodyPr wrap="square" lIns="0" tIns="0" rIns="0" bIns="0" rtlCol="0" anchor="t"/>
+          <a:lstStyle/>
+          <a:p>
+            <a:pPr marL="0" indent="0" algn="l">
+              <a:lnSpc>
+                <a:spcPts val="5550"/>
+              </a:lnSpc>
+              <a:buNone/>
+            </a:pPr>
+            <a:r>
+              <a:rPr lang="en-US" sz="4450" dirty="0">
+                <a:solidFill>
+                  <a:srgbClr val="1B1B27"/>
+                </a:solidFill>
+                <a:latin typeface="Corben" panose="020F0503020000020004" pitchFamily="34" charset="0"/>
+                <a:ea typeface="Corben" panose="020F0503020000020004" pitchFamily="34" charset="-122"/>
+                <a:cs typeface="Corben" panose="020F0503020000020004" pitchFamily="34" charset="-120"/>
+              </a:rPr>
+              <a:t>Rule #3: Follow Double-Entry Bookkeeping</a:t>
+            </a:r>
+            <a:endParaRPr lang="en-US" sz="4450" dirty="0"/>
+          </a:p>
+        </p:txBody>
+      </p:sp>
+      <p:pic>
+        <p:nvPicPr>
+          <p:cNvPr id="4" name="Image 1" descr="preencoded.png"/>
+          <p:cNvPicPr>
+            <a:picLocks noChangeAspect="1"/>
+          </p:cNvPicPr>
+          <p:nvPr/>
+        </p:nvPicPr>
+        <p:blipFill>
+          <a:blip r:embed="rId2"/>
+          <a:stretch>
+            <a:fillRect/>
+          </a:stretch>
+        </p:blipFill>
+        <p:spPr>
+          <a:xfrm>
+            <a:off x="793790" y="3271361"/>
+            <a:ext cx="566976" cy="566976"/>
+          </a:xfrm>
+          <a:prstGeom prst="rect">
+            <a:avLst/>
+          </a:prstGeom>
+        </p:spPr>
+      </p:pic>
+      <p:sp>
+        <p:nvSpPr>
+          <p:cNvPr id="5" name="Text 1"/>
+          <p:cNvSpPr/>
+          <p:nvPr/>
+        </p:nvSpPr>
+        <p:spPr>
+          <a:xfrm>
+            <a:off x="793790" y="4065151"/>
+            <a:ext cx="2291953" cy="1062990"/>
+          </a:xfrm>
+          <a:prstGeom prst="rect">
+            <a:avLst/>
+          </a:prstGeom>
+          <a:noFill/>
+        </p:spPr>
+        <p:txBody>
+          <a:bodyPr wrap="square" lIns="0" tIns="0" rIns="0" bIns="0" rtlCol="0" anchor="t"/>
+          <a:lstStyle/>
+          <a:p>
+            <a:pPr marL="0" indent="0" algn="l">
+              <a:lnSpc>
+                <a:spcPts val="2750"/>
+              </a:lnSpc>
+              <a:buNone/>
+            </a:pPr>
+            <a:r>
+              <a:rPr lang="en-US" sz="2200" dirty="0">
+                <a:solidFill>
+                  <a:srgbClr val="404155"/>
+                </a:solidFill>
+                <a:latin typeface="Corben" panose="020F0503020000020004" pitchFamily="34" charset="0"/>
+                <a:ea typeface="Corben" panose="020F0503020000020004" pitchFamily="34" charset="-122"/>
+                <a:cs typeface="Corben" panose="020F0503020000020004" pitchFamily="34" charset="-120"/>
+              </a:rPr>
+              <a:t>Assets = Liabilities + Equity</a:t>
+            </a:r>
+            <a:endParaRPr lang="en-US" sz="2200" dirty="0"/>
+          </a:p>
+        </p:txBody>
+      </p:sp>
+      <p:sp>
+        <p:nvSpPr>
+          <p:cNvPr id="6" name="Text 2"/>
+          <p:cNvSpPr/>
+          <p:nvPr/>
+        </p:nvSpPr>
+        <p:spPr>
+          <a:xfrm>
+            <a:off x="793790" y="5264229"/>
+            <a:ext cx="2291953" cy="1451610"/>
+          </a:xfrm>
+          <a:prstGeom prst="rect">
+            <a:avLst/>
+          </a:prstGeom>
+          <a:noFill/>
+        </p:spPr>
+        <p:txBody>
+          <a:bodyPr wrap="square" lIns="0" tIns="0" rIns="0" bIns="0" rtlCol="0" anchor="t"/>
+          <a:lstStyle/>
+          <a:p>
+            <a:pPr marL="0" indent="0" algn="l">
+              <a:lnSpc>
+                <a:spcPts val="2850"/>
+              </a:lnSpc>
+              <a:buNone/>
+            </a:pPr>
+            <a:r>
+              <a:rPr lang="en-US" sz="1750" dirty="0">
+                <a:solidFill>
+                  <a:srgbClr val="404155"/>
+                </a:solidFill>
+                <a:latin typeface="Nobile" panose="02000503050000020004" pitchFamily="34" charset="0"/>
+                <a:ea typeface="Nobile" panose="02000503050000020004" pitchFamily="34" charset="-122"/>
+                <a:cs typeface="Nobile" panose="02000503050000020004" pitchFamily="34" charset="-120"/>
+              </a:rPr>
+              <a:t>Understand the fundamental accounting equation.</a:t>
+            </a:r>
+            <a:endParaRPr lang="en-US" sz="1750" dirty="0"/>
+          </a:p>
+        </p:txBody>
+      </p:sp>
+      <p:pic>
+        <p:nvPicPr>
+          <p:cNvPr id="7" name="Image 2" descr="preencoded.png"/>
+          <p:cNvPicPr>
+            <a:picLocks noChangeAspect="1"/>
+          </p:cNvPicPr>
+          <p:nvPr/>
+        </p:nvPicPr>
+        <p:blipFill>
           <a:blip r:embed="rId3"/>
           <a:stretch>
             <a:fillRect/>
@@ -4525,8 +4534,8 @@
         </p:blipFill>
         <p:spPr>
           <a:xfrm>
-            <a:off x="9144000" y="0"/>
-            <a:ext cx="5486400" cy="8229600"/>
+            <a:off x="3425904" y="3271361"/>
+            <a:ext cx="566976" cy="566976"/>
           </a:xfrm>
           <a:prstGeom prst="rect">
             <a:avLst/>
@@ -4535,20 +4544,19 @@
       </p:pic>
       <p:sp>
         <p:nvSpPr>
-          <p:cNvPr id="3" name="Text 0"/>
-          <p:cNvSpPr/>
-          <p:nvPr/>
-        </p:nvSpPr>
-        <p:spPr>
-          <a:xfrm>
-            <a:off x="793790" y="1513642"/>
-            <a:ext cx="7556421" cy="1417558"/>
-          </a:xfrm>
-          <a:prstGeom prst="rect">
-            <a:avLst/>
-          </a:prstGeom>
-          <a:noFill/>
-          <a:ln/>
+          <p:cNvPr id="8" name="Text 3"/>
+          <p:cNvSpPr/>
+          <p:nvPr/>
+        </p:nvSpPr>
+        <p:spPr>
+          <a:xfrm>
+            <a:off x="3425904" y="4065151"/>
+            <a:ext cx="2292072" cy="708660"/>
+          </a:xfrm>
+          <a:prstGeom prst="rect">
+            <a:avLst/>
+          </a:prstGeom>
+          <a:noFill/>
         </p:spPr>
         <p:txBody>
           <a:bodyPr wrap="square" lIns="0" tIns="0" rIns="0" bIns="0" rtlCol="0" anchor="t"/>
@@ -4556,28 +4564,69 @@
           <a:p>
             <a:pPr marL="0" indent="0" algn="l">
               <a:lnSpc>
-                <a:spcPts val="5550"/>
+                <a:spcPts val="2750"/>
               </a:lnSpc>
               <a:buNone/>
             </a:pPr>
             <a:r>
-              <a:rPr lang="en-US" sz="4450" dirty="0">
-                <a:solidFill>
-                  <a:srgbClr val="1B1B27"/>
-                </a:solidFill>
-                <a:latin typeface="Corben" pitchFamily="34" charset="0"/>
-                <a:ea typeface="Corben" pitchFamily="34" charset="-122"/>
-                <a:cs typeface="Corben" pitchFamily="34" charset="-120"/>
-              </a:rPr>
-              <a:t>Rule #3: Follow Double-Entry Bookkeeping</a:t>
-            </a:r>
-            <a:endParaRPr lang="en-US" sz="4450" dirty="0"/>
+              <a:rPr lang="en-US" sz="2200" dirty="0">
+                <a:solidFill>
+                  <a:srgbClr val="404155"/>
+                </a:solidFill>
+                <a:latin typeface="Corben" panose="020F0503020000020004" pitchFamily="34" charset="0"/>
+                <a:ea typeface="Corben" panose="020F0503020000020004" pitchFamily="34" charset="-122"/>
+                <a:cs typeface="Corben" panose="020F0503020000020004" pitchFamily="34" charset="-120"/>
+              </a:rPr>
+              <a:t>Debits and Credits</a:t>
+            </a:r>
+            <a:endParaRPr lang="en-US" sz="2200" dirty="0"/>
+          </a:p>
+        </p:txBody>
+      </p:sp>
+      <p:sp>
+        <p:nvSpPr>
+          <p:cNvPr id="9" name="Text 4"/>
+          <p:cNvSpPr/>
+          <p:nvPr/>
+        </p:nvSpPr>
+        <p:spPr>
+          <a:xfrm>
+            <a:off x="3425904" y="4909899"/>
+            <a:ext cx="2292072" cy="1088708"/>
+          </a:xfrm>
+          <a:prstGeom prst="rect">
+            <a:avLst/>
+          </a:prstGeom>
+          <a:noFill/>
+        </p:spPr>
+        <p:txBody>
+          <a:bodyPr wrap="square" lIns="0" tIns="0" rIns="0" bIns="0" rtlCol="0" anchor="t"/>
+          <a:lstStyle/>
+          <a:p>
+            <a:pPr marL="0" indent="0" algn="l">
+              <a:lnSpc>
+                <a:spcPts val="2850"/>
+              </a:lnSpc>
+              <a:buNone/>
+            </a:pPr>
+            <a:r>
+              <a:rPr lang="en-US" sz="1750" dirty="0">
+                <a:solidFill>
+                  <a:srgbClr val="404155"/>
+                </a:solidFill>
+                <a:latin typeface="Nobile" panose="02000503050000020004" pitchFamily="34" charset="0"/>
+                <a:ea typeface="Nobile" panose="02000503050000020004" pitchFamily="34" charset="-122"/>
+                <a:cs typeface="Nobile" panose="02000503050000020004" pitchFamily="34" charset="-120"/>
+              </a:rPr>
+              <a:t>Grasp the basic principles of debits and credits.</a:t>
+            </a:r>
+            <a:endParaRPr lang="en-US" sz="1750" dirty="0"/>
           </a:p>
         </p:txBody>
       </p:sp>
       <p:pic>
         <p:nvPicPr>
-          <p:cNvPr id="4" name="Image 1" descr="preencoded.png"/>
+          <p:cNvPr id="10" name="Image 3" descr="preencoded.png"/>
           <p:cNvPicPr>
             <a:picLocks noChangeAspect="1"/>
           </p:cNvPicPr>
@@ -4591,7 +4640,7 @@
         </p:blipFill>
         <p:spPr>
           <a:xfrm>
-            <a:off x="793790" y="3271361"/>
+            <a:off x="6058138" y="3271361"/>
             <a:ext cx="566976" cy="566976"/>
           </a:xfrm>
           <a:prstGeom prst="rect">
@@ -4601,23 +4650,22 @@
       </p:pic>
       <p:sp>
         <p:nvSpPr>
-          <p:cNvPr id="5" name="Text 1"/>
-          <p:cNvSpPr/>
-          <p:nvPr/>
-        </p:nvSpPr>
-        <p:spPr>
-          <a:xfrm>
-            <a:off x="793790" y="4065151"/>
-            <a:ext cx="2291953" cy="1062990"/>
-          </a:xfrm>
-          <a:prstGeom prst="rect">
-            <a:avLst/>
-          </a:prstGeom>
-          <a:noFill/>
-          <a:ln/>
-        </p:spPr>
-        <p:txBody>
-          <a:bodyPr wrap="square" lIns="0" tIns="0" rIns="0" bIns="0" rtlCol="0" anchor="t"/>
+          <p:cNvPr id="11" name="Text 5"/>
+          <p:cNvSpPr/>
+          <p:nvPr/>
+        </p:nvSpPr>
+        <p:spPr>
+          <a:xfrm>
+            <a:off x="6058138" y="4065151"/>
+            <a:ext cx="2291953" cy="354330"/>
+          </a:xfrm>
+          <a:prstGeom prst="rect">
+            <a:avLst/>
+          </a:prstGeom>
+          <a:noFill/>
+        </p:spPr>
+        <p:txBody>
+          <a:bodyPr wrap="none" lIns="0" tIns="0" rIns="0" bIns="0" rtlCol="0" anchor="t"/>
           <a:lstStyle/>
           <a:p>
             <a:pPr marL="0" indent="0" algn="l">
@@ -4631,11 +4679,11 @@
                 <a:solidFill>
                   <a:srgbClr val="404155"/>
                 </a:solidFill>
-                <a:latin typeface="Corben" pitchFamily="34" charset="0"/>
-                <a:ea typeface="Corben" pitchFamily="34" charset="-122"/>
-                <a:cs typeface="Corben" pitchFamily="34" charset="-120"/>
-              </a:rPr>
-              <a:t>Assets = Liabilities + Equity</a:t>
+                <a:latin typeface="Corben" panose="020F0503020000020004" pitchFamily="34" charset="0"/>
+                <a:ea typeface="Corben" panose="020F0503020000020004" pitchFamily="34" charset="-122"/>
+                <a:cs typeface="Corben" panose="020F0503020000020004" pitchFamily="34" charset="-120"/>
+              </a:rPr>
+              <a:t>Balance is Key</a:t>
             </a:r>
             <a:endParaRPr lang="en-US" sz="2200" dirty="0"/>
           </a:p>
@@ -4643,20 +4691,19 @@
       </p:sp>
       <p:sp>
         <p:nvSpPr>
-          <p:cNvPr id="6" name="Text 2"/>
-          <p:cNvSpPr/>
-          <p:nvPr/>
-        </p:nvSpPr>
-        <p:spPr>
-          <a:xfrm>
-            <a:off x="793790" y="5264229"/>
-            <a:ext cx="2291953" cy="1451610"/>
-          </a:xfrm>
-          <a:prstGeom prst="rect">
-            <a:avLst/>
-          </a:prstGeom>
-          <a:noFill/>
-          <a:ln/>
+          <p:cNvPr id="12" name="Text 6"/>
+          <p:cNvSpPr/>
+          <p:nvPr/>
+        </p:nvSpPr>
+        <p:spPr>
+          <a:xfrm>
+            <a:off x="6058138" y="4555569"/>
+            <a:ext cx="2291953" cy="1088708"/>
+          </a:xfrm>
+          <a:prstGeom prst="rect">
+            <a:avLst/>
+          </a:prstGeom>
+          <a:noFill/>
         </p:spPr>
         <p:txBody>
           <a:bodyPr wrap="square" lIns="0" tIns="0" rIns="0" bIns="0" rtlCol="0" anchor="t"/>
@@ -4673,225 +4720,9 @@
                 <a:solidFill>
                   <a:srgbClr val="404155"/>
                 </a:solidFill>
-                <a:latin typeface="Nobile" pitchFamily="34" charset="0"/>
-                <a:ea typeface="Nobile" pitchFamily="34" charset="-122"/>
-                <a:cs typeface="Nobile" pitchFamily="34" charset="-120"/>
-              </a:rPr>
-              <a:t>Understand the fundamental accounting equation.</a:t>
-            </a:r>
-            <a:endParaRPr lang="en-US" sz="1750" dirty="0"/>
-          </a:p>
-        </p:txBody>
-      </p:sp>
-      <p:pic>
-        <p:nvPicPr>
-          <p:cNvPr id="7" name="Image 2" descr="preencoded.png"/>
-          <p:cNvPicPr>
-            <a:picLocks noChangeAspect="1"/>
-          </p:cNvPicPr>
-          <p:nvPr/>
-        </p:nvPicPr>
-        <p:blipFill>
-          <a:blip r:embed="rId5"/>
-          <a:stretch>
-            <a:fillRect/>
-          </a:stretch>
-        </p:blipFill>
-        <p:spPr>
-          <a:xfrm>
-            <a:off x="3425904" y="3271361"/>
-            <a:ext cx="566976" cy="566976"/>
-          </a:xfrm>
-          <a:prstGeom prst="rect">
-            <a:avLst/>
-          </a:prstGeom>
-        </p:spPr>
-      </p:pic>
-      <p:sp>
-        <p:nvSpPr>
-          <p:cNvPr id="8" name="Text 3"/>
-          <p:cNvSpPr/>
-          <p:nvPr/>
-        </p:nvSpPr>
-        <p:spPr>
-          <a:xfrm>
-            <a:off x="3425904" y="4065151"/>
-            <a:ext cx="2292072" cy="708660"/>
-          </a:xfrm>
-          <a:prstGeom prst="rect">
-            <a:avLst/>
-          </a:prstGeom>
-          <a:noFill/>
-          <a:ln/>
-        </p:spPr>
-        <p:txBody>
-          <a:bodyPr wrap="square" lIns="0" tIns="0" rIns="0" bIns="0" rtlCol="0" anchor="t"/>
-          <a:lstStyle/>
-          <a:p>
-            <a:pPr marL="0" indent="0" algn="l">
-              <a:lnSpc>
-                <a:spcPts val="2750"/>
-              </a:lnSpc>
-              <a:buNone/>
-            </a:pPr>
-            <a:r>
-              <a:rPr lang="en-US" sz="2200" dirty="0">
-                <a:solidFill>
-                  <a:srgbClr val="404155"/>
-                </a:solidFill>
-                <a:latin typeface="Corben" pitchFamily="34" charset="0"/>
-                <a:ea typeface="Corben" pitchFamily="34" charset="-122"/>
-                <a:cs typeface="Corben" pitchFamily="34" charset="-120"/>
-              </a:rPr>
-              <a:t>Debits and Credits</a:t>
-            </a:r>
-            <a:endParaRPr lang="en-US" sz="2200" dirty="0"/>
-          </a:p>
-        </p:txBody>
-      </p:sp>
-      <p:sp>
-        <p:nvSpPr>
-          <p:cNvPr id="9" name="Text 4"/>
-          <p:cNvSpPr/>
-          <p:nvPr/>
-        </p:nvSpPr>
-        <p:spPr>
-          <a:xfrm>
-            <a:off x="3425904" y="4909899"/>
-            <a:ext cx="2292072" cy="1088708"/>
-          </a:xfrm>
-          <a:prstGeom prst="rect">
-            <a:avLst/>
-          </a:prstGeom>
-          <a:noFill/>
-          <a:ln/>
-        </p:spPr>
-        <p:txBody>
-          <a:bodyPr wrap="square" lIns="0" tIns="0" rIns="0" bIns="0" rtlCol="0" anchor="t"/>
-          <a:lstStyle/>
-          <a:p>
-            <a:pPr marL="0" indent="0" algn="l">
-              <a:lnSpc>
-                <a:spcPts val="2850"/>
-              </a:lnSpc>
-              <a:buNone/>
-            </a:pPr>
-            <a:r>
-              <a:rPr lang="en-US" sz="1750" dirty="0">
-                <a:solidFill>
-                  <a:srgbClr val="404155"/>
-                </a:solidFill>
-                <a:latin typeface="Nobile" pitchFamily="34" charset="0"/>
-                <a:ea typeface="Nobile" pitchFamily="34" charset="-122"/>
-                <a:cs typeface="Nobile" pitchFamily="34" charset="-120"/>
-              </a:rPr>
-              <a:t>Grasp the basic principles of debits and credits.</a:t>
-            </a:r>
-            <a:endParaRPr lang="en-US" sz="1750" dirty="0"/>
-          </a:p>
-        </p:txBody>
-      </p:sp>
-      <p:pic>
-        <p:nvPicPr>
-          <p:cNvPr id="10" name="Image 3" descr="preencoded.png"/>
-          <p:cNvPicPr>
-            <a:picLocks noChangeAspect="1"/>
-          </p:cNvPicPr>
-          <p:nvPr/>
-        </p:nvPicPr>
-        <p:blipFill>
-          <a:blip r:embed="rId6"/>
-          <a:stretch>
-            <a:fillRect/>
-          </a:stretch>
-        </p:blipFill>
-        <p:spPr>
-          <a:xfrm>
-            <a:off x="6058138" y="3271361"/>
-            <a:ext cx="566976" cy="566976"/>
-          </a:xfrm>
-          <a:prstGeom prst="rect">
-            <a:avLst/>
-          </a:prstGeom>
-        </p:spPr>
-      </p:pic>
-      <p:sp>
-        <p:nvSpPr>
-          <p:cNvPr id="11" name="Text 5"/>
-          <p:cNvSpPr/>
-          <p:nvPr/>
-        </p:nvSpPr>
-        <p:spPr>
-          <a:xfrm>
-            <a:off x="6058138" y="4065151"/>
-            <a:ext cx="2291953" cy="354330"/>
-          </a:xfrm>
-          <a:prstGeom prst="rect">
-            <a:avLst/>
-          </a:prstGeom>
-          <a:noFill/>
-          <a:ln/>
-        </p:spPr>
-        <p:txBody>
-          <a:bodyPr wrap="none" lIns="0" tIns="0" rIns="0" bIns="0" rtlCol="0" anchor="t"/>
-          <a:lstStyle/>
-          <a:p>
-            <a:pPr marL="0" indent="0" algn="l">
-              <a:lnSpc>
-                <a:spcPts val="2750"/>
-              </a:lnSpc>
-              <a:buNone/>
-            </a:pPr>
-            <a:r>
-              <a:rPr lang="en-US" sz="2200" dirty="0">
-                <a:solidFill>
-                  <a:srgbClr val="404155"/>
-                </a:solidFill>
-                <a:latin typeface="Corben" pitchFamily="34" charset="0"/>
-                <a:ea typeface="Corben" pitchFamily="34" charset="-122"/>
-                <a:cs typeface="Corben" pitchFamily="34" charset="-120"/>
-              </a:rPr>
-              <a:t>Balance is Key</a:t>
-            </a:r>
-            <a:endParaRPr lang="en-US" sz="2200" dirty="0"/>
-          </a:p>
-        </p:txBody>
-      </p:sp>
-      <p:sp>
-        <p:nvSpPr>
-          <p:cNvPr id="12" name="Text 6"/>
-          <p:cNvSpPr/>
-          <p:nvPr/>
-        </p:nvSpPr>
-        <p:spPr>
-          <a:xfrm>
-            <a:off x="6058138" y="4555569"/>
-            <a:ext cx="2291953" cy="1088708"/>
-          </a:xfrm>
-          <a:prstGeom prst="rect">
-            <a:avLst/>
-          </a:prstGeom>
-          <a:noFill/>
-          <a:ln/>
-        </p:spPr>
-        <p:txBody>
-          <a:bodyPr wrap="square" lIns="0" tIns="0" rIns="0" bIns="0" rtlCol="0" anchor="t"/>
-          <a:lstStyle/>
-          <a:p>
-            <a:pPr marL="0" indent="0" algn="l">
-              <a:lnSpc>
-                <a:spcPts val="2850"/>
-              </a:lnSpc>
-              <a:buNone/>
-            </a:pPr>
-            <a:r>
-              <a:rPr lang="en-US" sz="1750" dirty="0">
-                <a:solidFill>
-                  <a:srgbClr val="404155"/>
-                </a:solidFill>
-                <a:latin typeface="Nobile" pitchFamily="34" charset="0"/>
-                <a:ea typeface="Nobile" pitchFamily="34" charset="-122"/>
-                <a:cs typeface="Nobile" pitchFamily="34" charset="-120"/>
+                <a:latin typeface="Nobile" panose="02000503050000020004" pitchFamily="34" charset="0"/>
+                <a:ea typeface="Nobile" panose="02000503050000020004" pitchFamily="34" charset="-122"/>
+                <a:cs typeface="Nobile" panose="02000503050000020004" pitchFamily="34" charset="-120"/>
               </a:rPr>
               <a:t>Ensure the accounting equation always balances.</a:t>
             </a:r>
@@ -4909,7 +4740,7 @@
 
 <file path=ppt/slides/slide5.xml><?xml version="1.0" encoding="utf-8"?>
 <p:sld xmlns:a="http://schemas.openxmlformats.org/drawingml/2006/main" xmlns:r="http://schemas.openxmlformats.org/officeDocument/2006/relationships" xmlns:p="http://schemas.openxmlformats.org/presentationml/2006/main">
-  <p:cSld name="Slide 5">
+  <p:cSld>
     <p:spTree>
       <p:nvGrpSpPr>
         <p:cNvPr id="1" name=""/>
@@ -4939,7 +4770,6 @@
             <a:avLst/>
           </a:prstGeom>
           <a:noFill/>
-          <a:ln/>
         </p:spPr>
         <p:txBody>
           <a:bodyPr wrap="none" lIns="0" tIns="0" rIns="0" bIns="0" rtlCol="0" anchor="t"/>
@@ -4956,9 +4786,9 @@
                 <a:solidFill>
                   <a:srgbClr val="1B1B27"/>
                 </a:solidFill>
-                <a:latin typeface="Corben" pitchFamily="34" charset="0"/>
-                <a:ea typeface="Corben" pitchFamily="34" charset="-122"/>
-                <a:cs typeface="Corben" pitchFamily="34" charset="-120"/>
+                <a:latin typeface="Corben" panose="020F0503020000020004" pitchFamily="34" charset="0"/>
+                <a:ea typeface="Corben" panose="020F0503020000020004" pitchFamily="34" charset="-122"/>
+                <a:cs typeface="Corben" panose="020F0503020000020004" pitchFamily="34" charset="-120"/>
               </a:rPr>
               <a:t>Rule #4: Adhere to the Matching Principle</a:t>
             </a:r>
@@ -4981,7 +4811,6 @@
             <a:avLst/>
           </a:prstGeom>
           <a:noFill/>
-          <a:ln/>
         </p:spPr>
         <p:txBody>
           <a:bodyPr wrap="none" lIns="0" tIns="0" rIns="0" bIns="0" rtlCol="0" anchor="t"/>
@@ -4998,9 +4827,9 @@
                 <a:solidFill>
                   <a:srgbClr val="404155"/>
                 </a:solidFill>
-                <a:latin typeface="Corben" pitchFamily="34" charset="0"/>
-                <a:ea typeface="Corben" pitchFamily="34" charset="-122"/>
-                <a:cs typeface="Corben" pitchFamily="34" charset="-120"/>
+                <a:latin typeface="Corben" panose="020F0503020000020004" pitchFamily="34" charset="0"/>
+                <a:ea typeface="Corben" panose="020F0503020000020004" pitchFamily="34" charset="-122"/>
+                <a:cs typeface="Corben" panose="020F0503020000020004" pitchFamily="34" charset="-120"/>
               </a:rPr>
               <a:t>Revenue Recognition</a:t>
             </a:r>
@@ -5023,7 +4852,6 @@
             <a:avLst/>
           </a:prstGeom>
           <a:noFill/>
-          <a:ln/>
         </p:spPr>
         <p:txBody>
           <a:bodyPr wrap="none" lIns="0" tIns="0" rIns="0" bIns="0" rtlCol="0" anchor="t"/>
@@ -5040,9 +4868,9 @@
                 <a:solidFill>
                   <a:srgbClr val="404155"/>
                 </a:solidFill>
-                <a:latin typeface="Nobile" pitchFamily="34" charset="0"/>
-                <a:ea typeface="Nobile" pitchFamily="34" charset="-122"/>
-                <a:cs typeface="Nobile" pitchFamily="34" charset="-120"/>
+                <a:latin typeface="Nobile" panose="02000503050000020004" pitchFamily="34" charset="0"/>
+                <a:ea typeface="Nobile" panose="02000503050000020004" pitchFamily="34" charset="-122"/>
+                <a:cs typeface="Nobile" panose="02000503050000020004" pitchFamily="34" charset="-120"/>
               </a:rPr>
               <a:t>Record revenue when earned.</a:t>
             </a:r>
@@ -5053,6 +4881,300 @@
       <p:pic>
         <p:nvPicPr>
           <p:cNvPr id="5" name="Image 0" descr="preencoded.png"/>
+          <p:cNvPicPr>
+            <a:picLocks noChangeAspect="1"/>
+          </p:cNvPicPr>
+          <p:nvPr/>
+        </p:nvPicPr>
+        <p:blipFill>
+          <a:blip r:embed="rId1"/>
+          <a:stretch>
+            <a:fillRect/>
+          </a:stretch>
+        </p:blipFill>
+        <p:spPr>
+          <a:xfrm>
+            <a:off x="5032653" y="2413516"/>
+            <a:ext cx="4564975" cy="4564975"/>
+          </a:xfrm>
+          <a:prstGeom prst="rect">
+            <a:avLst/>
+          </a:prstGeom>
+        </p:spPr>
+      </p:pic>
+      <p:sp>
+        <p:nvSpPr>
+          <p:cNvPr id="6" name="Text 3"/>
+          <p:cNvSpPr/>
+          <p:nvPr/>
+        </p:nvSpPr>
+        <p:spPr>
+          <a:xfrm>
+            <a:off x="5547717" y="4483775"/>
+            <a:ext cx="339328" cy="424220"/>
+          </a:xfrm>
+          <a:prstGeom prst="rect">
+            <a:avLst/>
+          </a:prstGeom>
+          <a:noFill/>
+        </p:spPr>
+        <p:txBody>
+          <a:bodyPr wrap="none" lIns="0" tIns="0" rIns="0" bIns="0" rtlCol="0" anchor="t"/>
+          <a:lstStyle/>
+          <a:p>
+            <a:pPr marL="0" indent="0" algn="l">
+              <a:lnSpc>
+                <a:spcPts val="4250"/>
+              </a:lnSpc>
+              <a:buNone/>
+            </a:pPr>
+            <a:r>
+              <a:rPr lang="en-US" sz="2650" dirty="0">
+                <a:solidFill>
+                  <a:srgbClr val="404155"/>
+                </a:solidFill>
+                <a:latin typeface="Corben" panose="020F0503020000020004" pitchFamily="34" charset="0"/>
+                <a:ea typeface="Corben" panose="020F0503020000020004" pitchFamily="34" charset="-122"/>
+                <a:cs typeface="Corben" panose="020F0503020000020004" pitchFamily="34" charset="-120"/>
+              </a:rPr>
+              <a:t>1</a:t>
+            </a:r>
+            <a:endParaRPr lang="en-US" sz="2650" dirty="0"/>
+          </a:p>
+        </p:txBody>
+      </p:sp>
+      <p:sp>
+        <p:nvSpPr>
+          <p:cNvPr id="7" name="Text 4"/>
+          <p:cNvSpPr/>
+          <p:nvPr/>
+        </p:nvSpPr>
+        <p:spPr>
+          <a:xfrm>
+            <a:off x="9937790" y="2861548"/>
+            <a:ext cx="2835235" cy="354330"/>
+          </a:xfrm>
+          <a:prstGeom prst="rect">
+            <a:avLst/>
+          </a:prstGeom>
+          <a:noFill/>
+        </p:spPr>
+        <p:txBody>
+          <a:bodyPr wrap="none" lIns="0" tIns="0" rIns="0" bIns="0" rtlCol="0" anchor="t"/>
+          <a:lstStyle/>
+          <a:p>
+            <a:pPr marL="0" indent="0" algn="l">
+              <a:lnSpc>
+                <a:spcPts val="2750"/>
+              </a:lnSpc>
+              <a:buNone/>
+            </a:pPr>
+            <a:r>
+              <a:rPr lang="en-US" sz="2200" dirty="0">
+                <a:solidFill>
+                  <a:srgbClr val="404155"/>
+                </a:solidFill>
+                <a:latin typeface="Corben" panose="020F0503020000020004" pitchFamily="34" charset="0"/>
+                <a:ea typeface="Corben" panose="020F0503020000020004" pitchFamily="34" charset="-122"/>
+                <a:cs typeface="Corben" panose="020F0503020000020004" pitchFamily="34" charset="-120"/>
+              </a:rPr>
+              <a:t>Expense Recognition</a:t>
+            </a:r>
+            <a:endParaRPr lang="en-US" sz="2200" dirty="0"/>
+          </a:p>
+        </p:txBody>
+      </p:sp>
+      <p:sp>
+        <p:nvSpPr>
+          <p:cNvPr id="8" name="Text 5"/>
+          <p:cNvSpPr/>
+          <p:nvPr/>
+        </p:nvSpPr>
+        <p:spPr>
+          <a:xfrm>
+            <a:off x="9937790" y="3351967"/>
+            <a:ext cx="3898821" cy="725805"/>
+          </a:xfrm>
+          <a:prstGeom prst="rect">
+            <a:avLst/>
+          </a:prstGeom>
+          <a:noFill/>
+        </p:spPr>
+        <p:txBody>
+          <a:bodyPr wrap="square" lIns="0" tIns="0" rIns="0" bIns="0" rtlCol="0" anchor="t"/>
+          <a:lstStyle/>
+          <a:p>
+            <a:pPr marL="0" indent="0" algn="l">
+              <a:lnSpc>
+                <a:spcPts val="2850"/>
+              </a:lnSpc>
+              <a:buNone/>
+            </a:pPr>
+            <a:r>
+              <a:rPr lang="en-US" sz="1750" dirty="0">
+                <a:solidFill>
+                  <a:srgbClr val="404155"/>
+                </a:solidFill>
+                <a:latin typeface="Nobile" panose="02000503050000020004" pitchFamily="34" charset="0"/>
+                <a:ea typeface="Nobile" panose="02000503050000020004" pitchFamily="34" charset="-122"/>
+                <a:cs typeface="Nobile" panose="02000503050000020004" pitchFamily="34" charset="-120"/>
+              </a:rPr>
+              <a:t>Match expenses to related revenues.</a:t>
+            </a:r>
+            <a:endParaRPr lang="en-US" sz="1750" dirty="0"/>
+          </a:p>
+        </p:txBody>
+      </p:sp>
+      <p:pic>
+        <p:nvPicPr>
+          <p:cNvPr id="9" name="Image 1" descr="preencoded.png"/>
+          <p:cNvPicPr>
+            <a:picLocks noChangeAspect="1"/>
+          </p:cNvPicPr>
+          <p:nvPr/>
+        </p:nvPicPr>
+        <p:blipFill>
+          <a:blip r:embed="rId2"/>
+          <a:stretch>
+            <a:fillRect/>
+          </a:stretch>
+        </p:blipFill>
+        <p:spPr>
+          <a:xfrm>
+            <a:off x="5032653" y="2413516"/>
+            <a:ext cx="4564975" cy="4564975"/>
+          </a:xfrm>
+          <a:prstGeom prst="rect">
+            <a:avLst/>
+          </a:prstGeom>
+        </p:spPr>
+      </p:pic>
+      <p:sp>
+        <p:nvSpPr>
+          <p:cNvPr id="10" name="Text 6"/>
+          <p:cNvSpPr/>
+          <p:nvPr/>
+        </p:nvSpPr>
+        <p:spPr>
+          <a:xfrm>
+            <a:off x="7944326" y="3100149"/>
+            <a:ext cx="339328" cy="424220"/>
+          </a:xfrm>
+          <a:prstGeom prst="rect">
+            <a:avLst/>
+          </a:prstGeom>
+          <a:noFill/>
+        </p:spPr>
+        <p:txBody>
+          <a:bodyPr wrap="none" lIns="0" tIns="0" rIns="0" bIns="0" rtlCol="0" anchor="t"/>
+          <a:lstStyle/>
+          <a:p>
+            <a:pPr marL="0" indent="0" algn="l">
+              <a:lnSpc>
+                <a:spcPts val="4250"/>
+              </a:lnSpc>
+              <a:buNone/>
+            </a:pPr>
+            <a:r>
+              <a:rPr lang="en-US" sz="2650" dirty="0">
+                <a:solidFill>
+                  <a:srgbClr val="404155"/>
+                </a:solidFill>
+                <a:latin typeface="Corben" panose="020F0503020000020004" pitchFamily="34" charset="0"/>
+                <a:ea typeface="Corben" panose="020F0503020000020004" pitchFamily="34" charset="-122"/>
+                <a:cs typeface="Corben" panose="020F0503020000020004" pitchFamily="34" charset="-120"/>
+              </a:rPr>
+              <a:t>2</a:t>
+            </a:r>
+            <a:endParaRPr lang="en-US" sz="2650" dirty="0"/>
+          </a:p>
+        </p:txBody>
+      </p:sp>
+      <p:sp>
+        <p:nvSpPr>
+          <p:cNvPr id="11" name="Text 7"/>
+          <p:cNvSpPr/>
+          <p:nvPr/>
+        </p:nvSpPr>
+        <p:spPr>
+          <a:xfrm>
+            <a:off x="9937790" y="5314117"/>
+            <a:ext cx="2835235" cy="354330"/>
+          </a:xfrm>
+          <a:prstGeom prst="rect">
+            <a:avLst/>
+          </a:prstGeom>
+          <a:noFill/>
+        </p:spPr>
+        <p:txBody>
+          <a:bodyPr wrap="none" lIns="0" tIns="0" rIns="0" bIns="0" rtlCol="0" anchor="t"/>
+          <a:lstStyle/>
+          <a:p>
+            <a:pPr marL="0" indent="0" algn="l">
+              <a:lnSpc>
+                <a:spcPts val="2750"/>
+              </a:lnSpc>
+              <a:buNone/>
+            </a:pPr>
+            <a:r>
+              <a:rPr lang="en-US" sz="2200" dirty="0">
+                <a:solidFill>
+                  <a:srgbClr val="404155"/>
+                </a:solidFill>
+                <a:latin typeface="Corben" panose="020F0503020000020004" pitchFamily="34" charset="0"/>
+                <a:ea typeface="Corben" panose="020F0503020000020004" pitchFamily="34" charset="-122"/>
+                <a:cs typeface="Corben" panose="020F0503020000020004" pitchFamily="34" charset="-120"/>
+              </a:rPr>
+              <a:t>Net Income Impact</a:t>
+            </a:r>
+            <a:endParaRPr lang="en-US" sz="2200" dirty="0"/>
+          </a:p>
+        </p:txBody>
+      </p:sp>
+      <p:sp>
+        <p:nvSpPr>
+          <p:cNvPr id="12" name="Text 8"/>
+          <p:cNvSpPr/>
+          <p:nvPr/>
+        </p:nvSpPr>
+        <p:spPr>
+          <a:xfrm>
+            <a:off x="9937790" y="5804535"/>
+            <a:ext cx="3898821" cy="725805"/>
+          </a:xfrm>
+          <a:prstGeom prst="rect">
+            <a:avLst/>
+          </a:prstGeom>
+          <a:noFill/>
+        </p:spPr>
+        <p:txBody>
+          <a:bodyPr wrap="square" lIns="0" tIns="0" rIns="0" bIns="0" rtlCol="0" anchor="t"/>
+          <a:lstStyle/>
+          <a:p>
+            <a:pPr marL="0" indent="0" algn="l">
+              <a:lnSpc>
+                <a:spcPts val="2850"/>
+              </a:lnSpc>
+              <a:buNone/>
+            </a:pPr>
+            <a:r>
+              <a:rPr lang="en-US" sz="1750" dirty="0">
+                <a:solidFill>
+                  <a:srgbClr val="404155"/>
+                </a:solidFill>
+                <a:latin typeface="Nobile" panose="02000503050000020004" pitchFamily="34" charset="0"/>
+                <a:ea typeface="Nobile" panose="02000503050000020004" pitchFamily="34" charset="-122"/>
+                <a:cs typeface="Nobile" panose="02000503050000020004" pitchFamily="34" charset="-120"/>
+              </a:rPr>
+              <a:t>Understand the impact on net income calculation.</a:t>
+            </a:r>
+            <a:endParaRPr lang="en-US" sz="1750" dirty="0"/>
+          </a:p>
+        </p:txBody>
+      </p:sp>
+      <p:pic>
+        <p:nvPicPr>
+          <p:cNvPr id="13" name="Image 2" descr="preencoded.png"/>
           <p:cNvPicPr>
             <a:picLocks noChangeAspect="1"/>
           </p:cNvPicPr>
@@ -5076,20 +5198,19 @@
       </p:pic>
       <p:sp>
         <p:nvSpPr>
-          <p:cNvPr id="6" name="Text 3"/>
-          <p:cNvSpPr/>
-          <p:nvPr/>
-        </p:nvSpPr>
-        <p:spPr>
-          <a:xfrm>
-            <a:off x="5547717" y="4483775"/>
+          <p:cNvPr id="14" name="Text 9"/>
+          <p:cNvSpPr/>
+          <p:nvPr/>
+        </p:nvSpPr>
+        <p:spPr>
+          <a:xfrm>
+            <a:off x="7944326" y="5867400"/>
             <a:ext cx="339328" cy="424220"/>
           </a:xfrm>
           <a:prstGeom prst="rect">
             <a:avLst/>
           </a:prstGeom>
           <a:noFill/>
-          <a:ln/>
         </p:spPr>
         <p:txBody>
           <a:bodyPr wrap="none" lIns="0" tIns="0" rIns="0" bIns="0" rtlCol="0" anchor="t"/>
@@ -5106,309 +5227,9 @@
                 <a:solidFill>
                   <a:srgbClr val="404155"/>
                 </a:solidFill>
-                <a:latin typeface="Corben" pitchFamily="34" charset="0"/>
-                <a:ea typeface="Corben" pitchFamily="34" charset="-122"/>
-                <a:cs typeface="Corben" pitchFamily="34" charset="-120"/>
-              </a:rPr>
-              <a:t>1</a:t>
-            </a:r>
-            <a:endParaRPr lang="en-US" sz="2650" dirty="0"/>
-          </a:p>
-        </p:txBody>
-      </p:sp>
-      <p:sp>
-        <p:nvSpPr>
-          <p:cNvPr id="7" name="Text 4"/>
-          <p:cNvSpPr/>
-          <p:nvPr/>
-        </p:nvSpPr>
-        <p:spPr>
-          <a:xfrm>
-            <a:off x="9937790" y="2861548"/>
-            <a:ext cx="2835235" cy="354330"/>
-          </a:xfrm>
-          <a:prstGeom prst="rect">
-            <a:avLst/>
-          </a:prstGeom>
-          <a:noFill/>
-          <a:ln/>
-        </p:spPr>
-        <p:txBody>
-          <a:bodyPr wrap="none" lIns="0" tIns="0" rIns="0" bIns="0" rtlCol="0" anchor="t"/>
-          <a:lstStyle/>
-          <a:p>
-            <a:pPr marL="0" indent="0" algn="l">
-              <a:lnSpc>
-                <a:spcPts val="2750"/>
-              </a:lnSpc>
-              <a:buNone/>
-            </a:pPr>
-            <a:r>
-              <a:rPr lang="en-US" sz="2200" dirty="0">
-                <a:solidFill>
-                  <a:srgbClr val="404155"/>
-                </a:solidFill>
-                <a:latin typeface="Corben" pitchFamily="34" charset="0"/>
-                <a:ea typeface="Corben" pitchFamily="34" charset="-122"/>
-                <a:cs typeface="Corben" pitchFamily="34" charset="-120"/>
-              </a:rPr>
-              <a:t>Expense Recognition</a:t>
-            </a:r>
-            <a:endParaRPr lang="en-US" sz="2200" dirty="0"/>
-          </a:p>
-        </p:txBody>
-      </p:sp>
-      <p:sp>
-        <p:nvSpPr>
-          <p:cNvPr id="8" name="Text 5"/>
-          <p:cNvSpPr/>
-          <p:nvPr/>
-        </p:nvSpPr>
-        <p:spPr>
-          <a:xfrm>
-            <a:off x="9937790" y="3351967"/>
-            <a:ext cx="3898821" cy="725805"/>
-          </a:xfrm>
-          <a:prstGeom prst="rect">
-            <a:avLst/>
-          </a:prstGeom>
-          <a:noFill/>
-          <a:ln/>
-        </p:spPr>
-        <p:txBody>
-          <a:bodyPr wrap="square" lIns="0" tIns="0" rIns="0" bIns="0" rtlCol="0" anchor="t"/>
-          <a:lstStyle/>
-          <a:p>
-            <a:pPr marL="0" indent="0" algn="l">
-              <a:lnSpc>
-                <a:spcPts val="2850"/>
-              </a:lnSpc>
-              <a:buNone/>
-            </a:pPr>
-            <a:r>
-              <a:rPr lang="en-US" sz="1750" dirty="0">
-                <a:solidFill>
-                  <a:srgbClr val="404155"/>
-                </a:solidFill>
-                <a:latin typeface="Nobile" pitchFamily="34" charset="0"/>
-                <a:ea typeface="Nobile" pitchFamily="34" charset="-122"/>
-                <a:cs typeface="Nobile" pitchFamily="34" charset="-120"/>
-              </a:rPr>
-              <a:t>Match expenses to related revenues.</a:t>
-            </a:r>
-            <a:endParaRPr lang="en-US" sz="1750" dirty="0"/>
-          </a:p>
-        </p:txBody>
-      </p:sp>
-      <p:pic>
-        <p:nvPicPr>
-          <p:cNvPr id="9" name="Image 1" descr="preencoded.png"/>
-          <p:cNvPicPr>
-            <a:picLocks noChangeAspect="1"/>
-          </p:cNvPicPr>
-          <p:nvPr/>
-        </p:nvPicPr>
-        <p:blipFill>
-          <a:blip r:embed="rId4"/>
-          <a:stretch>
-            <a:fillRect/>
-          </a:stretch>
-        </p:blipFill>
-        <p:spPr>
-          <a:xfrm>
-            <a:off x="5032653" y="2413516"/>
-            <a:ext cx="4564975" cy="4564975"/>
-          </a:xfrm>
-          <a:prstGeom prst="rect">
-            <a:avLst/>
-          </a:prstGeom>
-        </p:spPr>
-      </p:pic>
-      <p:sp>
-        <p:nvSpPr>
-          <p:cNvPr id="10" name="Text 6"/>
-          <p:cNvSpPr/>
-          <p:nvPr/>
-        </p:nvSpPr>
-        <p:spPr>
-          <a:xfrm>
-            <a:off x="7944326" y="3100149"/>
-            <a:ext cx="339328" cy="424220"/>
-          </a:xfrm>
-          <a:prstGeom prst="rect">
-            <a:avLst/>
-          </a:prstGeom>
-          <a:noFill/>
-          <a:ln/>
-        </p:spPr>
-        <p:txBody>
-          <a:bodyPr wrap="none" lIns="0" tIns="0" rIns="0" bIns="0" rtlCol="0" anchor="t"/>
-          <a:lstStyle/>
-          <a:p>
-            <a:pPr marL="0" indent="0" algn="l">
-              <a:lnSpc>
-                <a:spcPts val="4250"/>
-              </a:lnSpc>
-              <a:buNone/>
-            </a:pPr>
-            <a:r>
-              <a:rPr lang="en-US" sz="2650" dirty="0">
-                <a:solidFill>
-                  <a:srgbClr val="404155"/>
-                </a:solidFill>
-                <a:latin typeface="Corben" pitchFamily="34" charset="0"/>
-                <a:ea typeface="Corben" pitchFamily="34" charset="-122"/>
-                <a:cs typeface="Corben" pitchFamily="34" charset="-120"/>
-              </a:rPr>
-              <a:t>2</a:t>
-            </a:r>
-            <a:endParaRPr lang="en-US" sz="2650" dirty="0"/>
-          </a:p>
-        </p:txBody>
-      </p:sp>
-      <p:sp>
-        <p:nvSpPr>
-          <p:cNvPr id="11" name="Text 7"/>
-          <p:cNvSpPr/>
-          <p:nvPr/>
-        </p:nvSpPr>
-        <p:spPr>
-          <a:xfrm>
-            <a:off x="9937790" y="5314117"/>
-            <a:ext cx="2835235" cy="354330"/>
-          </a:xfrm>
-          <a:prstGeom prst="rect">
-            <a:avLst/>
-          </a:prstGeom>
-          <a:noFill/>
-          <a:ln/>
-        </p:spPr>
-        <p:txBody>
-          <a:bodyPr wrap="none" lIns="0" tIns="0" rIns="0" bIns="0" rtlCol="0" anchor="t"/>
-          <a:lstStyle/>
-          <a:p>
-            <a:pPr marL="0" indent="0" algn="l">
-              <a:lnSpc>
-                <a:spcPts val="2750"/>
-              </a:lnSpc>
-              <a:buNone/>
-            </a:pPr>
-            <a:r>
-              <a:rPr lang="en-US" sz="2200" dirty="0">
-                <a:solidFill>
-                  <a:srgbClr val="404155"/>
-                </a:solidFill>
-                <a:latin typeface="Corben" pitchFamily="34" charset="0"/>
-                <a:ea typeface="Corben" pitchFamily="34" charset="-122"/>
-                <a:cs typeface="Corben" pitchFamily="34" charset="-120"/>
-              </a:rPr>
-              <a:t>Net Income Impact</a:t>
-            </a:r>
-            <a:endParaRPr lang="en-US" sz="2200" dirty="0"/>
-          </a:p>
-        </p:txBody>
-      </p:sp>
-      <p:sp>
-        <p:nvSpPr>
-          <p:cNvPr id="12" name="Text 8"/>
-          <p:cNvSpPr/>
-          <p:nvPr/>
-        </p:nvSpPr>
-        <p:spPr>
-          <a:xfrm>
-            <a:off x="9937790" y="5804535"/>
-            <a:ext cx="3898821" cy="725805"/>
-          </a:xfrm>
-          <a:prstGeom prst="rect">
-            <a:avLst/>
-          </a:prstGeom>
-          <a:noFill/>
-          <a:ln/>
-        </p:spPr>
-        <p:txBody>
-          <a:bodyPr wrap="square" lIns="0" tIns="0" rIns="0" bIns="0" rtlCol="0" anchor="t"/>
-          <a:lstStyle/>
-          <a:p>
-            <a:pPr marL="0" indent="0" algn="l">
-              <a:lnSpc>
-                <a:spcPts val="2850"/>
-              </a:lnSpc>
-              <a:buNone/>
-            </a:pPr>
-            <a:r>
-              <a:rPr lang="en-US" sz="1750" dirty="0">
-                <a:solidFill>
-                  <a:srgbClr val="404155"/>
-                </a:solidFill>
-                <a:latin typeface="Nobile" pitchFamily="34" charset="0"/>
-                <a:ea typeface="Nobile" pitchFamily="34" charset="-122"/>
-                <a:cs typeface="Nobile" pitchFamily="34" charset="-120"/>
-              </a:rPr>
-              <a:t>Understand the impact on net income calculation.</a:t>
-            </a:r>
-            <a:endParaRPr lang="en-US" sz="1750" dirty="0"/>
-          </a:p>
-        </p:txBody>
-      </p:sp>
-      <p:pic>
-        <p:nvPicPr>
-          <p:cNvPr id="13" name="Image 2" descr="preencoded.png"/>
-          <p:cNvPicPr>
-            <a:picLocks noChangeAspect="1"/>
-          </p:cNvPicPr>
-          <p:nvPr/>
-        </p:nvPicPr>
-        <p:blipFill>
-          <a:blip r:embed="rId5"/>
-          <a:stretch>
-            <a:fillRect/>
-          </a:stretch>
-        </p:blipFill>
-        <p:spPr>
-          <a:xfrm>
-            <a:off x="5032653" y="2413516"/>
-            <a:ext cx="4564975" cy="4564975"/>
-          </a:xfrm>
-          <a:prstGeom prst="rect">
-            <a:avLst/>
-          </a:prstGeom>
-        </p:spPr>
-      </p:pic>
-      <p:sp>
-        <p:nvSpPr>
-          <p:cNvPr id="14" name="Text 9"/>
-          <p:cNvSpPr/>
-          <p:nvPr/>
-        </p:nvSpPr>
-        <p:spPr>
-          <a:xfrm>
-            <a:off x="7944326" y="5867400"/>
-            <a:ext cx="339328" cy="424220"/>
-          </a:xfrm>
-          <a:prstGeom prst="rect">
-            <a:avLst/>
-          </a:prstGeom>
-          <a:noFill/>
-          <a:ln/>
-        </p:spPr>
-        <p:txBody>
-          <a:bodyPr wrap="none" lIns="0" tIns="0" rIns="0" bIns="0" rtlCol="0" anchor="t"/>
-          <a:lstStyle/>
-          <a:p>
-            <a:pPr marL="0" indent="0" algn="l">
-              <a:lnSpc>
-                <a:spcPts val="4250"/>
-              </a:lnSpc>
-              <a:buNone/>
-            </a:pPr>
-            <a:r>
-              <a:rPr lang="en-US" sz="2650" dirty="0">
-                <a:solidFill>
-                  <a:srgbClr val="404155"/>
-                </a:solidFill>
-                <a:latin typeface="Corben" pitchFamily="34" charset="0"/>
-                <a:ea typeface="Corben" pitchFamily="34" charset="-122"/>
-                <a:cs typeface="Corben" pitchFamily="34" charset="-120"/>
+                <a:latin typeface="Corben" panose="020F0503020000020004" pitchFamily="34" charset="0"/>
+                <a:ea typeface="Corben" panose="020F0503020000020004" pitchFamily="34" charset="-122"/>
+                <a:cs typeface="Corben" panose="020F0503020000020004" pitchFamily="34" charset="-120"/>
               </a:rPr>
               <a:t>3</a:t>
             </a:r>
@@ -5472,7 +5293,7 @@
 
 <file path=ppt/slides/slide6.xml><?xml version="1.0" encoding="utf-8"?>
 <p:sld xmlns:a="http://schemas.openxmlformats.org/drawingml/2006/main" xmlns:r="http://schemas.openxmlformats.org/officeDocument/2006/relationships" xmlns:p="http://schemas.openxmlformats.org/presentationml/2006/main">
-  <p:cSld name="Slide 6">
+  <p:cSld>
     <p:spTree>
       <p:nvGrpSpPr>
         <p:cNvPr id="1" name=""/>
@@ -5496,7 +5317,7 @@
           <p:nvPr/>
         </p:nvPicPr>
         <p:blipFill>
-          <a:blip r:embed="rId3"/>
+          <a:blip r:embed="rId1"/>
           <a:stretch>
             <a:fillRect/>
           </a:stretch>
@@ -5526,7 +5347,6 @@
             <a:avLst/>
           </a:prstGeom>
           <a:noFill/>
-          <a:ln/>
         </p:spPr>
         <p:txBody>
           <a:bodyPr wrap="none" lIns="0" tIns="0" rIns="0" bIns="0" rtlCol="0" anchor="t"/>
@@ -5543,9 +5363,9 @@
                 <a:solidFill>
                   <a:srgbClr val="1B1B27"/>
                 </a:solidFill>
-                <a:latin typeface="Corben" pitchFamily="34" charset="0"/>
-                <a:ea typeface="Corben" pitchFamily="34" charset="-122"/>
-                <a:cs typeface="Corben" pitchFamily="34" charset="-120"/>
+                <a:latin typeface="Corben" panose="020F0503020000020004" pitchFamily="34" charset="0"/>
+                <a:ea typeface="Corben" panose="020F0503020000020004" pitchFamily="34" charset="-122"/>
+                <a:cs typeface="Corben" panose="020F0503020000020004" pitchFamily="34" charset="-120"/>
               </a:rPr>
               <a:t>Rule #5: Implement Strong Internal Controls</a:t>
             </a:r>
@@ -5572,7 +5392,6 @@
           <a:solidFill>
             <a:srgbClr val="B8BFDF"/>
           </a:solidFill>
-          <a:ln/>
         </p:spPr>
       </p:sp>
       <p:sp>
@@ -5594,7 +5413,6 @@
           <a:solidFill>
             <a:srgbClr val="B8BFDF"/>
           </a:solidFill>
-          <a:ln/>
         </p:spPr>
       </p:sp>
       <p:sp>
@@ -5639,7 +5457,6 @@
             <a:avLst/>
           </a:prstGeom>
           <a:noFill/>
-          <a:ln/>
         </p:spPr>
         <p:txBody>
           <a:bodyPr wrap="none" lIns="0" tIns="0" rIns="0" bIns="0" rtlCol="0" anchor="t"/>
@@ -5656,9 +5473,9 @@
                 <a:solidFill>
                   <a:srgbClr val="404155"/>
                 </a:solidFill>
-                <a:latin typeface="Corben" pitchFamily="34" charset="0"/>
-                <a:ea typeface="Corben" pitchFamily="34" charset="-122"/>
-                <a:cs typeface="Corben" pitchFamily="34" charset="-120"/>
+                <a:latin typeface="Corben" panose="020F0503020000020004" pitchFamily="34" charset="0"/>
+                <a:ea typeface="Corben" panose="020F0503020000020004" pitchFamily="34" charset="-122"/>
+                <a:cs typeface="Corben" panose="020F0503020000020004" pitchFamily="34" charset="-120"/>
               </a:rPr>
               <a:t>1</a:t>
             </a:r>
@@ -5681,7 +5498,6 @@
             <a:avLst/>
           </a:prstGeom>
           <a:noFill/>
-          <a:ln/>
         </p:spPr>
         <p:txBody>
           <a:bodyPr wrap="none" lIns="0" tIns="0" rIns="0" bIns="0" rtlCol="0" anchor="t"/>
@@ -5698,9 +5514,9 @@
                 <a:solidFill>
                   <a:srgbClr val="404155"/>
                 </a:solidFill>
-                <a:latin typeface="Corben" pitchFamily="34" charset="0"/>
-                <a:ea typeface="Corben" pitchFamily="34" charset="-122"/>
-                <a:cs typeface="Corben" pitchFamily="34" charset="-120"/>
+                <a:latin typeface="Corben" panose="020F0503020000020004" pitchFamily="34" charset="0"/>
+                <a:ea typeface="Corben" panose="020F0503020000020004" pitchFamily="34" charset="-122"/>
+                <a:cs typeface="Corben" panose="020F0503020000020004" pitchFamily="34" charset="-120"/>
               </a:rPr>
               <a:t>Segregation of Duties</a:t>
             </a:r>
@@ -5723,7 +5539,6 @@
             <a:avLst/>
           </a:prstGeom>
           <a:noFill/>
-          <a:ln/>
         </p:spPr>
         <p:txBody>
           <a:bodyPr wrap="square" lIns="0" tIns="0" rIns="0" bIns="0" rtlCol="0" anchor="t"/>
@@ -5740,9 +5555,9 @@
                 <a:solidFill>
                   <a:srgbClr val="404155"/>
                 </a:solidFill>
-                <a:latin typeface="Nobile" pitchFamily="34" charset="0"/>
-                <a:ea typeface="Nobile" pitchFamily="34" charset="-122"/>
-                <a:cs typeface="Nobile" pitchFamily="34" charset="-120"/>
+                <a:latin typeface="Nobile" panose="02000503050000020004" pitchFamily="34" charset="0"/>
+                <a:ea typeface="Nobile" panose="02000503050000020004" pitchFamily="34" charset="-122"/>
+                <a:cs typeface="Nobile" panose="02000503050000020004" pitchFamily="34" charset="-120"/>
               </a:rPr>
               <a:t>Prevent fraud and errors through separation of responsibilities.</a:t>
             </a:r>
@@ -5769,7 +5584,6 @@
           <a:solidFill>
             <a:srgbClr val="B8BFDF"/>
           </a:solidFill>
-          <a:ln/>
         </p:spPr>
       </p:sp>
       <p:sp>
@@ -5814,7 +5628,6 @@
             <a:avLst/>
           </a:prstGeom>
           <a:noFill/>
-          <a:ln/>
         </p:spPr>
         <p:txBody>
           <a:bodyPr wrap="none" lIns="0" tIns="0" rIns="0" bIns="0" rtlCol="0" anchor="t"/>
@@ -5831,9 +5644,9 @@
                 <a:solidFill>
                   <a:srgbClr val="404155"/>
                 </a:solidFill>
-                <a:latin typeface="Corben" pitchFamily="34" charset="0"/>
-                <a:ea typeface="Corben" pitchFamily="34" charset="-122"/>
-                <a:cs typeface="Corben" pitchFamily="34" charset="-120"/>
+                <a:latin typeface="Corben" panose="020F0503020000020004" pitchFamily="34" charset="0"/>
+                <a:ea typeface="Corben" panose="020F0503020000020004" pitchFamily="34" charset="-122"/>
+                <a:cs typeface="Corben" panose="020F0503020000020004" pitchFamily="34" charset="-120"/>
               </a:rPr>
               <a:t>2</a:t>
             </a:r>
@@ -5856,7 +5669,6 @@
             <a:avLst/>
           </a:prstGeom>
           <a:noFill/>
-          <a:ln/>
         </p:spPr>
         <p:txBody>
           <a:bodyPr wrap="none" lIns="0" tIns="0" rIns="0" bIns="0" rtlCol="0" anchor="t"/>
@@ -5873,9 +5685,9 @@
                 <a:solidFill>
                   <a:srgbClr val="404155"/>
                 </a:solidFill>
-                <a:latin typeface="Corben" pitchFamily="34" charset="0"/>
-                <a:ea typeface="Corben" pitchFamily="34" charset="-122"/>
-                <a:cs typeface="Corben" pitchFamily="34" charset="-120"/>
+                <a:latin typeface="Corben" panose="020F0503020000020004" pitchFamily="34" charset="0"/>
+                <a:ea typeface="Corben" panose="020F0503020000020004" pitchFamily="34" charset="-122"/>
+                <a:cs typeface="Corben" panose="020F0503020000020004" pitchFamily="34" charset="-120"/>
               </a:rPr>
               <a:t>Authorization Limits</a:t>
             </a:r>
@@ -5898,7 +5710,6 @@
             <a:avLst/>
           </a:prstGeom>
           <a:noFill/>
-          <a:ln/>
         </p:spPr>
         <p:txBody>
           <a:bodyPr wrap="none" lIns="0" tIns="0" rIns="0" bIns="0" rtlCol="0" anchor="t"/>
@@ -5915,9 +5726,9 @@
                 <a:solidFill>
                   <a:srgbClr val="404155"/>
                 </a:solidFill>
-                <a:latin typeface="Nobile" pitchFamily="34" charset="0"/>
-                <a:ea typeface="Nobile" pitchFamily="34" charset="-122"/>
-                <a:cs typeface="Nobile" pitchFamily="34" charset="-120"/>
+                <a:latin typeface="Nobile" panose="02000503050000020004" pitchFamily="34" charset="0"/>
+                <a:ea typeface="Nobile" panose="02000503050000020004" pitchFamily="34" charset="-122"/>
+                <a:cs typeface="Nobile" panose="02000503050000020004" pitchFamily="34" charset="-120"/>
               </a:rPr>
               <a:t>Implement approval processes for transactions.</a:t>
             </a:r>
@@ -5944,7 +5755,6 @@
           <a:solidFill>
             <a:srgbClr val="B8BFDF"/>
           </a:solidFill>
-          <a:ln/>
         </p:spPr>
       </p:sp>
       <p:sp>
@@ -5989,7 +5799,6 @@
             <a:avLst/>
           </a:prstGeom>
           <a:noFill/>
-          <a:ln/>
         </p:spPr>
         <p:txBody>
           <a:bodyPr wrap="none" lIns="0" tIns="0" rIns="0" bIns="0" rtlCol="0" anchor="t"/>
@@ -6006,9 +5815,9 @@
                 <a:solidFill>
                   <a:srgbClr val="404155"/>
                 </a:solidFill>
-                <a:latin typeface="Corben" pitchFamily="34" charset="0"/>
-                <a:ea typeface="Corben" pitchFamily="34" charset="-122"/>
-                <a:cs typeface="Corben" pitchFamily="34" charset="-120"/>
+                <a:latin typeface="Corben" panose="020F0503020000020004" pitchFamily="34" charset="0"/>
+                <a:ea typeface="Corben" panose="020F0503020000020004" pitchFamily="34" charset="-122"/>
+                <a:cs typeface="Corben" panose="020F0503020000020004" pitchFamily="34" charset="-120"/>
               </a:rPr>
               <a:t>3</a:t>
             </a:r>
@@ -6031,7 +5840,6 @@
             <a:avLst/>
           </a:prstGeom>
           <a:noFill/>
-          <a:ln/>
         </p:spPr>
         <p:txBody>
           <a:bodyPr wrap="none" lIns="0" tIns="0" rIns="0" bIns="0" rtlCol="0" anchor="t"/>
@@ -6048,9 +5856,9 @@
                 <a:solidFill>
                   <a:srgbClr val="404155"/>
                 </a:solidFill>
-                <a:latin typeface="Corben" pitchFamily="34" charset="0"/>
-                <a:ea typeface="Corben" pitchFamily="34" charset="-122"/>
-                <a:cs typeface="Corben" pitchFamily="34" charset="-120"/>
+                <a:latin typeface="Corben" panose="020F0503020000020004" pitchFamily="34" charset="0"/>
+                <a:ea typeface="Corben" panose="020F0503020000020004" pitchFamily="34" charset="-122"/>
+                <a:cs typeface="Corben" panose="020F0503020000020004" pitchFamily="34" charset="-120"/>
               </a:rPr>
               <a:t>Regular Reconciliations</a:t>
             </a:r>
@@ -6073,7 +5881,6 @@
             <a:avLst/>
           </a:prstGeom>
           <a:noFill/>
-          <a:ln/>
         </p:spPr>
         <p:txBody>
           <a:bodyPr wrap="none" lIns="0" tIns="0" rIns="0" bIns="0" rtlCol="0" anchor="t"/>
@@ -6090,9 +5897,9 @@
                 <a:solidFill>
                   <a:srgbClr val="404155"/>
                 </a:solidFill>
-                <a:latin typeface="Nobile" pitchFamily="34" charset="0"/>
-                <a:ea typeface="Nobile" pitchFamily="34" charset="-122"/>
-                <a:cs typeface="Nobile" pitchFamily="34" charset="-120"/>
+                <a:latin typeface="Nobile" panose="02000503050000020004" pitchFamily="34" charset="0"/>
+                <a:ea typeface="Nobile" panose="02000503050000020004" pitchFamily="34" charset="-122"/>
+                <a:cs typeface="Nobile" panose="02000503050000020004" pitchFamily="34" charset="-120"/>
               </a:rPr>
               <a:t>Reconcile bank statements and inventory counts.</a:t>
             </a:r>
@@ -6156,7 +5963,7 @@
 
 <file path=ppt/slides/slide7.xml><?xml version="1.0" encoding="utf-8"?>
 <p:sld xmlns:a="http://schemas.openxmlformats.org/drawingml/2006/main" xmlns:r="http://schemas.openxmlformats.org/officeDocument/2006/relationships" xmlns:p="http://schemas.openxmlformats.org/presentationml/2006/main">
-  <p:cSld name="Slide 7">
+  <p:cSld>
     <p:spTree>
       <p:nvGrpSpPr>
         <p:cNvPr id="1" name=""/>
@@ -6180,6 +5987,177 @@
           <p:nvPr/>
         </p:nvPicPr>
         <p:blipFill>
+          <a:blip r:embed="rId1"/>
+          <a:stretch>
+            <a:fillRect/>
+          </a:stretch>
+        </p:blipFill>
+        <p:spPr>
+          <a:xfrm>
+            <a:off x="9144000" y="0"/>
+            <a:ext cx="5486400" cy="8229600"/>
+          </a:xfrm>
+          <a:prstGeom prst="rect">
+            <a:avLst/>
+          </a:prstGeom>
+        </p:spPr>
+      </p:pic>
+      <p:sp>
+        <p:nvSpPr>
+          <p:cNvPr id="3" name="Text 0"/>
+          <p:cNvSpPr/>
+          <p:nvPr/>
+        </p:nvSpPr>
+        <p:spPr>
+          <a:xfrm>
+            <a:off x="793790" y="1194554"/>
+            <a:ext cx="7556421" cy="1417558"/>
+          </a:xfrm>
+          <a:prstGeom prst="rect">
+            <a:avLst/>
+          </a:prstGeom>
+          <a:noFill/>
+        </p:spPr>
+        <p:txBody>
+          <a:bodyPr wrap="square" lIns="0" tIns="0" rIns="0" bIns="0" rtlCol="0" anchor="t"/>
+          <a:lstStyle/>
+          <a:p>
+            <a:pPr marL="0" indent="0" algn="l">
+              <a:lnSpc>
+                <a:spcPts val="5550"/>
+              </a:lnSpc>
+              <a:buNone/>
+            </a:pPr>
+            <a:r>
+              <a:rPr lang="en-US" sz="4450" dirty="0">
+                <a:solidFill>
+                  <a:srgbClr val="1B1B27"/>
+                </a:solidFill>
+                <a:latin typeface="Corben" panose="020F0503020000020004" pitchFamily="34" charset="0"/>
+                <a:ea typeface="Corben" panose="020F0503020000020004" pitchFamily="34" charset="-122"/>
+                <a:cs typeface="Corben" panose="020F0503020000020004" pitchFamily="34" charset="-120"/>
+              </a:rPr>
+              <a:t>Rule #6: Comply with Tax Regulations</a:t>
+            </a:r>
+            <a:endParaRPr lang="en-US" sz="4450" dirty="0"/>
+          </a:p>
+        </p:txBody>
+      </p:sp>
+      <p:pic>
+        <p:nvPicPr>
+          <p:cNvPr id="4" name="Image 1" descr="preencoded.png"/>
+          <p:cNvPicPr>
+            <a:picLocks noChangeAspect="1"/>
+          </p:cNvPicPr>
+          <p:nvPr/>
+        </p:nvPicPr>
+        <p:blipFill>
+          <a:blip r:embed="rId2"/>
+          <a:stretch>
+            <a:fillRect/>
+          </a:stretch>
+        </p:blipFill>
+        <p:spPr>
+          <a:xfrm>
+            <a:off x="793790" y="2952274"/>
+            <a:ext cx="1134070" cy="1360884"/>
+          </a:xfrm>
+          <a:prstGeom prst="rect">
+            <a:avLst/>
+          </a:prstGeom>
+        </p:spPr>
+      </p:pic>
+      <p:sp>
+        <p:nvSpPr>
+          <p:cNvPr id="5" name="Text 1"/>
+          <p:cNvSpPr/>
+          <p:nvPr/>
+        </p:nvSpPr>
+        <p:spPr>
+          <a:xfrm>
+            <a:off x="2268022" y="3179088"/>
+            <a:ext cx="3345656" cy="354330"/>
+          </a:xfrm>
+          <a:prstGeom prst="rect">
+            <a:avLst/>
+          </a:prstGeom>
+          <a:noFill/>
+        </p:spPr>
+        <p:txBody>
+          <a:bodyPr wrap="none" lIns="0" tIns="0" rIns="0" bIns="0" rtlCol="0" anchor="t"/>
+          <a:lstStyle/>
+          <a:p>
+            <a:pPr marL="0" indent="0" algn="l">
+              <a:lnSpc>
+                <a:spcPts val="2750"/>
+              </a:lnSpc>
+              <a:buNone/>
+            </a:pPr>
+            <a:r>
+              <a:rPr lang="en-US" sz="2200" dirty="0">
+                <a:solidFill>
+                  <a:srgbClr val="404155"/>
+                </a:solidFill>
+                <a:latin typeface="Corben" panose="020F0503020000020004" pitchFamily="34" charset="0"/>
+                <a:ea typeface="Corben" panose="020F0503020000020004" pitchFamily="34" charset="-122"/>
+                <a:cs typeface="Corben" panose="020F0503020000020004" pitchFamily="34" charset="-120"/>
+              </a:rPr>
+              <a:t>Understanding Tax Laws</a:t>
+            </a:r>
+            <a:endParaRPr lang="en-US" sz="2200" dirty="0"/>
+          </a:p>
+        </p:txBody>
+      </p:sp>
+      <p:sp>
+        <p:nvSpPr>
+          <p:cNvPr id="6" name="Text 2"/>
+          <p:cNvSpPr/>
+          <p:nvPr/>
+        </p:nvSpPr>
+        <p:spPr>
+          <a:xfrm>
+            <a:off x="2268022" y="3669506"/>
+            <a:ext cx="6082189" cy="362903"/>
+          </a:xfrm>
+          <a:prstGeom prst="rect">
+            <a:avLst/>
+          </a:prstGeom>
+          <a:noFill/>
+        </p:spPr>
+        <p:txBody>
+          <a:bodyPr wrap="none" lIns="0" tIns="0" rIns="0" bIns="0" rtlCol="0" anchor="t"/>
+          <a:lstStyle/>
+          <a:p>
+            <a:pPr marL="0" indent="0" algn="l">
+              <a:lnSpc>
+                <a:spcPts val="2850"/>
+              </a:lnSpc>
+              <a:buNone/>
+            </a:pPr>
+            <a:r>
+              <a:rPr lang="en-US" sz="1750" dirty="0">
+                <a:solidFill>
+                  <a:srgbClr val="404155"/>
+                </a:solidFill>
+                <a:latin typeface="Nobile" panose="02000503050000020004" pitchFamily="34" charset="0"/>
+                <a:ea typeface="Nobile" panose="02000503050000020004" pitchFamily="34" charset="-122"/>
+                <a:cs typeface="Nobile" panose="02000503050000020004" pitchFamily="34" charset="-120"/>
+              </a:rPr>
+              <a:t>Stay updated on tax laws and reporting requirements.</a:t>
+            </a:r>
+            <a:endParaRPr lang="en-US" sz="1750" dirty="0"/>
+          </a:p>
+        </p:txBody>
+      </p:sp>
+      <p:pic>
+        <p:nvPicPr>
+          <p:cNvPr id="7" name="Image 2" descr="preencoded.png"/>
+          <p:cNvPicPr>
+            <a:picLocks noChangeAspect="1"/>
+          </p:cNvPicPr>
+          <p:nvPr/>
+        </p:nvPicPr>
+        <p:blipFill>
           <a:blip r:embed="rId3"/>
           <a:stretch>
             <a:fillRect/>
@@ -6187,8 +6165,8 @@
         </p:blipFill>
         <p:spPr>
           <a:xfrm>
-            <a:off x="9144000" y="0"/>
-            <a:ext cx="5486400" cy="8229600"/>
+            <a:off x="793790" y="4313158"/>
+            <a:ext cx="1134070" cy="1360884"/>
           </a:xfrm>
           <a:prstGeom prst="rect">
             <a:avLst/>
@@ -6197,49 +6175,89 @@
       </p:pic>
       <p:sp>
         <p:nvSpPr>
-          <p:cNvPr id="3" name="Text 0"/>
-          <p:cNvSpPr/>
-          <p:nvPr/>
-        </p:nvSpPr>
-        <p:spPr>
-          <a:xfrm>
-            <a:off x="793790" y="1194554"/>
-            <a:ext cx="7556421" cy="1417558"/>
-          </a:xfrm>
-          <a:prstGeom prst="rect">
-            <a:avLst/>
-          </a:prstGeom>
-          <a:noFill/>
-          <a:ln/>
-        </p:spPr>
-        <p:txBody>
-          <a:bodyPr wrap="square" lIns="0" tIns="0" rIns="0" bIns="0" rtlCol="0" anchor="t"/>
+          <p:cNvPr id="8" name="Text 3"/>
+          <p:cNvSpPr/>
+          <p:nvPr/>
+        </p:nvSpPr>
+        <p:spPr>
+          <a:xfrm>
+            <a:off x="2268022" y="4539972"/>
+            <a:ext cx="2835235" cy="354330"/>
+          </a:xfrm>
+          <a:prstGeom prst="rect">
+            <a:avLst/>
+          </a:prstGeom>
+          <a:noFill/>
+        </p:spPr>
+        <p:txBody>
+          <a:bodyPr wrap="none" lIns="0" tIns="0" rIns="0" bIns="0" rtlCol="0" anchor="t"/>
           <a:lstStyle/>
           <a:p>
             <a:pPr marL="0" indent="0" algn="l">
               <a:lnSpc>
-                <a:spcPts val="5550"/>
+                <a:spcPts val="2750"/>
               </a:lnSpc>
               <a:buNone/>
             </a:pPr>
             <a:r>
-              <a:rPr lang="en-US" sz="4450" dirty="0">
-                <a:solidFill>
-                  <a:srgbClr val="1B1B27"/>
-                </a:solidFill>
-                <a:latin typeface="Corben" pitchFamily="34" charset="0"/>
-                <a:ea typeface="Corben" pitchFamily="34" charset="-122"/>
-                <a:cs typeface="Corben" pitchFamily="34" charset="-120"/>
-              </a:rPr>
-              <a:t>Rule #6: Comply with Tax Regulations</a:t>
-            </a:r>
-            <a:endParaRPr lang="en-US" sz="4450" dirty="0"/>
+              <a:rPr lang="en-US" sz="2200" dirty="0">
+                <a:solidFill>
+                  <a:srgbClr val="404155"/>
+                </a:solidFill>
+                <a:latin typeface="Corben" panose="020F0503020000020004" pitchFamily="34" charset="0"/>
+                <a:ea typeface="Corben" panose="020F0503020000020004" pitchFamily="34" charset="-122"/>
+                <a:cs typeface="Corben" panose="020F0503020000020004" pitchFamily="34" charset="-120"/>
+              </a:rPr>
+              <a:t>Records for Audits</a:t>
+            </a:r>
+            <a:endParaRPr lang="en-US" sz="2200" dirty="0"/>
+          </a:p>
+        </p:txBody>
+      </p:sp>
+      <p:sp>
+        <p:nvSpPr>
+          <p:cNvPr id="9" name="Text 4"/>
+          <p:cNvSpPr/>
+          <p:nvPr/>
+        </p:nvSpPr>
+        <p:spPr>
+          <a:xfrm>
+            <a:off x="2268022" y="5030391"/>
+            <a:ext cx="6082189" cy="362903"/>
+          </a:xfrm>
+          <a:prstGeom prst="rect">
+            <a:avLst/>
+          </a:prstGeom>
+          <a:noFill/>
+        </p:spPr>
+        <p:txBody>
+          <a:bodyPr wrap="none" lIns="0" tIns="0" rIns="0" bIns="0" rtlCol="0" anchor="t"/>
+          <a:lstStyle/>
+          <a:p>
+            <a:pPr marL="0" indent="0" algn="l">
+              <a:lnSpc>
+                <a:spcPts val="2850"/>
+              </a:lnSpc>
+              <a:buNone/>
+            </a:pPr>
+            <a:r>
+              <a:rPr lang="en-US" sz="1750" dirty="0">
+                <a:solidFill>
+                  <a:srgbClr val="404155"/>
+                </a:solidFill>
+                <a:latin typeface="Nobile" panose="02000503050000020004" pitchFamily="34" charset="0"/>
+                <a:ea typeface="Nobile" panose="02000503050000020004" pitchFamily="34" charset="-122"/>
+                <a:cs typeface="Nobile" panose="02000503050000020004" pitchFamily="34" charset="-120"/>
+              </a:rPr>
+              <a:t>Maintain records for potential tax audits.</a:t>
+            </a:r>
+            <a:endParaRPr lang="en-US" sz="1750" dirty="0"/>
           </a:p>
         </p:txBody>
       </p:sp>
       <p:pic>
         <p:nvPicPr>
-          <p:cNvPr id="4" name="Image 1" descr="preencoded.png"/>
+          <p:cNvPr id="10" name="Image 3" descr="preencoded.png"/>
           <p:cNvPicPr>
             <a:picLocks noChangeAspect="1"/>
           </p:cNvPicPr>
@@ -6253,7 +6271,7 @@
         </p:blipFill>
         <p:spPr>
           <a:xfrm>
-            <a:off x="793790" y="2952274"/>
+            <a:off x="793790" y="5674042"/>
             <a:ext cx="1134070" cy="1360884"/>
           </a:xfrm>
           <a:prstGeom prst="rect">
@@ -6263,20 +6281,19 @@
       </p:pic>
       <p:sp>
         <p:nvSpPr>
-          <p:cNvPr id="5" name="Text 1"/>
-          <p:cNvSpPr/>
-          <p:nvPr/>
-        </p:nvSpPr>
-        <p:spPr>
-          <a:xfrm>
-            <a:off x="2268022" y="3179088"/>
-            <a:ext cx="3345656" cy="354330"/>
-          </a:xfrm>
-          <a:prstGeom prst="rect">
-            <a:avLst/>
-          </a:prstGeom>
-          <a:noFill/>
-          <a:ln/>
+          <p:cNvPr id="11" name="Text 5"/>
+          <p:cNvSpPr/>
+          <p:nvPr/>
+        </p:nvSpPr>
+        <p:spPr>
+          <a:xfrm>
+            <a:off x="2268022" y="5900857"/>
+            <a:ext cx="2980134" cy="354330"/>
+          </a:xfrm>
+          <a:prstGeom prst="rect">
+            <a:avLst/>
+          </a:prstGeom>
+          <a:noFill/>
         </p:spPr>
         <p:txBody>
           <a:bodyPr wrap="none" lIns="0" tIns="0" rIns="0" bIns="0" rtlCol="0" anchor="t"/>
@@ -6293,11 +6310,11 @@
                 <a:solidFill>
                   <a:srgbClr val="404155"/>
                 </a:solidFill>
-                <a:latin typeface="Corben" pitchFamily="34" charset="0"/>
-                <a:ea typeface="Corben" pitchFamily="34" charset="-122"/>
-                <a:cs typeface="Corben" pitchFamily="34" charset="-120"/>
-              </a:rPr>
-              <a:t>Understanding Tax Laws</a:t>
+                <a:latin typeface="Corben" panose="020F0503020000020004" pitchFamily="34" charset="0"/>
+                <a:ea typeface="Corben" panose="020F0503020000020004" pitchFamily="34" charset="-122"/>
+                <a:cs typeface="Corben" panose="020F0503020000020004" pitchFamily="34" charset="-120"/>
+              </a:rPr>
+              <a:t>Consult a Professional</a:t>
             </a:r>
             <a:endParaRPr lang="en-US" sz="2200" dirty="0"/>
           </a:p>
@@ -6305,20 +6322,19 @@
       </p:sp>
       <p:sp>
         <p:nvSpPr>
-          <p:cNvPr id="6" name="Text 2"/>
-          <p:cNvSpPr/>
-          <p:nvPr/>
-        </p:nvSpPr>
-        <p:spPr>
-          <a:xfrm>
-            <a:off x="2268022" y="3669506"/>
+          <p:cNvPr id="12" name="Text 6"/>
+          <p:cNvSpPr/>
+          <p:nvPr/>
+        </p:nvSpPr>
+        <p:spPr>
+          <a:xfrm>
+            <a:off x="2268022" y="6391275"/>
             <a:ext cx="6082189" cy="362903"/>
           </a:xfrm>
           <a:prstGeom prst="rect">
             <a:avLst/>
           </a:prstGeom>
           <a:noFill/>
-          <a:ln/>
         </p:spPr>
         <p:txBody>
           <a:bodyPr wrap="none" lIns="0" tIns="0" rIns="0" bIns="0" rtlCol="0" anchor="t"/>
@@ -6335,225 +6351,9 @@
                 <a:solidFill>
                   <a:srgbClr val="404155"/>
                 </a:solidFill>
-                <a:latin typeface="Nobile" pitchFamily="34" charset="0"/>
-                <a:ea typeface="Nobile" pitchFamily="34" charset="-122"/>
-                <a:cs typeface="Nobile" pitchFamily="34" charset="-120"/>
-              </a:rPr>
-              <a:t>Stay updated on tax laws and reporting requirements.</a:t>
-            </a:r>
-            <a:endParaRPr lang="en-US" sz="1750" dirty="0"/>
-          </a:p>
-        </p:txBody>
-      </p:sp>
-      <p:pic>
-        <p:nvPicPr>
-          <p:cNvPr id="7" name="Image 2" descr="preencoded.png"/>
-          <p:cNvPicPr>
-            <a:picLocks noChangeAspect="1"/>
-          </p:cNvPicPr>
-          <p:nvPr/>
-        </p:nvPicPr>
-        <p:blipFill>
-          <a:blip r:embed="rId5"/>
-          <a:stretch>
-            <a:fillRect/>
-          </a:stretch>
-        </p:blipFill>
-        <p:spPr>
-          <a:xfrm>
-            <a:off x="793790" y="4313158"/>
-            <a:ext cx="1134070" cy="1360884"/>
-          </a:xfrm>
-          <a:prstGeom prst="rect">
-            <a:avLst/>
-          </a:prstGeom>
-        </p:spPr>
-      </p:pic>
-      <p:sp>
-        <p:nvSpPr>
-          <p:cNvPr id="8" name="Text 3"/>
-          <p:cNvSpPr/>
-          <p:nvPr/>
-        </p:nvSpPr>
-        <p:spPr>
-          <a:xfrm>
-            <a:off x="2268022" y="4539972"/>
-            <a:ext cx="2835235" cy="354330"/>
-          </a:xfrm>
-          <a:prstGeom prst="rect">
-            <a:avLst/>
-          </a:prstGeom>
-          <a:noFill/>
-          <a:ln/>
-        </p:spPr>
-        <p:txBody>
-          <a:bodyPr wrap="none" lIns="0" tIns="0" rIns="0" bIns="0" rtlCol="0" anchor="t"/>
-          <a:lstStyle/>
-          <a:p>
-            <a:pPr marL="0" indent="0" algn="l">
-              <a:lnSpc>
-                <a:spcPts val="2750"/>
-              </a:lnSpc>
-              <a:buNone/>
-            </a:pPr>
-            <a:r>
-              <a:rPr lang="en-US" sz="2200" dirty="0">
-                <a:solidFill>
-                  <a:srgbClr val="404155"/>
-                </a:solidFill>
-                <a:latin typeface="Corben" pitchFamily="34" charset="0"/>
-                <a:ea typeface="Corben" pitchFamily="34" charset="-122"/>
-                <a:cs typeface="Corben" pitchFamily="34" charset="-120"/>
-              </a:rPr>
-              <a:t>Records for Audits</a:t>
-            </a:r>
-            <a:endParaRPr lang="en-US" sz="2200" dirty="0"/>
-          </a:p>
-        </p:txBody>
-      </p:sp>
-      <p:sp>
-        <p:nvSpPr>
-          <p:cNvPr id="9" name="Text 4"/>
-          <p:cNvSpPr/>
-          <p:nvPr/>
-        </p:nvSpPr>
-        <p:spPr>
-          <a:xfrm>
-            <a:off x="2268022" y="5030391"/>
-            <a:ext cx="6082189" cy="362903"/>
-          </a:xfrm>
-          <a:prstGeom prst="rect">
-            <a:avLst/>
-          </a:prstGeom>
-          <a:noFill/>
-          <a:ln/>
-        </p:spPr>
-        <p:txBody>
-          <a:bodyPr wrap="none" lIns="0" tIns="0" rIns="0" bIns="0" rtlCol="0" anchor="t"/>
-          <a:lstStyle/>
-          <a:p>
-            <a:pPr marL="0" indent="0" algn="l">
-              <a:lnSpc>
-                <a:spcPts val="2850"/>
-              </a:lnSpc>
-              <a:buNone/>
-            </a:pPr>
-            <a:r>
-              <a:rPr lang="en-US" sz="1750" dirty="0">
-                <a:solidFill>
-                  <a:srgbClr val="404155"/>
-                </a:solidFill>
-                <a:latin typeface="Nobile" pitchFamily="34" charset="0"/>
-                <a:ea typeface="Nobile" pitchFamily="34" charset="-122"/>
-                <a:cs typeface="Nobile" pitchFamily="34" charset="-120"/>
-              </a:rPr>
-              <a:t>Maintain records for potential tax audits.</a:t>
-            </a:r>
-            <a:endParaRPr lang="en-US" sz="1750" dirty="0"/>
-          </a:p>
-        </p:txBody>
-      </p:sp>
-      <p:pic>
-        <p:nvPicPr>
-          <p:cNvPr id="10" name="Image 3" descr="preencoded.png"/>
-          <p:cNvPicPr>
-            <a:picLocks noChangeAspect="1"/>
-          </p:cNvPicPr>
-          <p:nvPr/>
-        </p:nvPicPr>
-        <p:blipFill>
-          <a:blip r:embed="rId6"/>
-          <a:stretch>
-            <a:fillRect/>
-          </a:stretch>
-        </p:blipFill>
-        <p:spPr>
-          <a:xfrm>
-            <a:off x="793790" y="5674042"/>
-            <a:ext cx="1134070" cy="1360884"/>
-          </a:xfrm>
-          <a:prstGeom prst="rect">
-            <a:avLst/>
-          </a:prstGeom>
-        </p:spPr>
-      </p:pic>
-      <p:sp>
-        <p:nvSpPr>
-          <p:cNvPr id="11" name="Text 5"/>
-          <p:cNvSpPr/>
-          <p:nvPr/>
-        </p:nvSpPr>
-        <p:spPr>
-          <a:xfrm>
-            <a:off x="2268022" y="5900857"/>
-            <a:ext cx="2980134" cy="354330"/>
-          </a:xfrm>
-          <a:prstGeom prst="rect">
-            <a:avLst/>
-          </a:prstGeom>
-          <a:noFill/>
-          <a:ln/>
-        </p:spPr>
-        <p:txBody>
-          <a:bodyPr wrap="none" lIns="0" tIns="0" rIns="0" bIns="0" rtlCol="0" anchor="t"/>
-          <a:lstStyle/>
-          <a:p>
-            <a:pPr marL="0" indent="0" algn="l">
-              <a:lnSpc>
-                <a:spcPts val="2750"/>
-              </a:lnSpc>
-              <a:buNone/>
-            </a:pPr>
-            <a:r>
-              <a:rPr lang="en-US" sz="2200" dirty="0">
-                <a:solidFill>
-                  <a:srgbClr val="404155"/>
-                </a:solidFill>
-                <a:latin typeface="Corben" pitchFamily="34" charset="0"/>
-                <a:ea typeface="Corben" pitchFamily="34" charset="-122"/>
-                <a:cs typeface="Corben" pitchFamily="34" charset="-120"/>
-              </a:rPr>
-              <a:t>Consult a Professional</a:t>
-            </a:r>
-            <a:endParaRPr lang="en-US" sz="2200" dirty="0"/>
-          </a:p>
-        </p:txBody>
-      </p:sp>
-      <p:sp>
-        <p:nvSpPr>
-          <p:cNvPr id="12" name="Text 6"/>
-          <p:cNvSpPr/>
-          <p:nvPr/>
-        </p:nvSpPr>
-        <p:spPr>
-          <a:xfrm>
-            <a:off x="2268022" y="6391275"/>
-            <a:ext cx="6082189" cy="362903"/>
-          </a:xfrm>
-          <a:prstGeom prst="rect">
-            <a:avLst/>
-          </a:prstGeom>
-          <a:noFill/>
-          <a:ln/>
-        </p:spPr>
-        <p:txBody>
-          <a:bodyPr wrap="none" lIns="0" tIns="0" rIns="0" bIns="0" rtlCol="0" anchor="t"/>
-          <a:lstStyle/>
-          <a:p>
-            <a:pPr marL="0" indent="0" algn="l">
-              <a:lnSpc>
-                <a:spcPts val="2850"/>
-              </a:lnSpc>
-              <a:buNone/>
-            </a:pPr>
-            <a:r>
-              <a:rPr lang="en-US" sz="1750" dirty="0">
-                <a:solidFill>
-                  <a:srgbClr val="404155"/>
-                </a:solidFill>
-                <a:latin typeface="Nobile" pitchFamily="34" charset="0"/>
-                <a:ea typeface="Nobile" pitchFamily="34" charset="-122"/>
-                <a:cs typeface="Nobile" pitchFamily="34" charset="-120"/>
+                <a:latin typeface="Nobile" panose="02000503050000020004" pitchFamily="34" charset="0"/>
+                <a:ea typeface="Nobile" panose="02000503050000020004" pitchFamily="34" charset="-122"/>
+                <a:cs typeface="Nobile" panose="02000503050000020004" pitchFamily="34" charset="-120"/>
               </a:rPr>
               <a:t>Seek advice from a tax professional for guidance.</a:t>
             </a:r>
@@ -6571,7 +6371,7 @@
 
 <file path=ppt/slides/slide8.xml><?xml version="1.0" encoding="utf-8"?>
 <p:sld xmlns:a="http://schemas.openxmlformats.org/drawingml/2006/main" xmlns:r="http://schemas.openxmlformats.org/officeDocument/2006/relationships" xmlns:p="http://schemas.openxmlformats.org/presentationml/2006/main">
-  <p:cSld name="Slide 8">
+  <p:cSld>
     <p:spTree>
       <p:nvGrpSpPr>
         <p:cNvPr id="1" name=""/>
@@ -6601,7 +6401,6 @@
             <a:avLst/>
           </a:prstGeom>
           <a:noFill/>
-          <a:ln/>
         </p:spPr>
         <p:txBody>
           <a:bodyPr wrap="square" lIns="0" tIns="0" rIns="0" bIns="0" rtlCol="0" anchor="t"/>
@@ -6618,9 +6417,9 @@
                 <a:solidFill>
                   <a:srgbClr val="1B1B27"/>
                 </a:solidFill>
-                <a:latin typeface="Corben" pitchFamily="34" charset="0"/>
-                <a:ea typeface="Corben" pitchFamily="34" charset="-122"/>
-                <a:cs typeface="Corben" pitchFamily="34" charset="-120"/>
+                <a:latin typeface="Corben" panose="020F0503020000020004" pitchFamily="34" charset="0"/>
+                <a:ea typeface="Corben" panose="020F0503020000020004" pitchFamily="34" charset="-122"/>
+                <a:cs typeface="Corben" panose="020F0503020000020004" pitchFamily="34" charset="-120"/>
               </a:rPr>
               <a:t>Conclusion: Books of Accounts - A Strategic Asset</a:t>
             </a:r>
@@ -6631,6 +6430,342 @@
       <p:pic>
         <p:nvPicPr>
           <p:cNvPr id="3" name="Image 0" descr="preencoded.png"/>
+          <p:cNvPicPr>
+            <a:picLocks noChangeAspect="1"/>
+          </p:cNvPicPr>
+          <p:nvPr/>
+        </p:nvPicPr>
+        <p:blipFill>
+          <a:blip r:embed="rId1"/>
+          <a:stretch>
+            <a:fillRect/>
+          </a:stretch>
+        </p:blipFill>
+        <p:spPr>
+          <a:xfrm>
+            <a:off x="2978348" y="3033236"/>
+            <a:ext cx="2152055" cy="1306949"/>
+          </a:xfrm>
+          <a:prstGeom prst="rect">
+            <a:avLst/>
+          </a:prstGeom>
+        </p:spPr>
+      </p:pic>
+      <p:sp>
+        <p:nvSpPr>
+          <p:cNvPr id="4" name="Text 1"/>
+          <p:cNvSpPr/>
+          <p:nvPr/>
+        </p:nvSpPr>
+        <p:spPr>
+          <a:xfrm>
+            <a:off x="3894892" y="3649266"/>
+            <a:ext cx="318968" cy="398621"/>
+          </a:xfrm>
+          <a:prstGeom prst="rect">
+            <a:avLst/>
+          </a:prstGeom>
+          <a:noFill/>
+        </p:spPr>
+        <p:txBody>
+          <a:bodyPr wrap="none" lIns="0" tIns="0" rIns="0" bIns="0" rtlCol="0" anchor="t"/>
+          <a:lstStyle/>
+          <a:p>
+            <a:pPr marL="0" indent="0" algn="ctr">
+              <a:lnSpc>
+                <a:spcPts val="4000"/>
+              </a:lnSpc>
+              <a:buNone/>
+            </a:pPr>
+            <a:r>
+              <a:rPr lang="en-US" sz="2500" dirty="0">
+                <a:solidFill>
+                  <a:srgbClr val="404155"/>
+                </a:solidFill>
+                <a:latin typeface="Corben" panose="020F0503020000020004" pitchFamily="34" charset="0"/>
+                <a:ea typeface="Corben" panose="020F0503020000020004" pitchFamily="34" charset="-122"/>
+                <a:cs typeface="Corben" panose="020F0503020000020004" pitchFamily="34" charset="-120"/>
+              </a:rPr>
+              <a:t>1</a:t>
+            </a:r>
+            <a:endParaRPr lang="en-US" sz="2500" dirty="0"/>
+          </a:p>
+        </p:txBody>
+      </p:sp>
+      <p:sp>
+        <p:nvSpPr>
+          <p:cNvPr id="5" name="Text 2"/>
+          <p:cNvSpPr/>
+          <p:nvPr/>
+        </p:nvSpPr>
+        <p:spPr>
+          <a:xfrm>
+            <a:off x="5357217" y="3260050"/>
+            <a:ext cx="2401372" cy="354330"/>
+          </a:xfrm>
+          <a:prstGeom prst="rect">
+            <a:avLst/>
+          </a:prstGeom>
+          <a:noFill/>
+        </p:spPr>
+        <p:txBody>
+          <a:bodyPr wrap="none" lIns="0" tIns="0" rIns="0" bIns="0" rtlCol="0" anchor="t"/>
+          <a:lstStyle/>
+          <a:p>
+            <a:pPr marL="0" indent="0" algn="l">
+              <a:lnSpc>
+                <a:spcPts val="2750"/>
+              </a:lnSpc>
+              <a:buNone/>
+            </a:pPr>
+            <a:r>
+              <a:rPr lang="en-US" sz="2200" dirty="0">
+                <a:solidFill>
+                  <a:srgbClr val="404155"/>
+                </a:solidFill>
+                <a:latin typeface="Corben" panose="020F0503020000020004" pitchFamily="34" charset="0"/>
+                <a:ea typeface="Corben" panose="020F0503020000020004" pitchFamily="34" charset="-122"/>
+                <a:cs typeface="Corben" panose="020F0503020000020004" pitchFamily="34" charset="-120"/>
+              </a:rPr>
+              <a:t>Effective Analysis</a:t>
+            </a:r>
+            <a:endParaRPr lang="en-US" sz="2200" dirty="0"/>
+          </a:p>
+        </p:txBody>
+      </p:sp>
+      <p:sp>
+        <p:nvSpPr>
+          <p:cNvPr id="6" name="Text 3"/>
+          <p:cNvSpPr/>
+          <p:nvPr/>
+        </p:nvSpPr>
+        <p:spPr>
+          <a:xfrm>
+            <a:off x="5357217" y="3750469"/>
+            <a:ext cx="2401372" cy="362903"/>
+          </a:xfrm>
+          <a:prstGeom prst="rect">
+            <a:avLst/>
+          </a:prstGeom>
+          <a:noFill/>
+        </p:spPr>
+        <p:txBody>
+          <a:bodyPr wrap="none" lIns="0" tIns="0" rIns="0" bIns="0" rtlCol="0" anchor="t"/>
+          <a:lstStyle/>
+          <a:p>
+            <a:pPr marL="0" indent="0" algn="l">
+              <a:lnSpc>
+                <a:spcPts val="2850"/>
+              </a:lnSpc>
+              <a:buNone/>
+            </a:pPr>
+            <a:r>
+              <a:rPr lang="en-US" sz="1750" dirty="0">
+                <a:solidFill>
+                  <a:srgbClr val="404155"/>
+                </a:solidFill>
+                <a:latin typeface="Nobile" panose="02000503050000020004" pitchFamily="34" charset="0"/>
+                <a:ea typeface="Nobile" panose="02000503050000020004" pitchFamily="34" charset="-122"/>
+                <a:cs typeface="Nobile" panose="02000503050000020004" pitchFamily="34" charset="-120"/>
+              </a:rPr>
+              <a:t>Ratios and trends.</a:t>
+            </a:r>
+            <a:endParaRPr lang="en-US" sz="1750" dirty="0"/>
+          </a:p>
+        </p:txBody>
+      </p:sp>
+      <p:sp>
+        <p:nvSpPr>
+          <p:cNvPr id="7" name="Shape 4"/>
+          <p:cNvSpPr/>
+          <p:nvPr/>
+        </p:nvSpPr>
+        <p:spPr>
+          <a:xfrm>
+            <a:off x="5187077" y="4353282"/>
+            <a:ext cx="8592860" cy="15240"/>
+          </a:xfrm>
+          <a:prstGeom prst="roundRect">
+            <a:avLst>
+              <a:gd name="adj" fmla="val 625116"/>
+            </a:avLst>
+          </a:prstGeom>
+          <a:solidFill>
+            <a:srgbClr val="B8BFDF"/>
+          </a:solidFill>
+        </p:spPr>
+      </p:sp>
+      <p:pic>
+        <p:nvPicPr>
+          <p:cNvPr id="8" name="Image 1" descr="preencoded.png"/>
+          <p:cNvPicPr>
+            <a:picLocks noChangeAspect="1"/>
+          </p:cNvPicPr>
+          <p:nvPr/>
+        </p:nvPicPr>
+        <p:blipFill>
+          <a:blip r:embed="rId2"/>
+          <a:stretch>
+            <a:fillRect/>
+          </a:stretch>
+        </p:blipFill>
+        <p:spPr>
+          <a:xfrm>
+            <a:off x="1902381" y="4396859"/>
+            <a:ext cx="4304109" cy="1306949"/>
+          </a:xfrm>
+          <a:prstGeom prst="rect">
+            <a:avLst/>
+          </a:prstGeom>
+        </p:spPr>
+      </p:pic>
+      <p:sp>
+        <p:nvSpPr>
+          <p:cNvPr id="9" name="Text 5"/>
+          <p:cNvSpPr/>
+          <p:nvPr/>
+        </p:nvSpPr>
+        <p:spPr>
+          <a:xfrm>
+            <a:off x="3894892" y="4850963"/>
+            <a:ext cx="318968" cy="398621"/>
+          </a:xfrm>
+          <a:prstGeom prst="rect">
+            <a:avLst/>
+          </a:prstGeom>
+          <a:noFill/>
+        </p:spPr>
+        <p:txBody>
+          <a:bodyPr wrap="none" lIns="0" tIns="0" rIns="0" bIns="0" rtlCol="0" anchor="t"/>
+          <a:lstStyle/>
+          <a:p>
+            <a:pPr marL="0" indent="0" algn="ctr">
+              <a:lnSpc>
+                <a:spcPts val="4000"/>
+              </a:lnSpc>
+              <a:buNone/>
+            </a:pPr>
+            <a:r>
+              <a:rPr lang="en-US" sz="2500" dirty="0">
+                <a:solidFill>
+                  <a:srgbClr val="404155"/>
+                </a:solidFill>
+                <a:latin typeface="Corben" panose="020F0503020000020004" pitchFamily="34" charset="0"/>
+                <a:ea typeface="Corben" panose="020F0503020000020004" pitchFamily="34" charset="-122"/>
+                <a:cs typeface="Corben" panose="020F0503020000020004" pitchFamily="34" charset="-120"/>
+              </a:rPr>
+              <a:t>2</a:t>
+            </a:r>
+            <a:endParaRPr lang="en-US" sz="2500" dirty="0"/>
+          </a:p>
+        </p:txBody>
+      </p:sp>
+      <p:sp>
+        <p:nvSpPr>
+          <p:cNvPr id="10" name="Text 6"/>
+          <p:cNvSpPr/>
+          <p:nvPr/>
+        </p:nvSpPr>
+        <p:spPr>
+          <a:xfrm>
+            <a:off x="6433304" y="4623673"/>
+            <a:ext cx="2619375" cy="354330"/>
+          </a:xfrm>
+          <a:prstGeom prst="rect">
+            <a:avLst/>
+          </a:prstGeom>
+          <a:noFill/>
+        </p:spPr>
+        <p:txBody>
+          <a:bodyPr wrap="none" lIns="0" tIns="0" rIns="0" bIns="0" rtlCol="0" anchor="t"/>
+          <a:lstStyle/>
+          <a:p>
+            <a:pPr marL="0" indent="0" algn="l">
+              <a:lnSpc>
+                <a:spcPts val="2750"/>
+              </a:lnSpc>
+              <a:buNone/>
+            </a:pPr>
+            <a:r>
+              <a:rPr lang="en-US" sz="2200" dirty="0">
+                <a:solidFill>
+                  <a:srgbClr val="404155"/>
+                </a:solidFill>
+                <a:latin typeface="Corben" panose="020F0503020000020004" pitchFamily="34" charset="0"/>
+                <a:ea typeface="Corben" panose="020F0503020000020004" pitchFamily="34" charset="-122"/>
+                <a:cs typeface="Corben" panose="020F0503020000020004" pitchFamily="34" charset="-120"/>
+              </a:rPr>
+              <a:t>Informed Decisions</a:t>
+            </a:r>
+            <a:endParaRPr lang="en-US" sz="2200" dirty="0"/>
+          </a:p>
+        </p:txBody>
+      </p:sp>
+      <p:sp>
+        <p:nvSpPr>
+          <p:cNvPr id="11" name="Text 7"/>
+          <p:cNvSpPr/>
+          <p:nvPr/>
+        </p:nvSpPr>
+        <p:spPr>
+          <a:xfrm>
+            <a:off x="6433304" y="5114092"/>
+            <a:ext cx="2619375" cy="362903"/>
+          </a:xfrm>
+          <a:prstGeom prst="rect">
+            <a:avLst/>
+          </a:prstGeom>
+          <a:noFill/>
+        </p:spPr>
+        <p:txBody>
+          <a:bodyPr wrap="none" lIns="0" tIns="0" rIns="0" bIns="0" rtlCol="0" anchor="t"/>
+          <a:lstStyle/>
+          <a:p>
+            <a:pPr marL="0" indent="0" algn="l">
+              <a:lnSpc>
+                <a:spcPts val="2850"/>
+              </a:lnSpc>
+              <a:buNone/>
+            </a:pPr>
+            <a:r>
+              <a:rPr lang="en-US" sz="1750" dirty="0">
+                <a:solidFill>
+                  <a:srgbClr val="404155"/>
+                </a:solidFill>
+                <a:latin typeface="Nobile" panose="02000503050000020004" pitchFamily="34" charset="0"/>
+                <a:ea typeface="Nobile" panose="02000503050000020004" pitchFamily="34" charset="-122"/>
+                <a:cs typeface="Nobile" panose="02000503050000020004" pitchFamily="34" charset="-120"/>
+              </a:rPr>
+              <a:t>Investment &amp; pricing.</a:t>
+            </a:r>
+            <a:endParaRPr lang="en-US" sz="1750" dirty="0"/>
+          </a:p>
+        </p:txBody>
+      </p:sp>
+      <p:sp>
+        <p:nvSpPr>
+          <p:cNvPr id="12" name="Shape 8"/>
+          <p:cNvSpPr/>
+          <p:nvPr/>
+        </p:nvSpPr>
+        <p:spPr>
+          <a:xfrm>
+            <a:off x="6263164" y="5716905"/>
+            <a:ext cx="7516773" cy="15240"/>
+          </a:xfrm>
+          <a:prstGeom prst="roundRect">
+            <a:avLst>
+              <a:gd name="adj" fmla="val 625116"/>
+            </a:avLst>
+          </a:prstGeom>
+          <a:solidFill>
+            <a:srgbClr val="B8BFDF"/>
+          </a:solidFill>
+        </p:spPr>
+      </p:sp>
+      <p:pic>
+        <p:nvPicPr>
+          <p:cNvPr id="13" name="Image 2" descr="preencoded.png"/>
           <p:cNvPicPr>
             <a:picLocks noChangeAspect="1"/>
           </p:cNvPicPr>
@@ -6644,8 +6779,8 @@
         </p:blipFill>
         <p:spPr>
           <a:xfrm>
-            <a:off x="2978348" y="3033236"/>
-            <a:ext cx="2152055" cy="1306949"/>
+            <a:off x="826294" y="5760482"/>
+            <a:ext cx="6456164" cy="1306949"/>
           </a:xfrm>
           <a:prstGeom prst="rect">
             <a:avLst/>
@@ -6654,20 +6789,19 @@
       </p:pic>
       <p:sp>
         <p:nvSpPr>
-          <p:cNvPr id="4" name="Text 1"/>
-          <p:cNvSpPr/>
-          <p:nvPr/>
-        </p:nvSpPr>
-        <p:spPr>
-          <a:xfrm>
-            <a:off x="3894892" y="3649266"/>
+          <p:cNvPr id="14" name="Text 9"/>
+          <p:cNvSpPr/>
+          <p:nvPr/>
+        </p:nvSpPr>
+        <p:spPr>
+          <a:xfrm>
+            <a:off x="3894773" y="6214586"/>
             <a:ext cx="318968" cy="398621"/>
           </a:xfrm>
           <a:prstGeom prst="rect">
             <a:avLst/>
           </a:prstGeom>
           <a:noFill/>
-          <a:ln/>
         </p:spPr>
         <p:txBody>
           <a:bodyPr wrap="none" lIns="0" tIns="0" rIns="0" bIns="0" rtlCol="0" anchor="t"/>
@@ -6684,11 +6818,11 @@
                 <a:solidFill>
                   <a:srgbClr val="404155"/>
                 </a:solidFill>
-                <a:latin typeface="Corben" pitchFamily="34" charset="0"/>
-                <a:ea typeface="Corben" pitchFamily="34" charset="-122"/>
-                <a:cs typeface="Corben" pitchFamily="34" charset="-120"/>
-              </a:rPr>
-              <a:t>1</a:t>
+                <a:latin typeface="Corben" panose="020F0503020000020004" pitchFamily="34" charset="0"/>
+                <a:ea typeface="Corben" panose="020F0503020000020004" pitchFamily="34" charset="-122"/>
+                <a:cs typeface="Corben" panose="020F0503020000020004" pitchFamily="34" charset="-120"/>
+              </a:rPr>
+              <a:t>3</a:t>
             </a:r>
             <a:endParaRPr lang="en-US" sz="2500" dirty="0"/>
           </a:p>
@@ -6696,20 +6830,19 @@
       </p:sp>
       <p:sp>
         <p:nvSpPr>
-          <p:cNvPr id="5" name="Text 2"/>
-          <p:cNvSpPr/>
-          <p:nvPr/>
-        </p:nvSpPr>
-        <p:spPr>
-          <a:xfrm>
-            <a:off x="5357217" y="3260050"/>
-            <a:ext cx="2401372" cy="354330"/>
-          </a:xfrm>
-          <a:prstGeom prst="rect">
-            <a:avLst/>
-          </a:prstGeom>
-          <a:noFill/>
-          <a:ln/>
+          <p:cNvPr id="15" name="Text 10"/>
+          <p:cNvSpPr/>
+          <p:nvPr/>
+        </p:nvSpPr>
+        <p:spPr>
+          <a:xfrm>
+            <a:off x="7509272" y="5987296"/>
+            <a:ext cx="3085386" cy="354330"/>
+          </a:xfrm>
+          <a:prstGeom prst="rect">
+            <a:avLst/>
+          </a:prstGeom>
+          <a:noFill/>
         </p:spPr>
         <p:txBody>
           <a:bodyPr wrap="none" lIns="0" tIns="0" rIns="0" bIns="0" rtlCol="0" anchor="t"/>
@@ -6726,11 +6859,11 @@
                 <a:solidFill>
                   <a:srgbClr val="404155"/>
                 </a:solidFill>
-                <a:latin typeface="Corben" pitchFamily="34" charset="0"/>
-                <a:ea typeface="Corben" pitchFamily="34" charset="-122"/>
-                <a:cs typeface="Corben" pitchFamily="34" charset="-120"/>
-              </a:rPr>
-              <a:t>Effective Analysis</a:t>
+                <a:latin typeface="Corben" panose="020F0503020000020004" pitchFamily="34" charset="0"/>
+                <a:ea typeface="Corben" panose="020F0503020000020004" pitchFamily="34" charset="-122"/>
+                <a:cs typeface="Corben" panose="020F0503020000020004" pitchFamily="34" charset="-120"/>
+              </a:rPr>
+              <a:t>Proactive Management</a:t>
             </a:r>
             <a:endParaRPr lang="en-US" sz="2200" dirty="0"/>
           </a:p>
@@ -6738,20 +6871,19 @@
       </p:sp>
       <p:sp>
         <p:nvSpPr>
-          <p:cNvPr id="6" name="Text 3"/>
-          <p:cNvSpPr/>
-          <p:nvPr/>
-        </p:nvSpPr>
-        <p:spPr>
-          <a:xfrm>
-            <a:off x="5357217" y="3750469"/>
-            <a:ext cx="2401372" cy="362903"/>
-          </a:xfrm>
-          <a:prstGeom prst="rect">
-            <a:avLst/>
-          </a:prstGeom>
-          <a:noFill/>
-          <a:ln/>
+          <p:cNvPr id="16" name="Text 11"/>
+          <p:cNvSpPr/>
+          <p:nvPr/>
+        </p:nvSpPr>
+        <p:spPr>
+          <a:xfrm>
+            <a:off x="7509272" y="6477714"/>
+            <a:ext cx="3085386" cy="362903"/>
+          </a:xfrm>
+          <a:prstGeom prst="rect">
+            <a:avLst/>
+          </a:prstGeom>
+          <a:noFill/>
         </p:spPr>
         <p:txBody>
           <a:bodyPr wrap="none" lIns="0" tIns="0" rIns="0" bIns="0" rtlCol="0" anchor="t"/>
@@ -6768,353 +6900,9 @@
                 <a:solidFill>
                   <a:srgbClr val="404155"/>
                 </a:solidFill>
-                <a:latin typeface="Nobile" pitchFamily="34" charset="0"/>
-                <a:ea typeface="Nobile" pitchFamily="34" charset="-122"/>
-                <a:cs typeface="Nobile" pitchFamily="34" charset="-120"/>
-              </a:rPr>
-              <a:t>Ratios and trends.</a:t>
-            </a:r>
-            <a:endParaRPr lang="en-US" sz="1750" dirty="0"/>
-          </a:p>
-        </p:txBody>
-      </p:sp>
-      <p:sp>
-        <p:nvSpPr>
-          <p:cNvPr id="7" name="Shape 4"/>
-          <p:cNvSpPr/>
-          <p:nvPr/>
-        </p:nvSpPr>
-        <p:spPr>
-          <a:xfrm>
-            <a:off x="5187077" y="4353282"/>
-            <a:ext cx="8592860" cy="15240"/>
-          </a:xfrm>
-          <a:prstGeom prst="roundRect">
-            <a:avLst>
-              <a:gd name="adj" fmla="val 625116"/>
-            </a:avLst>
-          </a:prstGeom>
-          <a:solidFill>
-            <a:srgbClr val="B8BFDF"/>
-          </a:solidFill>
-          <a:ln/>
-        </p:spPr>
-      </p:sp>
-      <p:pic>
-        <p:nvPicPr>
-          <p:cNvPr id="8" name="Image 1" descr="preencoded.png"/>
-          <p:cNvPicPr>
-            <a:picLocks noChangeAspect="1"/>
-          </p:cNvPicPr>
-          <p:nvPr/>
-        </p:nvPicPr>
-        <p:blipFill>
-          <a:blip r:embed="rId4"/>
-          <a:stretch>
-            <a:fillRect/>
-          </a:stretch>
-        </p:blipFill>
-        <p:spPr>
-          <a:xfrm>
-            <a:off x="1902381" y="4396859"/>
-            <a:ext cx="4304109" cy="1306949"/>
-          </a:xfrm>
-          <a:prstGeom prst="rect">
-            <a:avLst/>
-          </a:prstGeom>
-        </p:spPr>
-      </p:pic>
-      <p:sp>
-        <p:nvSpPr>
-          <p:cNvPr id="9" name="Text 5"/>
-          <p:cNvSpPr/>
-          <p:nvPr/>
-        </p:nvSpPr>
-        <p:spPr>
-          <a:xfrm>
-            <a:off x="3894892" y="4850963"/>
-            <a:ext cx="318968" cy="398621"/>
-          </a:xfrm>
-          <a:prstGeom prst="rect">
-            <a:avLst/>
-          </a:prstGeom>
-          <a:noFill/>
-          <a:ln/>
-        </p:spPr>
-        <p:txBody>
-          <a:bodyPr wrap="none" lIns="0" tIns="0" rIns="0" bIns="0" rtlCol="0" anchor="t"/>
-          <a:lstStyle/>
-          <a:p>
-            <a:pPr marL="0" indent="0" algn="ctr">
-              <a:lnSpc>
-                <a:spcPts val="4000"/>
-              </a:lnSpc>
-              <a:buNone/>
-            </a:pPr>
-            <a:r>
-              <a:rPr lang="en-US" sz="2500" dirty="0">
-                <a:solidFill>
-                  <a:srgbClr val="404155"/>
-                </a:solidFill>
-                <a:latin typeface="Corben" pitchFamily="34" charset="0"/>
-                <a:ea typeface="Corben" pitchFamily="34" charset="-122"/>
-                <a:cs typeface="Corben" pitchFamily="34" charset="-120"/>
-              </a:rPr>
-              <a:t>2</a:t>
-            </a:r>
-            <a:endParaRPr lang="en-US" sz="2500" dirty="0"/>
-          </a:p>
-        </p:txBody>
-      </p:sp>
-      <p:sp>
-        <p:nvSpPr>
-          <p:cNvPr id="10" name="Text 6"/>
-          <p:cNvSpPr/>
-          <p:nvPr/>
-        </p:nvSpPr>
-        <p:spPr>
-          <a:xfrm>
-            <a:off x="6433304" y="4623673"/>
-            <a:ext cx="2619375" cy="354330"/>
-          </a:xfrm>
-          <a:prstGeom prst="rect">
-            <a:avLst/>
-          </a:prstGeom>
-          <a:noFill/>
-          <a:ln/>
-        </p:spPr>
-        <p:txBody>
-          <a:bodyPr wrap="none" lIns="0" tIns="0" rIns="0" bIns="0" rtlCol="0" anchor="t"/>
-          <a:lstStyle/>
-          <a:p>
-            <a:pPr marL="0" indent="0" algn="l">
-              <a:lnSpc>
-                <a:spcPts val="2750"/>
-              </a:lnSpc>
-              <a:buNone/>
-            </a:pPr>
-            <a:r>
-              <a:rPr lang="en-US" sz="2200" dirty="0">
-                <a:solidFill>
-                  <a:srgbClr val="404155"/>
-                </a:solidFill>
-                <a:latin typeface="Corben" pitchFamily="34" charset="0"/>
-                <a:ea typeface="Corben" pitchFamily="34" charset="-122"/>
-                <a:cs typeface="Corben" pitchFamily="34" charset="-120"/>
-              </a:rPr>
-              <a:t>Informed Decisions</a:t>
-            </a:r>
-            <a:endParaRPr lang="en-US" sz="2200" dirty="0"/>
-          </a:p>
-        </p:txBody>
-      </p:sp>
-      <p:sp>
-        <p:nvSpPr>
-          <p:cNvPr id="11" name="Text 7"/>
-          <p:cNvSpPr/>
-          <p:nvPr/>
-        </p:nvSpPr>
-        <p:spPr>
-          <a:xfrm>
-            <a:off x="6433304" y="5114092"/>
-            <a:ext cx="2619375" cy="362903"/>
-          </a:xfrm>
-          <a:prstGeom prst="rect">
-            <a:avLst/>
-          </a:prstGeom>
-          <a:noFill/>
-          <a:ln/>
-        </p:spPr>
-        <p:txBody>
-          <a:bodyPr wrap="none" lIns="0" tIns="0" rIns="0" bIns="0" rtlCol="0" anchor="t"/>
-          <a:lstStyle/>
-          <a:p>
-            <a:pPr marL="0" indent="0" algn="l">
-              <a:lnSpc>
-                <a:spcPts val="2850"/>
-              </a:lnSpc>
-              <a:buNone/>
-            </a:pPr>
-            <a:r>
-              <a:rPr lang="en-US" sz="1750" dirty="0">
-                <a:solidFill>
-                  <a:srgbClr val="404155"/>
-                </a:solidFill>
-                <a:latin typeface="Nobile" pitchFamily="34" charset="0"/>
-                <a:ea typeface="Nobile" pitchFamily="34" charset="-122"/>
-                <a:cs typeface="Nobile" pitchFamily="34" charset="-120"/>
-              </a:rPr>
-              <a:t>Investment &amp; pricing.</a:t>
-            </a:r>
-            <a:endParaRPr lang="en-US" sz="1750" dirty="0"/>
-          </a:p>
-        </p:txBody>
-      </p:sp>
-      <p:sp>
-        <p:nvSpPr>
-          <p:cNvPr id="12" name="Shape 8"/>
-          <p:cNvSpPr/>
-          <p:nvPr/>
-        </p:nvSpPr>
-        <p:spPr>
-          <a:xfrm>
-            <a:off x="6263164" y="5716905"/>
-            <a:ext cx="7516773" cy="15240"/>
-          </a:xfrm>
-          <a:prstGeom prst="roundRect">
-            <a:avLst>
-              <a:gd name="adj" fmla="val 625116"/>
-            </a:avLst>
-          </a:prstGeom>
-          <a:solidFill>
-            <a:srgbClr val="B8BFDF"/>
-          </a:solidFill>
-          <a:ln/>
-        </p:spPr>
-      </p:sp>
-      <p:pic>
-        <p:nvPicPr>
-          <p:cNvPr id="13" name="Image 2" descr="preencoded.png"/>
-          <p:cNvPicPr>
-            <a:picLocks noChangeAspect="1"/>
-          </p:cNvPicPr>
-          <p:nvPr/>
-        </p:nvPicPr>
-        <p:blipFill>
-          <a:blip r:embed="rId5"/>
-          <a:stretch>
-            <a:fillRect/>
-          </a:stretch>
-        </p:blipFill>
-        <p:spPr>
-          <a:xfrm>
-            <a:off x="826294" y="5760482"/>
-            <a:ext cx="6456164" cy="1306949"/>
-          </a:xfrm>
-          <a:prstGeom prst="rect">
-            <a:avLst/>
-          </a:prstGeom>
-        </p:spPr>
-      </p:pic>
-      <p:sp>
-        <p:nvSpPr>
-          <p:cNvPr id="14" name="Text 9"/>
-          <p:cNvSpPr/>
-          <p:nvPr/>
-        </p:nvSpPr>
-        <p:spPr>
-          <a:xfrm>
-            <a:off x="3894773" y="6214586"/>
-            <a:ext cx="318968" cy="398621"/>
-          </a:xfrm>
-          <a:prstGeom prst="rect">
-            <a:avLst/>
-          </a:prstGeom>
-          <a:noFill/>
-          <a:ln/>
-        </p:spPr>
-        <p:txBody>
-          <a:bodyPr wrap="none" lIns="0" tIns="0" rIns="0" bIns="0" rtlCol="0" anchor="t"/>
-          <a:lstStyle/>
-          <a:p>
-            <a:pPr marL="0" indent="0" algn="ctr">
-              <a:lnSpc>
-                <a:spcPts val="4000"/>
-              </a:lnSpc>
-              <a:buNone/>
-            </a:pPr>
-            <a:r>
-              <a:rPr lang="en-US" sz="2500" dirty="0">
-                <a:solidFill>
-                  <a:srgbClr val="404155"/>
-                </a:solidFill>
-                <a:latin typeface="Corben" pitchFamily="34" charset="0"/>
-                <a:ea typeface="Corben" pitchFamily="34" charset="-122"/>
-                <a:cs typeface="Corben" pitchFamily="34" charset="-120"/>
-              </a:rPr>
-              <a:t>3</a:t>
-            </a:r>
-            <a:endParaRPr lang="en-US" sz="2500" dirty="0"/>
-          </a:p>
-        </p:txBody>
-      </p:sp>
-      <p:sp>
-        <p:nvSpPr>
-          <p:cNvPr id="15" name="Text 10"/>
-          <p:cNvSpPr/>
-          <p:nvPr/>
-        </p:nvSpPr>
-        <p:spPr>
-          <a:xfrm>
-            <a:off x="7509272" y="5987296"/>
-            <a:ext cx="3085386" cy="354330"/>
-          </a:xfrm>
-          <a:prstGeom prst="rect">
-            <a:avLst/>
-          </a:prstGeom>
-          <a:noFill/>
-          <a:ln/>
-        </p:spPr>
-        <p:txBody>
-          <a:bodyPr wrap="none" lIns="0" tIns="0" rIns="0" bIns="0" rtlCol="0" anchor="t"/>
-          <a:lstStyle/>
-          <a:p>
-            <a:pPr marL="0" indent="0" algn="l">
-              <a:lnSpc>
-                <a:spcPts val="2750"/>
-              </a:lnSpc>
-              <a:buNone/>
-            </a:pPr>
-            <a:r>
-              <a:rPr lang="en-US" sz="2200" dirty="0">
-                <a:solidFill>
-                  <a:srgbClr val="404155"/>
-                </a:solidFill>
-                <a:latin typeface="Corben" pitchFamily="34" charset="0"/>
-                <a:ea typeface="Corben" pitchFamily="34" charset="-122"/>
-                <a:cs typeface="Corben" pitchFamily="34" charset="-120"/>
-              </a:rPr>
-              <a:t>Proactive Management</a:t>
-            </a:r>
-            <a:endParaRPr lang="en-US" sz="2200" dirty="0"/>
-          </a:p>
-        </p:txBody>
-      </p:sp>
-      <p:sp>
-        <p:nvSpPr>
-          <p:cNvPr id="16" name="Text 11"/>
-          <p:cNvSpPr/>
-          <p:nvPr/>
-        </p:nvSpPr>
-        <p:spPr>
-          <a:xfrm>
-            <a:off x="7509272" y="6477714"/>
-            <a:ext cx="3085386" cy="362903"/>
-          </a:xfrm>
-          <a:prstGeom prst="rect">
-            <a:avLst/>
-          </a:prstGeom>
-          <a:noFill/>
-          <a:ln/>
-        </p:spPr>
-        <p:txBody>
-          <a:bodyPr wrap="none" lIns="0" tIns="0" rIns="0" bIns="0" rtlCol="0" anchor="t"/>
-          <a:lstStyle/>
-          <a:p>
-            <a:pPr marL="0" indent="0" algn="l">
-              <a:lnSpc>
-                <a:spcPts val="2850"/>
-              </a:lnSpc>
-              <a:buNone/>
-            </a:pPr>
-            <a:r>
-              <a:rPr lang="en-US" sz="1750" dirty="0">
-                <a:solidFill>
-                  <a:srgbClr val="404155"/>
-                </a:solidFill>
-                <a:latin typeface="Nobile" pitchFamily="34" charset="0"/>
-                <a:ea typeface="Nobile" pitchFamily="34" charset="-122"/>
-                <a:cs typeface="Nobile" pitchFamily="34" charset="-120"/>
+                <a:latin typeface="Nobile" panose="02000503050000020004" pitchFamily="34" charset="0"/>
+                <a:ea typeface="Nobile" panose="02000503050000020004" pitchFamily="34" charset="-122"/>
+                <a:cs typeface="Nobile" panose="02000503050000020004" pitchFamily="34" charset="-120"/>
               </a:rPr>
               <a:t>Early problem ID.</a:t>
             </a:r>
@@ -7178,7 +6966,7 @@
 
 <file path=ppt/slides/slide9.xml><?xml version="1.0" encoding="utf-8"?>
 <p:sld xmlns:a="http://schemas.openxmlformats.org/drawingml/2006/main" xmlns:r="http://schemas.openxmlformats.org/officeDocument/2006/relationships" xmlns:p="http://schemas.openxmlformats.org/presentationml/2006/main">
-  <p:cSld name="Slide 9">
+  <p:cSld>
     <p:spTree>
       <p:nvGrpSpPr>
         <p:cNvPr id="1" name=""/>
@@ -7208,7 +6996,6 @@
             <a:avLst/>
           </a:prstGeom>
           <a:noFill/>
-          <a:ln/>
         </p:spPr>
         <p:txBody>
           <a:bodyPr wrap="none" lIns="0" tIns="0" rIns="0" bIns="0" rtlCol="0" anchor="t"/>
@@ -7225,9 +7012,9 @@
                 <a:solidFill>
                   <a:srgbClr val="1B1B27"/>
                 </a:solidFill>
-                <a:latin typeface="Corben" pitchFamily="34" charset="0"/>
-                <a:ea typeface="Corben" pitchFamily="34" charset="-122"/>
-                <a:cs typeface="Corben" pitchFamily="34" charset="-120"/>
+                <a:latin typeface="Corben" panose="020F0503020000020004" pitchFamily="34" charset="0"/>
+                <a:ea typeface="Corben" panose="020F0503020000020004" pitchFamily="34" charset="-122"/>
+                <a:cs typeface="Corben" panose="020F0503020000020004" pitchFamily="34" charset="-120"/>
               </a:rPr>
               <a:t>Tax Compliance</a:t>
             </a:r>
@@ -7277,7 +7064,6 @@
             <a:avLst/>
           </a:prstGeom>
           <a:noFill/>
-          <a:ln/>
         </p:spPr>
         <p:txBody>
           <a:bodyPr wrap="none" lIns="0" tIns="0" rIns="0" bIns="0" rtlCol="0" anchor="t"/>
@@ -7294,9 +7080,9 @@
                 <a:solidFill>
                   <a:srgbClr val="404155"/>
                 </a:solidFill>
-                <a:latin typeface="Corben" pitchFamily="34" charset="0"/>
-                <a:ea typeface="Corben" pitchFamily="34" charset="-122"/>
-                <a:cs typeface="Corben" pitchFamily="34" charset="-120"/>
+                <a:latin typeface="Corben" panose="020F0503020000020004" pitchFamily="34" charset="0"/>
+                <a:ea typeface="Corben" panose="020F0503020000020004" pitchFamily="34" charset="-122"/>
+                <a:cs typeface="Corben" panose="020F0503020000020004" pitchFamily="34" charset="-120"/>
               </a:rPr>
               <a:t>1</a:t>
             </a:r>
@@ -7319,7 +7105,6 @@
             <a:avLst/>
           </a:prstGeom>
           <a:noFill/>
-          <a:ln/>
         </p:spPr>
         <p:txBody>
           <a:bodyPr wrap="none" lIns="0" tIns="0" rIns="0" bIns="0" rtlCol="0" anchor="t"/>
@@ -7336,9 +7121,9 @@
                 <a:solidFill>
                   <a:srgbClr val="404155"/>
                 </a:solidFill>
-                <a:latin typeface="Corben" pitchFamily="34" charset="0"/>
-                <a:ea typeface="Corben" pitchFamily="34" charset="-122"/>
-                <a:cs typeface="Corben" pitchFamily="34" charset="-120"/>
+                <a:latin typeface="Corben" panose="020F0503020000020004" pitchFamily="34" charset="0"/>
+                <a:ea typeface="Corben" panose="020F0503020000020004" pitchFamily="34" charset="-122"/>
+                <a:cs typeface="Corben" panose="020F0503020000020004" pitchFamily="34" charset="-120"/>
               </a:rPr>
               <a:t>GST Records</a:t>
             </a:r>
@@ -7361,7 +7146,6 @@
             <a:avLst/>
           </a:prstGeom>
           <a:noFill/>
-          <a:ln/>
         </p:spPr>
         <p:txBody>
           <a:bodyPr wrap="none" lIns="0" tIns="0" rIns="0" bIns="0" rtlCol="0" anchor="t"/>
@@ -7378,9 +7162,9 @@
                 <a:solidFill>
                   <a:srgbClr val="404155"/>
                 </a:solidFill>
-                <a:latin typeface="Nobile" pitchFamily="34" charset="0"/>
-                <a:ea typeface="Nobile" pitchFamily="34" charset="-122"/>
-                <a:cs typeface="Nobile" pitchFamily="34" charset="-120"/>
+                <a:latin typeface="Nobile" panose="02000503050000020004" pitchFamily="34" charset="0"/>
+                <a:ea typeface="Nobile" panose="02000503050000020004" pitchFamily="34" charset="-122"/>
+                <a:cs typeface="Nobile" panose="02000503050000020004" pitchFamily="34" charset="-120"/>
               </a:rPr>
               <a:t>Goods and Services Tax</a:t>
             </a:r>
@@ -7407,7 +7191,6 @@
           <a:solidFill>
             <a:srgbClr val="B8BFDF"/>
           </a:solidFill>
-          <a:ln/>
         </p:spPr>
       </p:sp>
       <p:sp>
@@ -7452,7 +7235,6 @@
             <a:avLst/>
           </a:prstGeom>
           <a:noFill/>
-          <a:ln/>
         </p:spPr>
         <p:txBody>
           <a:bodyPr wrap="none" lIns="0" tIns="0" rIns="0" bIns="0" rtlCol="0" anchor="t"/>
@@ -7469,9 +7251,9 @@
                 <a:solidFill>
                   <a:srgbClr val="404155"/>
                 </a:solidFill>
-                <a:latin typeface="Corben" pitchFamily="34" charset="0"/>
-                <a:ea typeface="Corben" pitchFamily="34" charset="-122"/>
-                <a:cs typeface="Corben" pitchFamily="34" charset="-120"/>
+                <a:latin typeface="Corben" panose="020F0503020000020004" pitchFamily="34" charset="0"/>
+                <a:ea typeface="Corben" panose="020F0503020000020004" pitchFamily="34" charset="-122"/>
+                <a:cs typeface="Corben" panose="020F0503020000020004" pitchFamily="34" charset="-120"/>
               </a:rPr>
               <a:t>2</a:t>
             </a:r>
@@ -7494,7 +7276,6 @@
             <a:avLst/>
           </a:prstGeom>
           <a:noFill/>
-          <a:ln/>
         </p:spPr>
         <p:txBody>
           <a:bodyPr wrap="none" lIns="0" tIns="0" rIns="0" bIns="0" rtlCol="0" anchor="t"/>
@@ -7511,9 +7292,9 @@
                 <a:solidFill>
                   <a:srgbClr val="404155"/>
                 </a:solidFill>
-                <a:latin typeface="Corben" pitchFamily="34" charset="0"/>
-                <a:ea typeface="Corben" pitchFamily="34" charset="-122"/>
-                <a:cs typeface="Corben" pitchFamily="34" charset="-120"/>
+                <a:latin typeface="Corben" panose="020F0503020000020004" pitchFamily="34" charset="0"/>
+                <a:ea typeface="Corben" panose="020F0503020000020004" pitchFamily="34" charset="-122"/>
+                <a:cs typeface="Corben" panose="020F0503020000020004" pitchFamily="34" charset="-120"/>
               </a:rPr>
               <a:t>TDS Records</a:t>
             </a:r>
@@ -7536,7 +7317,6 @@
             <a:avLst/>
           </a:prstGeom>
           <a:noFill/>
-          <a:ln/>
         </p:spPr>
         <p:txBody>
           <a:bodyPr wrap="none" lIns="0" tIns="0" rIns="0" bIns="0" rtlCol="0" anchor="t"/>
@@ -7553,9 +7333,9 @@
                 <a:solidFill>
                   <a:srgbClr val="404155"/>
                 </a:solidFill>
-                <a:latin typeface="Nobile" pitchFamily="34" charset="0"/>
-                <a:ea typeface="Nobile" pitchFamily="34" charset="-122"/>
-                <a:cs typeface="Nobile" pitchFamily="34" charset="-120"/>
+                <a:latin typeface="Nobile" panose="02000503050000020004" pitchFamily="34" charset="0"/>
+                <a:ea typeface="Nobile" panose="02000503050000020004" pitchFamily="34" charset="-122"/>
+                <a:cs typeface="Nobile" panose="02000503050000020004" pitchFamily="34" charset="-120"/>
               </a:rPr>
               <a:t>Tax Deducted at Source</a:t>
             </a:r>
@@ -7582,7 +7362,6 @@
           <a:solidFill>
             <a:srgbClr val="B8BFDF"/>
           </a:solidFill>
-          <a:ln/>
         </p:spPr>
       </p:sp>
       <p:sp>
@@ -7627,7 +7406,6 @@
             <a:avLst/>
           </a:prstGeom>
           <a:noFill/>
-          <a:ln/>
         </p:spPr>
         <p:txBody>
           <a:bodyPr wrap="none" lIns="0" tIns="0" rIns="0" bIns="0" rtlCol="0" anchor="t"/>
@@ -7644,9 +7422,9 @@
                 <a:solidFill>
                   <a:srgbClr val="404155"/>
                 </a:solidFill>
-                <a:latin typeface="Corben" pitchFamily="34" charset="0"/>
-                <a:ea typeface="Corben" pitchFamily="34" charset="-122"/>
-                <a:cs typeface="Corben" pitchFamily="34" charset="-120"/>
+                <a:latin typeface="Corben" panose="020F0503020000020004" pitchFamily="34" charset="0"/>
+                <a:ea typeface="Corben" panose="020F0503020000020004" pitchFamily="34" charset="-122"/>
+                <a:cs typeface="Corben" panose="020F0503020000020004" pitchFamily="34" charset="-120"/>
               </a:rPr>
               <a:t>3</a:t>
             </a:r>
@@ -7669,7 +7447,6 @@
             <a:avLst/>
           </a:prstGeom>
           <a:noFill/>
-          <a:ln/>
         </p:spPr>
         <p:txBody>
           <a:bodyPr wrap="none" lIns="0" tIns="0" rIns="0" bIns="0" rtlCol="0" anchor="t"/>
@@ -7686,9 +7463,9 @@
                 <a:solidFill>
                   <a:srgbClr val="404155"/>
                 </a:solidFill>
-                <a:latin typeface="Corben" pitchFamily="34" charset="0"/>
-                <a:ea typeface="Corben" pitchFamily="34" charset="-122"/>
-                <a:cs typeface="Corben" pitchFamily="34" charset="-120"/>
+                <a:latin typeface="Corben" panose="020F0503020000020004" pitchFamily="34" charset="0"/>
+                <a:ea typeface="Corben" panose="020F0503020000020004" pitchFamily="34" charset="-122"/>
+                <a:cs typeface="Corben" panose="020F0503020000020004" pitchFamily="34" charset="-120"/>
               </a:rPr>
               <a:t>Income Tax</a:t>
             </a:r>
@@ -7711,7 +7488,6 @@
             <a:avLst/>
           </a:prstGeom>
           <a:noFill/>
-          <a:ln/>
         </p:spPr>
         <p:txBody>
           <a:bodyPr wrap="none" lIns="0" tIns="0" rIns="0" bIns="0" rtlCol="0" anchor="t"/>
@@ -7728,9 +7504,9 @@
                 <a:solidFill>
                   <a:srgbClr val="404155"/>
                 </a:solidFill>
-                <a:latin typeface="Nobile" pitchFamily="34" charset="0"/>
-                <a:ea typeface="Nobile" pitchFamily="34" charset="-122"/>
-                <a:cs typeface="Nobile" pitchFamily="34" charset="-120"/>
+                <a:latin typeface="Nobile" panose="02000503050000020004" pitchFamily="34" charset="0"/>
+                <a:ea typeface="Nobile" panose="02000503050000020004" pitchFamily="34" charset="-122"/>
+                <a:cs typeface="Nobile" panose="02000503050000020004" pitchFamily="34" charset="-120"/>
               </a:rPr>
               <a:t>Accurate reporting</a:t>
             </a:r>
@@ -7835,302 +7611,7 @@
     </a:clrScheme>
     <a:fontScheme name="Office">
       <a:majorFont>
-        <a:latin typeface="Calibri Light" panose="020F0302020204030204"/>
-        <a:ea typeface=""/>
-        <a:cs typeface=""/>
-        <a:font script="Jpan" typeface="游ゴシック Light"/>
-        <a:font script="Hang" typeface="맑은 고딕"/>
-        <a:font script="Hans" typeface="等线 Light"/>
-        <a:font script="Hant" typeface="新細明體"/>
-        <a:font script="Arab" typeface="Times New Roman"/>
-        <a:font script="Hebr" typeface="Times New Roman"/>
-        <a:font script="Thai" typeface="Angsana New"/>
-        <a:font script="Ethi" typeface="Nyala"/>
-        <a:font script="Beng" typeface="Vrinda"/>
-        <a:font script="Gujr" typeface="Shruti"/>
-        <a:font script="Khmr" typeface="MoolBoran"/>
-        <a:font script="Knda" typeface="Tunga"/>
-        <a:font script="Guru" typeface="Raavi"/>
-        <a:font script="Cans" typeface="Euphemia"/>
-        <a:font script="Cher" typeface="Plantagenet Cherokee"/>
-        <a:font script="Yiii" typeface="Microsoft Yi Baiti"/>
-        <a:font script="Tibt" typeface="Microsoft Himalaya"/>
-        <a:font script="Thaa" typeface="MV Boli"/>
-        <a:font script="Deva" typeface="Mangal"/>
-        <a:font script="Telu" typeface="Gautami"/>
-        <a:font script="Taml" typeface="Latha"/>
-        <a:font script="Syrc" typeface="Estrangelo Edessa"/>
-        <a:font script="Orya" typeface="Kalinga"/>
-        <a:font script="Mlym" typeface="Kartika"/>
-        <a:font script="Laoo" typeface="DokChampa"/>
-        <a:font script="Sinh" typeface="Iskoola Pota"/>
-        <a:font script="Mong" typeface="Mongolian Baiti"/>
-        <a:font script="Viet" typeface="Times New Roman"/>
-        <a:font script="Uigh" typeface="Microsoft Uighur"/>
-        <a:font script="Geor" typeface="Sylfaen"/>
-        <a:font script="Armn" typeface="Arial"/>
-        <a:font script="Bugi" typeface="Leelawadee UI"/>
-        <a:font script="Bopo" typeface="Microsoft JhengHei"/>
-        <a:font script="Java" typeface="Javanese Text"/>
-        <a:font script="Lisu" typeface="Segoe UI"/>
-        <a:font script="Mymr" typeface="Myanmar Text"/>
-        <a:font script="Nkoo" typeface="Ebrima"/>
-        <a:font script="Olck" typeface="Nirmala UI"/>
-        <a:font script="Osma" typeface="Ebrima"/>
-        <a:font script="Phag" typeface="Phagspa"/>
-        <a:font script="Syrn" typeface="Estrangelo Edessa"/>
-        <a:font script="Syrj" typeface="Estrangelo Edessa"/>
-        <a:font script="Syre" typeface="Estrangelo Edessa"/>
-        <a:font script="Sora" typeface="Nirmala UI"/>
-        <a:font script="Tale" typeface="Microsoft Tai Le"/>
-        <a:font script="Talu" typeface="Microsoft New Tai Lue"/>
-        <a:font script="Tfng" typeface="Ebrima"/>
-      </a:majorFont>
-      <a:minorFont>
-        <a:latin typeface="Calibri" panose="020F0502020204030204"/>
-        <a:ea typeface=""/>
-        <a:cs typeface=""/>
-        <a:font script="Jpan" typeface="游ゴシック"/>
-        <a:font script="Hang" typeface="맑은 고딕"/>
-        <a:font script="Hans" typeface="等线"/>
-        <a:font script="Hant" typeface="新細明體"/>
-        <a:font script="Arab" typeface="Arial"/>
-        <a:font script="Hebr" typeface="Arial"/>
-        <a:font script="Thai" typeface="Cordia New"/>
-        <a:font script="Ethi" typeface="Nyala"/>
-        <a:font script="Beng" typeface="Vrinda"/>
-        <a:font script="Gujr" typeface="Shruti"/>
-        <a:font script="Khmr" typeface="DaunPenh"/>
-        <a:font script="Knda" typeface="Tunga"/>
-        <a:font script="Guru" typeface="Raavi"/>
-        <a:font script="Cans" typeface="Euphemia"/>
-        <a:font script="Cher" typeface="Plantagenet Cherokee"/>
-        <a:font script="Yiii" typeface="Microsoft Yi Baiti"/>
-        <a:font script="Tibt" typeface="Microsoft Himalaya"/>
-        <a:font script="Thaa" typeface="MV Boli"/>
-        <a:font script="Deva" typeface="Mangal"/>
-        <a:font script="Telu" typeface="Gautami"/>
-        <a:font script="Taml" typeface="Latha"/>
-        <a:font script="Syrc" typeface="Estrangelo Edessa"/>
-        <a:font script="Orya" typeface="Kalinga"/>
-        <a:font script="Mlym" typeface="Kartika"/>
-        <a:font script="Laoo" typeface="DokChampa"/>
-        <a:font script="Sinh" typeface="Iskoola Pota"/>
-        <a:font script="Mong" typeface="Mongolian Baiti"/>
-        <a:font script="Viet" typeface="Arial"/>
-        <a:font script="Uigh" typeface="Microsoft Uighur"/>
-        <a:font script="Geor" typeface="Sylfaen"/>
-        <a:font script="Armn" typeface="Arial"/>
-        <a:font script="Bugi" typeface="Leelawadee UI"/>
-        <a:font script="Bopo" typeface="Microsoft JhengHei"/>
-        <a:font script="Java" typeface="Javanese Text"/>
-        <a:font script="Lisu" typeface="Segoe UI"/>
-        <a:font script="Mymr" typeface="Myanmar Text"/>
-        <a:font script="Nkoo" typeface="Ebrima"/>
-        <a:font script="Olck" typeface="Nirmala UI"/>
-        <a:font script="Osma" typeface="Ebrima"/>
-        <a:font script="Phag" typeface="Phagspa"/>
-        <a:font script="Syrn" typeface="Estrangelo Edessa"/>
-        <a:font script="Syrj" typeface="Estrangelo Edessa"/>
-        <a:font script="Syre" typeface="Estrangelo Edessa"/>
-        <a:font script="Sora" typeface="Nirmala UI"/>
-        <a:font script="Tale" typeface="Microsoft Tai Le"/>
-        <a:font script="Talu" typeface="Microsoft New Tai Lue"/>
-        <a:font script="Tfng" typeface="Ebrima"/>
-      </a:minorFont>
-    </a:fontScheme>
-    <a:fmtScheme name="Office">
-      <a:fillStyleLst>
-        <a:solidFill>
-          <a:schemeClr val="phClr"/>
-        </a:solidFill>
-        <a:gradFill rotWithShape="1">
-          <a:gsLst>
-            <a:gs pos="0">
-              <a:schemeClr val="phClr">
-                <a:lumMod val="110000"/>
-                <a:satMod val="105000"/>
-                <a:tint val="67000"/>
-              </a:schemeClr>
-            </a:gs>
-            <a:gs pos="50000">
-              <a:schemeClr val="phClr">
-                <a:lumMod val="105000"/>
-                <a:satMod val="103000"/>
-                <a:tint val="73000"/>
-              </a:schemeClr>
-            </a:gs>
-            <a:gs pos="100000">
-              <a:schemeClr val="phClr">
-                <a:lumMod val="105000"/>
-                <a:satMod val="109000"/>
-                <a:tint val="81000"/>
-              </a:schemeClr>
-            </a:gs>
-          </a:gsLst>
-          <a:lin ang="5400000" scaled="0"/>
-        </a:gradFill>
-        <a:gradFill rotWithShape="1">
-          <a:gsLst>
-            <a:gs pos="0">
-              <a:schemeClr val="phClr">
-                <a:satMod val="103000"/>
-                <a:lumMod val="102000"/>
-                <a:tint val="94000"/>
-              </a:schemeClr>
-            </a:gs>
-            <a:gs pos="50000">
-              <a:schemeClr val="phClr">
-                <a:satMod val="110000"/>
-                <a:lumMod val="100000"/>
-                <a:shade val="100000"/>
-              </a:schemeClr>
-            </a:gs>
-            <a:gs pos="100000">
-              <a:schemeClr val="phClr">
-                <a:lumMod val="99000"/>
-                <a:satMod val="120000"/>
-                <a:shade val="78000"/>
-              </a:schemeClr>
-            </a:gs>
-          </a:gsLst>
-          <a:lin ang="5400000" scaled="0"/>
-        </a:gradFill>
-      </a:fillStyleLst>
-      <a:lnStyleLst>
-        <a:ln w="6350" cap="flat" cmpd="sng" algn="ctr">
-          <a:solidFill>
-            <a:schemeClr val="phClr"/>
-          </a:solidFill>
-          <a:prstDash val="solid"/>
-          <a:miter lim="800000"/>
-        </a:ln>
-        <a:ln w="12700" cap="flat" cmpd="sng" algn="ctr">
-          <a:solidFill>
-            <a:schemeClr val="phClr"/>
-          </a:solidFill>
-          <a:prstDash val="solid"/>
-          <a:miter lim="800000"/>
-        </a:ln>
-        <a:ln w="19050" cap="flat" cmpd="sng" algn="ctr">
-          <a:solidFill>
-            <a:schemeClr val="phClr"/>
-          </a:solidFill>
-          <a:prstDash val="solid"/>
-          <a:miter lim="800000"/>
-        </a:ln>
-      </a:lnStyleLst>
-      <a:effectStyleLst>
-        <a:effectStyle>
-          <a:effectLst/>
-        </a:effectStyle>
-        <a:effectStyle>
-          <a:effectLst/>
-        </a:effectStyle>
-        <a:effectStyle>
-          <a:effectLst>
-            <a:outerShdw blurRad="57150" dist="19050" dir="5400000" algn="ctr" rotWithShape="0">
-              <a:srgbClr val="000000">
-                <a:alpha val="63000"/>
-              </a:srgbClr>
-            </a:outerShdw>
-          </a:effectLst>
-        </a:effectStyle>
-      </a:effectStyleLst>
-      <a:bgFillStyleLst>
-        <a:solidFill>
-          <a:schemeClr val="phClr"/>
-        </a:solidFill>
-        <a:solidFill>
-          <a:schemeClr val="phClr">
-            <a:tint val="95000"/>
-            <a:satMod val="170000"/>
-          </a:schemeClr>
-        </a:solidFill>
-        <a:gradFill rotWithShape="1">
-          <a:gsLst>
-            <a:gs pos="0">
-              <a:schemeClr val="phClr">
-                <a:tint val="93000"/>
-                <a:satMod val="150000"/>
-                <a:shade val="98000"/>
-                <a:lumMod val="102000"/>
-              </a:schemeClr>
-            </a:gs>
-            <a:gs pos="50000">
-              <a:schemeClr val="phClr">
-                <a:tint val="98000"/>
-                <a:satMod val="130000"/>
-                <a:shade val="90000"/>
-                <a:lumMod val="103000"/>
-              </a:schemeClr>
-            </a:gs>
-            <a:gs pos="100000">
-              <a:schemeClr val="phClr">
-                <a:shade val="63000"/>
-                <a:satMod val="120000"/>
-              </a:schemeClr>
-            </a:gs>
-          </a:gsLst>
-          <a:lin ang="5400000" scaled="0"/>
-        </a:gradFill>
-      </a:bgFillStyleLst>
-    </a:fmtScheme>
-  </a:themeElements>
-  <a:objectDefaults/>
-  <a:extraClrSchemeLst/>
-  <a:extLst>
-    <a:ext uri="{05A4C25C-085E-4340-85A3-A5531E510DB2}">
-      <thm15:themeFamily xmlns:thm15="http://schemas.microsoft.com/office/thememl/2012/main" name="Office Theme" id="{62F939B6-93AF-4DB8-9C6B-D6C7DFDC589F}" vid="{4A3C46E8-61CC-4603-A589-7422A47A8E4A}"/>
-    </a:ext>
-  </a:extLst>
-</a:theme>
-</file>
-
-<file path=ppt/theme/theme2.xml><?xml version="1.0" encoding="utf-8"?>
-<a:theme xmlns:a="http://schemas.openxmlformats.org/drawingml/2006/main" name="Office Theme">
-  <a:themeElements>
-    <a:clrScheme name="Office">
-      <a:dk1>
-        <a:sysClr val="windowText" lastClr="000000"/>
-      </a:dk1>
-      <a:lt1>
-        <a:sysClr val="window" lastClr="FFFFFF"/>
-      </a:lt1>
-      <a:dk2>
-        <a:srgbClr val="44546A"/>
-      </a:dk2>
-      <a:lt2>
-        <a:srgbClr val="E7E6E6"/>
-      </a:lt2>
-      <a:accent1>
-        <a:srgbClr val="5B9BD5"/>
-      </a:accent1>
-      <a:accent2>
-        <a:srgbClr val="ED7D31"/>
-      </a:accent2>
-      <a:accent3>
-        <a:srgbClr val="A5A5A5"/>
-      </a:accent3>
-      <a:accent4>
-        <a:srgbClr val="FFC000"/>
-      </a:accent4>
-      <a:accent5>
-        <a:srgbClr val="4472C4"/>
-      </a:accent5>
-      <a:accent6>
-        <a:srgbClr val="70AD47"/>
-      </a:accent6>
-      <a:hlink>
-        <a:srgbClr val="0563C1"/>
-      </a:hlink>
-      <a:folHlink>
-        <a:srgbClr val="954F72"/>
-      </a:folHlink>
-    </a:clrScheme>
-    <a:fontScheme name="Office">
-      <a:majorFont>
-        <a:latin typeface="Calibri Light" panose="020F0302020204030204"/>
+        <a:latin typeface="Calibri Light"/>
         <a:ea typeface=""/>
         <a:cs typeface=""/>
         <a:font script="Jpan" typeface="游ゴシック Light"/>
@@ -8165,7 +7646,7 @@
         <a:font script="Geor" typeface="Sylfaen"/>
       </a:majorFont>
       <a:minorFont>
-        <a:latin typeface="Calibri" panose="020F0502020204030204"/>
+        <a:latin typeface="Calibri"/>
         <a:ea typeface=""/>
         <a:cs typeface=""/>
         <a:font script="Jpan" typeface="游ゴシック"/>
@@ -8338,8 +7819,265 @@
       </a:bgFillStyleLst>
     </a:fmtScheme>
   </a:themeElements>
-  <a:objectDefaults/>
-  <a:extraClrSchemeLst/>
+  <a:extLst>
+    <a:ext uri="{05A4C25C-085E-4340-85A3-A5531E510DB2}">
+      <thm15:themeFamily xmlns:thm15="http://schemas.microsoft.com/office/thememl/2012/main" name="Office Theme" id="{62F939B6-93AF-4DB8-9C6B-D6C7DFDC589F}" vid="{4A3C46E8-61CC-4603-A589-7422A47A8E4A}"/>
+    </a:ext>
+  </a:extLst>
+</a:theme>
+</file>
+
+<file path=ppt/theme/theme2.xml><?xml version="1.0" encoding="utf-8"?>
+<a:theme xmlns:a="http://schemas.openxmlformats.org/drawingml/2006/main" name="Office Theme">
+  <a:themeElements>
+    <a:clrScheme name="Office">
+      <a:dk1>
+        <a:sysClr val="windowText" lastClr="000000"/>
+      </a:dk1>
+      <a:lt1>
+        <a:sysClr val="window" lastClr="FFFFFF"/>
+      </a:lt1>
+      <a:dk2>
+        <a:srgbClr val="44546A"/>
+      </a:dk2>
+      <a:lt2>
+        <a:srgbClr val="E7E6E6"/>
+      </a:lt2>
+      <a:accent1>
+        <a:srgbClr val="5B9BD5"/>
+      </a:accent1>
+      <a:accent2>
+        <a:srgbClr val="ED7D31"/>
+      </a:accent2>
+      <a:accent3>
+        <a:srgbClr val="A5A5A5"/>
+      </a:accent3>
+      <a:accent4>
+        <a:srgbClr val="FFC000"/>
+      </a:accent4>
+      <a:accent5>
+        <a:srgbClr val="4472C4"/>
+      </a:accent5>
+      <a:accent6>
+        <a:srgbClr val="70AD47"/>
+      </a:accent6>
+      <a:hlink>
+        <a:srgbClr val="0563C1"/>
+      </a:hlink>
+      <a:folHlink>
+        <a:srgbClr val="954F72"/>
+      </a:folHlink>
+    </a:clrScheme>
+    <a:fontScheme name="Office">
+      <a:majorFont>
+        <a:latin typeface="Calibri Light"/>
+        <a:ea typeface=""/>
+        <a:cs typeface=""/>
+        <a:font script="Jpan" typeface="游ゴシック Light"/>
+        <a:font script="Hang" typeface="맑은 고딕"/>
+        <a:font script="Hans" typeface="等线 Light"/>
+        <a:font script="Hant" typeface="新細明體"/>
+        <a:font script="Arab" typeface="Times New Roman"/>
+        <a:font script="Hebr" typeface="Times New Roman"/>
+        <a:font script="Thai" typeface="Angsana New"/>
+        <a:font script="Ethi" typeface="Nyala"/>
+        <a:font script="Beng" typeface="Vrinda"/>
+        <a:font script="Gujr" typeface="Shruti"/>
+        <a:font script="Khmr" typeface="MoolBoran"/>
+        <a:font script="Knda" typeface="Tunga"/>
+        <a:font script="Guru" typeface="Raavi"/>
+        <a:font script="Cans" typeface="Euphemia"/>
+        <a:font script="Cher" typeface="Plantagenet Cherokee"/>
+        <a:font script="Yiii" typeface="Microsoft Yi Baiti"/>
+        <a:font script="Tibt" typeface="Microsoft Himalaya"/>
+        <a:font script="Thaa" typeface="MV Boli"/>
+        <a:font script="Deva" typeface="Mangal"/>
+        <a:font script="Telu" typeface="Gautami"/>
+        <a:font script="Taml" typeface="Latha"/>
+        <a:font script="Syrc" typeface="Estrangelo Edessa"/>
+        <a:font script="Orya" typeface="Kalinga"/>
+        <a:font script="Mlym" typeface="Kartika"/>
+        <a:font script="Laoo" typeface="DokChampa"/>
+        <a:font script="Sinh" typeface="Iskoola Pota"/>
+        <a:font script="Mong" typeface="Mongolian Baiti"/>
+        <a:font script="Viet" typeface="Times New Roman"/>
+        <a:font script="Uigh" typeface="Microsoft Uighur"/>
+        <a:font script="Geor" typeface="Sylfaen"/>
+      </a:majorFont>
+      <a:minorFont>
+        <a:latin typeface="Calibri"/>
+        <a:ea typeface=""/>
+        <a:cs typeface=""/>
+        <a:font script="Jpan" typeface="游ゴシック"/>
+        <a:font script="Hang" typeface="맑은 고딕"/>
+        <a:font script="Hans" typeface="等线"/>
+        <a:font script="Hant" typeface="新細明體"/>
+        <a:font script="Arab" typeface="Arial"/>
+        <a:font script="Hebr" typeface="Arial"/>
+        <a:font script="Thai" typeface="Cordia New"/>
+        <a:font script="Ethi" typeface="Nyala"/>
+        <a:font script="Beng" typeface="Vrinda"/>
+        <a:font script="Gujr" typeface="Shruti"/>
+        <a:font script="Khmr" typeface="DaunPenh"/>
+        <a:font script="Knda" typeface="Tunga"/>
+        <a:font script="Guru" typeface="Raavi"/>
+        <a:font script="Cans" typeface="Euphemia"/>
+        <a:font script="Cher" typeface="Plantagenet Cherokee"/>
+        <a:font script="Yiii" typeface="Microsoft Yi Baiti"/>
+        <a:font script="Tibt" typeface="Microsoft Himalaya"/>
+        <a:font script="Thaa" typeface="MV Boli"/>
+        <a:font script="Deva" typeface="Mangal"/>
+        <a:font script="Telu" typeface="Gautami"/>
+        <a:font script="Taml" typeface="Latha"/>
+        <a:font script="Syrc" typeface="Estrangelo Edessa"/>
+        <a:font script="Orya" typeface="Kalinga"/>
+        <a:font script="Mlym" typeface="Kartika"/>
+        <a:font script="Laoo" typeface="DokChampa"/>
+        <a:font script="Sinh" typeface="Iskoola Pota"/>
+        <a:font script="Mong" typeface="Mongolian Baiti"/>
+        <a:font script="Viet" typeface="Arial"/>
+        <a:font script="Uigh" typeface="Microsoft Uighur"/>
+        <a:font script="Geor" typeface="Sylfaen"/>
+      </a:minorFont>
+    </a:fontScheme>
+    <a:fmtScheme name="Office">
+      <a:fillStyleLst>
+        <a:solidFill>
+          <a:schemeClr val="phClr"/>
+        </a:solidFill>
+        <a:gradFill rotWithShape="1">
+          <a:gsLst>
+            <a:gs pos="0">
+              <a:schemeClr val="phClr">
+                <a:lumMod val="110000"/>
+                <a:satMod val="105000"/>
+                <a:tint val="67000"/>
+              </a:schemeClr>
+            </a:gs>
+            <a:gs pos="50000">
+              <a:schemeClr val="phClr">
+                <a:lumMod val="105000"/>
+                <a:satMod val="103000"/>
+                <a:tint val="73000"/>
+              </a:schemeClr>
+            </a:gs>
+            <a:gs pos="100000">
+              <a:schemeClr val="phClr">
+                <a:lumMod val="105000"/>
+                <a:satMod val="109000"/>
+                <a:tint val="81000"/>
+              </a:schemeClr>
+            </a:gs>
+          </a:gsLst>
+          <a:lin ang="5400000" scaled="0"/>
+        </a:gradFill>
+        <a:gradFill rotWithShape="1">
+          <a:gsLst>
+            <a:gs pos="0">
+              <a:schemeClr val="phClr">
+                <a:satMod val="103000"/>
+                <a:lumMod val="102000"/>
+                <a:tint val="94000"/>
+              </a:schemeClr>
+            </a:gs>
+            <a:gs pos="50000">
+              <a:schemeClr val="phClr">
+                <a:satMod val="110000"/>
+                <a:lumMod val="100000"/>
+                <a:shade val="100000"/>
+              </a:schemeClr>
+            </a:gs>
+            <a:gs pos="100000">
+              <a:schemeClr val="phClr">
+                <a:lumMod val="99000"/>
+                <a:satMod val="120000"/>
+                <a:shade val="78000"/>
+              </a:schemeClr>
+            </a:gs>
+          </a:gsLst>
+          <a:lin ang="5400000" scaled="0"/>
+        </a:gradFill>
+      </a:fillStyleLst>
+      <a:lnStyleLst>
+        <a:ln w="6350" cap="flat" cmpd="sng" algn="ctr">
+          <a:solidFill>
+            <a:schemeClr val="phClr"/>
+          </a:solidFill>
+          <a:prstDash val="solid"/>
+          <a:miter lim="800000"/>
+        </a:ln>
+        <a:ln w="12700" cap="flat" cmpd="sng" algn="ctr">
+          <a:solidFill>
+            <a:schemeClr val="phClr"/>
+          </a:solidFill>
+          <a:prstDash val="solid"/>
+          <a:miter lim="800000"/>
+        </a:ln>
+        <a:ln w="19050" cap="flat" cmpd="sng" algn="ctr">
+          <a:solidFill>
+            <a:schemeClr val="phClr"/>
+          </a:solidFill>
+          <a:prstDash val="solid"/>
+          <a:miter lim="800000"/>
+        </a:ln>
+      </a:lnStyleLst>
+      <a:effectStyleLst>
+        <a:effectStyle>
+          <a:effectLst/>
+        </a:effectStyle>
+        <a:effectStyle>
+          <a:effectLst/>
+        </a:effectStyle>
+        <a:effectStyle>
+          <a:effectLst>
+            <a:outerShdw blurRad="57150" dist="19050" dir="5400000" algn="ctr" rotWithShape="0">
+              <a:srgbClr val="000000">
+                <a:alpha val="63000"/>
+              </a:srgbClr>
+            </a:outerShdw>
+          </a:effectLst>
+        </a:effectStyle>
+      </a:effectStyleLst>
+      <a:bgFillStyleLst>
+        <a:solidFill>
+          <a:schemeClr val="phClr"/>
+        </a:solidFill>
+        <a:solidFill>
+          <a:schemeClr val="phClr">
+            <a:tint val="95000"/>
+            <a:satMod val="170000"/>
+          </a:schemeClr>
+        </a:solidFill>
+        <a:gradFill rotWithShape="1">
+          <a:gsLst>
+            <a:gs pos="0">
+              <a:schemeClr val="phClr">
+                <a:tint val="93000"/>
+                <a:satMod val="150000"/>
+                <a:shade val="98000"/>
+                <a:lumMod val="102000"/>
+              </a:schemeClr>
+            </a:gs>
+            <a:gs pos="50000">
+              <a:schemeClr val="phClr">
+                <a:tint val="98000"/>
+                <a:satMod val="130000"/>
+                <a:shade val="90000"/>
+                <a:lumMod val="103000"/>
+              </a:schemeClr>
+            </a:gs>
+            <a:gs pos="100000">
+              <a:schemeClr val="phClr">
+                <a:shade val="63000"/>
+                <a:satMod val="120000"/>
+              </a:schemeClr>
+            </a:gs>
+          </a:gsLst>
+          <a:lin ang="5400000" scaled="0"/>
+        </a:gradFill>
+      </a:bgFillStyleLst>
+    </a:fmtScheme>
+  </a:themeElements>
   <a:extLst>
     <a:ext uri="{05A4C25C-085E-4340-85A3-A5531E510DB2}">
       <thm15:themeFamily xmlns:thm15="http://schemas.microsoft.com/office/thememl/2012/main" name="Office Theme" id="{62F939B6-93AF-4DB8-9C6B-D6C7DFDC589F}" vid="{4A3C46E8-61CC-4603-A589-7422A47A8E4A}"/>
